--- a/bq_毕业答辩.pptx
+++ b/bq_毕业答辩.pptx
@@ -2284,223 +2284,6 @@
           </a:p>
         </p:txBody>
       </p:sp>
-      <mc:AlternateContent xmlns:mc="http://schemas.openxmlformats.org/markup-compatibility/2006">
-        <mc:Choice xmlns:a14="http://schemas.microsoft.com/office/drawing/2010/main" Requires="a14">
-          <p:sp>
-            <p:nvSpPr>
-              <p:cNvPr id="2" name="矩形 1"/>
-              <p:cNvSpPr/>
-              <p:nvPr/>
-            </p:nvSpPr>
-            <p:spPr>
-              <a:xfrm>
-                <a:off x="3081079" y="3244334"/>
-                <a:ext cx="2981842" cy="369332"/>
-              </a:xfrm>
-              <a:prstGeom prst="rect">
-                <a:avLst/>
-              </a:prstGeom>
-            </p:spPr>
-            <p:txBody>
-              <a:bodyPr wrap="none">
-                <a:spAutoFit/>
-              </a:bodyPr>
-              <a:lstStyle/>
-              <a:p>
-                <a:r>
-                  <a:rPr lang="zh-CN" altLang="zh-CN" dirty="0">
-                    <a:solidFill>
-                      <a:srgbClr val="000000"/>
-                    </a:solidFill>
-                    <a:latin typeface="Times New Roman" charset="0"/>
-                    <a:ea typeface="Arial Unicode MS" charset="0"/>
-                    <a:cs typeface="Times New Roman" charset="0"/>
-                  </a:rPr>
-                  <a:t>为了避免</a:t>
-                </a:r>
-                <a14:m>
-                  <m:oMath xmlns:m="http://schemas.openxmlformats.org/officeDocument/2006/math">
-                    <m:r>
-                      <m:rPr>
-                        <m:sty m:val="p"/>
-                      </m:rPr>
-                      <a:rPr lang="zh-CN" altLang="zh-CN">
-                        <a:solidFill>
-                          <a:srgbClr val="000000"/>
-                        </a:solidFill>
-                        <a:latin typeface="Cambria Math" charset="0"/>
-                        <a:ea typeface="Times New Roman" charset="0"/>
-                      </a:rPr>
-                      <m:t>P</m:t>
-                    </m:r>
-                    <m:r>
-                      <a:rPr lang="zh-CN" altLang="zh-CN">
-                        <a:solidFill>
-                          <a:srgbClr val="000000"/>
-                        </a:solidFill>
-                        <a:latin typeface="Cambria Math" charset="0"/>
-                        <a:ea typeface="Times New Roman" charset="0"/>
-                      </a:rPr>
-                      <m:t>(</m:t>
-                    </m:r>
-                    <m:sSub>
-                      <m:sSubPr>
-                        <m:ctrlPr>
-                          <a:rPr lang="zh-CN" altLang="zh-CN" i="1">
-                            <a:solidFill>
-                              <a:srgbClr val="000000"/>
-                            </a:solidFill>
-                            <a:latin typeface="Cambria Math" charset="0"/>
-                            <a:ea typeface="Times New Roman" charset="0"/>
-                            <a:cs typeface="Times New Roman" charset="0"/>
-                          </a:rPr>
-                        </m:ctrlPr>
-                      </m:sSubPr>
-                      <m:e>
-                        <m:r>
-                          <m:rPr>
-                            <m:sty m:val="p"/>
-                          </m:rPr>
-                          <a:rPr lang="zh-CN" altLang="zh-CN">
-                            <a:solidFill>
-                              <a:srgbClr val="000000"/>
-                            </a:solidFill>
-                            <a:latin typeface="Cambria Math" charset="0"/>
-                            <a:ea typeface="Times New Roman" charset="0"/>
-                          </a:rPr>
-                          <m:t>w</m:t>
-                        </m:r>
-                      </m:e>
-                      <m:sub>
-                        <m:r>
-                          <m:rPr>
-                            <m:sty m:val="p"/>
-                          </m:rPr>
-                          <a:rPr lang="zh-CN" altLang="zh-CN">
-                            <a:solidFill>
-                              <a:srgbClr val="000000"/>
-                            </a:solidFill>
-                            <a:latin typeface="Cambria Math" charset="0"/>
-                            <a:ea typeface="Times New Roman" charset="0"/>
-                          </a:rPr>
-                          <m:t>i</m:t>
-                        </m:r>
-                      </m:sub>
-                    </m:sSub>
-                    <m:r>
-                      <a:rPr lang="zh-CN" altLang="zh-CN">
-                        <a:solidFill>
-                          <a:srgbClr val="000000"/>
-                        </a:solidFill>
-                        <a:latin typeface="Cambria Math" charset="0"/>
-                        <a:ea typeface="Times New Roman" charset="0"/>
-                      </a:rPr>
-                      <m:t>|</m:t>
-                    </m:r>
-                    <m:r>
-                      <m:rPr>
-                        <m:sty m:val="p"/>
-                      </m:rPr>
-                      <a:rPr lang="zh-CN" altLang="zh-CN">
-                        <a:solidFill>
-                          <a:srgbClr val="000000"/>
-                        </a:solidFill>
-                        <a:latin typeface="Cambria Math" charset="0"/>
-                        <a:ea typeface="Times New Roman" charset="0"/>
-                      </a:rPr>
-                      <m:t>y</m:t>
-                    </m:r>
-                    <m:r>
-                      <a:rPr lang="zh-CN" altLang="zh-CN">
-                        <a:solidFill>
-                          <a:srgbClr val="000000"/>
-                        </a:solidFill>
-                        <a:latin typeface="Cambria Math" charset="0"/>
-                        <a:ea typeface="Times New Roman" charset="0"/>
-                      </a:rPr>
-                      <m:t>)</m:t>
-                    </m:r>
-                  </m:oMath>
-                </a14:m>
-                <a:r>
-                  <a:rPr lang="zh-CN" altLang="zh-CN" dirty="0">
-                    <a:solidFill>
-                      <a:srgbClr val="000000"/>
-                    </a:solidFill>
-                    <a:latin typeface="Times New Roman" charset="0"/>
-                    <a:ea typeface="Arial Unicode MS" charset="0"/>
-                    <a:cs typeface="Times New Roman" charset="0"/>
-                  </a:rPr>
-                  <a:t>为</a:t>
-                </a:r>
-                <a:r>
-                  <a:rPr lang="zh-CN" altLang="zh-CN" dirty="0">
-                    <a:solidFill>
-                      <a:srgbClr val="000000"/>
-                    </a:solidFill>
-                    <a:ea typeface="Times New Roman" charset="0"/>
-                  </a:rPr>
-                  <a:t>0</a:t>
-                </a:r>
-                <a:r>
-                  <a:rPr lang="zh-CN" altLang="zh-CN" dirty="0">
-                    <a:solidFill>
-                      <a:srgbClr val="000000"/>
-                    </a:solidFill>
-                    <a:latin typeface="Times New Roman" charset="0"/>
-                    <a:ea typeface="Arial Unicode MS" charset="0"/>
-                    <a:cs typeface="Times New Roman" charset="0"/>
-                  </a:rPr>
-                  <a:t>的情况</a:t>
-                </a:r>
-                <a:r>
-                  <a:rPr lang="zh-CN" altLang="zh-CN" dirty="0"/>
-                  <a:t> </a:t>
-                </a:r>
-                <a:endParaRPr lang="zh-CN" altLang="en-US" dirty="0"/>
-              </a:p>
-            </p:txBody>
-          </p:sp>
-        </mc:Choice>
-        <mc:Fallback>
-          <p:sp>
-            <p:nvSpPr>
-              <p:cNvPr id="2" name="矩形 1"/>
-              <p:cNvSpPr>
-                <a:spLocks noRot="1" noChangeAspect="1" noMove="1" noResize="1" noEditPoints="1" noAdjustHandles="1" noChangeArrowheads="1" noChangeShapeType="1" noTextEdit="1"/>
-              </p:cNvSpPr>
-              <p:nvPr/>
-            </p:nvSpPr>
-            <p:spPr>
-              <a:xfrm>
-                <a:off x="3081079" y="3244334"/>
-                <a:ext cx="2981842" cy="369332"/>
-              </a:xfrm>
-              <a:prstGeom prst="rect">
-                <a:avLst/>
-              </a:prstGeom>
-              <a:blipFill rotWithShape="0">
-                <a:blip r:embed="rId2"/>
-                <a:stretch>
-                  <a:fillRect l="-1633" t="-8197" b="-24590"/>
-                </a:stretch>
-              </a:blipFill>
-            </p:spPr>
-            <p:txBody>
-              <a:bodyPr/>
-              <a:lstStyle/>
-              <a:p>
-                <a:r>
-                  <a:rPr lang="zh-CN" altLang="en-US">
-                    <a:noFill/>
-                  </a:rPr>
-                  <a:t> </a:t>
-                </a:r>
-              </a:p>
-            </p:txBody>
-          </p:sp>
-        </mc:Fallback>
-      </mc:AlternateContent>
     </p:spTree>
   </p:cSld>
   <p:clrMapOvr>
@@ -4681,11 +4464,7 @@
                 </a:pPr>
                 <a:r>
                   <a:rPr lang="zh-CN" altLang="en-US" dirty="0" smtClean="0"/>
-                  <a:t>多项式</a:t>
-                </a:r>
-                <a:r>
-                  <a:rPr lang="zh-CN" altLang="en-US" dirty="0" smtClean="0"/>
-                  <a:t>模型</a:t>
+                  <a:t>多项式模型</a:t>
                 </a:r>
               </a:p>
               <a:p>
@@ -4763,11 +4542,7 @@
                 </a:pPr>
                 <a:r>
                   <a:rPr lang="zh-CN" altLang="en-US" dirty="0" smtClean="0"/>
-                  <a:t>伯努利</a:t>
-                </a:r>
-                <a:r>
-                  <a:rPr lang="zh-CN" altLang="en-US" dirty="0" smtClean="0"/>
-                  <a:t>模型</a:t>
+                  <a:t>伯努利模型</a:t>
                 </a:r>
               </a:p>
               <a:p>
@@ -4871,14 +4646,7 @@
                         <m:nor/>
                       </m:rPr>
                       <a:rPr lang="zh-CN" altLang="en-US" sz="2000"/>
-                      <m:t>）</m:t>
-                    </m:r>
-                    <m:r>
-                      <m:rPr>
-                        <m:nor/>
-                      </m:rPr>
-                      <a:rPr lang="zh-CN" altLang="en-US" sz="2000"/>
-                      <m:t>是一个平滑参数，取值在</m:t>
+                      <m:t>）是一个平滑参数，取值在</m:t>
                     </m:r>
                     <m:r>
                       <m:rPr>
@@ -4897,15 +4665,11 @@
                   </m:oMath>
                 </a14:m>
                 <a:r>
-                  <a:rPr lang="zh-CN" altLang="en-US" dirty="0" smtClean="0"/>
-                  <a:t>，</a:t>
+                  <a:rPr lang="zh-CN" altLang="en-US" sz="2000" dirty="0"/>
+                  <a:t>，用于</a:t>
                 </a:r>
                 <a:r>
-                  <a:rPr lang="zh-CN" altLang="en-US" dirty="0" smtClean="0"/>
-                  <a:t>用于</a:t>
-                </a:r>
-                <a:r>
-                  <a:rPr lang="zh-CN" altLang="zh-CN" sz="2000" dirty="0" smtClean="0"/>
+                  <a:rPr lang="zh-CN" altLang="zh-CN" sz="2000" dirty="0"/>
                   <a:t>避免</a:t>
                 </a:r>
                 <a14:m>
@@ -4924,7 +4688,7 @@
                     <m:sSub>
                       <m:sSubPr>
                         <m:ctrlPr>
-                          <a:rPr lang="zh-CN" altLang="zh-CN" sz="2000" i="1"/>
+                          <a:rPr lang="zh-CN" altLang="zh-CN" sz="2000"/>
                         </m:ctrlPr>
                       </m:sSubPr>
                       <m:e>
@@ -4965,11 +4729,7 @@
                 </a14:m>
                 <a:r>
                   <a:rPr lang="zh-CN" altLang="zh-CN" sz="2000" dirty="0"/>
-                  <a:t>为0的情况</a:t>
-                </a:r>
-                <a:r>
-                  <a:rPr lang="zh-CN" altLang="zh-CN" dirty="0"/>
-                  <a:t> </a:t>
+                  <a:t>为0的情况 </a:t>
                 </a:r>
                 <a:r>
                   <a:rPr lang="zh-CN" altLang="en-US" dirty="0" smtClean="0"/>
@@ -5026,8 +4786,8 @@
           </p:sp>
         </mc:Fallback>
       </mc:AlternateContent>
-      <mc:AlternateContent xmlns:mc="http://schemas.openxmlformats.org/markup-compatibility/2006">
-        <mc:Choice xmlns:a14="http://schemas.microsoft.com/office/drawing/2010/main" Requires="a14">
+      <mc:AlternateContent xmlns:mc="http://schemas.openxmlformats.org/markup-compatibility/2006" xmlns:a14="http://schemas.microsoft.com/office/drawing/2010/main">
+        <mc:Choice Requires="a14">
           <p:sp>
             <p:nvSpPr>
               <p:cNvPr id="6" name="Shape 110"/>
@@ -5090,13 +4850,17 @@
                 <a14:m>
                   <m:oMath xmlns:m="http://schemas.openxmlformats.org/officeDocument/2006/math">
                     <m:r>
-                      <a:rPr lang="zh-CN" altLang="zh-CN" sz="1600"/>
+                      <a:rPr lang="zh-CN" altLang="zh-CN" sz="1600">
+                        <a:latin typeface="Cambria Math" charset="0"/>
+                      </a:rPr>
                       <m:t>当</m:t>
                     </m:r>
                     <m:sSub>
                       <m:sSubPr>
                         <m:ctrlPr>
-                          <a:rPr lang="zh-CN" altLang="zh-CN" sz="1600" i="1"/>
+                          <a:rPr lang="zh-CN" altLang="zh-CN" sz="1600" i="1">
+                            <a:latin typeface="Cambria Math" charset="0"/>
+                          </a:rPr>
                         </m:ctrlPr>
                       </m:sSubPr>
                       <m:e>
@@ -5104,7 +4868,9 @@
                           <m:rPr>
                             <m:sty m:val="p"/>
                           </m:rPr>
-                          <a:rPr lang="zh-CN" altLang="zh-CN" sz="1600"/>
+                          <a:rPr lang="zh-CN" altLang="zh-CN" sz="1600">
+                            <a:latin typeface="Cambria Math" charset="0"/>
+                          </a:rPr>
                           <m:t>w</m:t>
                         </m:r>
                       </m:e>
@@ -5113,20 +4879,26 @@
                           <m:rPr>
                             <m:sty m:val="p"/>
                           </m:rPr>
-                          <a:rPr lang="zh-CN" altLang="zh-CN" sz="1600"/>
+                          <a:rPr lang="zh-CN" altLang="zh-CN" sz="1600">
+                            <a:latin typeface="Cambria Math" charset="0"/>
+                          </a:rPr>
                           <m:t>i</m:t>
                         </m:r>
                       </m:sub>
                     </m:sSub>
                     <m:r>
-                      <a:rPr lang="zh-CN" altLang="zh-CN" sz="1600"/>
+                      <a:rPr lang="zh-CN" altLang="zh-CN" sz="1600">
+                        <a:latin typeface="Cambria Math" charset="0"/>
+                      </a:rPr>
                       <m:t>=1时，</m:t>
                     </m:r>
                     <m:r>
                       <m:rPr>
                         <m:sty m:val="p"/>
                       </m:rPr>
-                      <a:rPr lang="zh-CN" altLang="zh-CN" sz="1600"/>
+                      <a:rPr lang="zh-CN" altLang="zh-CN" sz="1600">
+                        <a:latin typeface="Cambria Math" charset="0"/>
+                      </a:rPr>
                       <m:t>P</m:t>
                     </m:r>
                     <m:d>
@@ -5141,7 +4913,9 @@
                         <m:sSub>
                           <m:sSubPr>
                             <m:ctrlPr>
-                              <a:rPr lang="zh-CN" altLang="zh-CN" sz="1600" i="1"/>
+                              <a:rPr lang="zh-CN" altLang="zh-CN" sz="1600" i="1">
+                                <a:latin typeface="Cambria Math" charset="0"/>
+                              </a:rPr>
                             </m:ctrlPr>
                           </m:sSubPr>
                           <m:e>
@@ -5149,7 +4923,9 @@
                               <m:rPr>
                                 <m:sty m:val="p"/>
                               </m:rPr>
-                              <a:rPr lang="zh-CN" altLang="zh-CN" sz="1600"/>
+                              <a:rPr lang="zh-CN" altLang="zh-CN" sz="1600">
+                                <a:latin typeface="Cambria Math" charset="0"/>
+                              </a:rPr>
                               <m:t>w</m:t>
                             </m:r>
                           </m:e>
@@ -5158,7 +4934,9 @@
                               <m:rPr>
                                 <m:sty m:val="p"/>
                               </m:rPr>
-                              <a:rPr lang="zh-CN" altLang="zh-CN" sz="1600"/>
+                              <a:rPr lang="zh-CN" altLang="zh-CN" sz="1600">
+                                <a:latin typeface="Cambria Math" charset="0"/>
+                              </a:rPr>
                               <m:t>i</m:t>
                             </m:r>
                           </m:sub>
@@ -5169,20 +4947,26 @@
                           <m:rPr>
                             <m:sty m:val="p"/>
                           </m:rPr>
-                          <a:rPr lang="zh-CN" altLang="zh-CN" sz="1600"/>
+                          <a:rPr lang="zh-CN" altLang="zh-CN" sz="1600">
+                            <a:latin typeface="Cambria Math" charset="0"/>
+                          </a:rPr>
                           <m:t>y</m:t>
                         </m:r>
                       </m:e>
                     </m:d>
                     <m:r>
-                      <a:rPr lang="en-US" altLang="zh-CN" sz="1600"/>
+                      <a:rPr lang="en-US" altLang="zh-CN" sz="1600">
+                        <a:latin typeface="Cambria Math" charset="0"/>
+                      </a:rPr>
                       <m:t>=</m:t>
                     </m:r>
                     <m:r>
                       <m:rPr>
                         <m:sty m:val="p"/>
                       </m:rPr>
-                      <a:rPr lang="zh-CN" altLang="zh-CN" sz="1600"/>
+                      <a:rPr lang="zh-CN" altLang="zh-CN" sz="1600">
+                        <a:latin typeface="Cambria Math" charset="0"/>
+                      </a:rPr>
                       <m:t>P</m:t>
                     </m:r>
                     <m:d>
@@ -5197,7 +4981,9 @@
                         <m:sSub>
                           <m:sSubPr>
                             <m:ctrlPr>
-                              <a:rPr lang="zh-CN" altLang="zh-CN" sz="1600" i="1"/>
+                              <a:rPr lang="zh-CN" altLang="zh-CN" sz="1600" i="1">
+                                <a:latin typeface="Cambria Math" charset="0"/>
+                              </a:rPr>
                             </m:ctrlPr>
                           </m:sSubPr>
                           <m:e>
@@ -5205,7 +4991,9 @@
                               <m:rPr>
                                 <m:sty m:val="p"/>
                               </m:rPr>
-                              <a:rPr lang="zh-CN" altLang="zh-CN" sz="1600"/>
+                              <a:rPr lang="zh-CN" altLang="zh-CN" sz="1600">
+                                <a:latin typeface="Cambria Math" charset="0"/>
+                              </a:rPr>
                               <m:t>w</m:t>
                             </m:r>
                           </m:e>
@@ -5214,13 +5002,17 @@
                               <m:rPr>
                                 <m:sty m:val="p"/>
                               </m:rPr>
-                              <a:rPr lang="zh-CN" altLang="zh-CN" sz="1600"/>
+                              <a:rPr lang="zh-CN" altLang="zh-CN" sz="1600">
+                                <a:latin typeface="Cambria Math" charset="0"/>
+                              </a:rPr>
                               <m:t>i</m:t>
                             </m:r>
                           </m:sub>
                         </m:sSub>
                         <m:r>
-                          <a:rPr lang="zh-CN" altLang="zh-CN" sz="1600"/>
+                          <a:rPr lang="zh-CN" altLang="zh-CN" sz="1600">
+                            <a:latin typeface="Cambria Math" charset="0"/>
+                          </a:rPr>
                           <m:t>=1</m:t>
                         </m:r>
                       </m:e>
@@ -5229,7 +5021,9 @@
                           <m:rPr>
                             <m:sty m:val="p"/>
                           </m:rPr>
-                          <a:rPr lang="zh-CN" altLang="zh-CN" sz="1600"/>
+                          <a:rPr lang="zh-CN" altLang="zh-CN" sz="1600">
+                            <a:latin typeface="Cambria Math" charset="0"/>
+                          </a:rPr>
                           <m:t>y</m:t>
                         </m:r>
                       </m:e>
@@ -5248,13 +5042,17 @@
                 <a14:m>
                   <m:oMath xmlns:m="http://schemas.openxmlformats.org/officeDocument/2006/math">
                     <m:r>
-                      <a:rPr lang="zh-CN" altLang="zh-CN" sz="1600"/>
+                      <a:rPr lang="zh-CN" altLang="zh-CN" sz="1600">
+                        <a:latin typeface="Cambria Math" charset="0"/>
+                      </a:rPr>
                       <m:t>当</m:t>
                     </m:r>
                     <m:sSub>
                       <m:sSubPr>
                         <m:ctrlPr>
-                          <a:rPr lang="zh-CN" altLang="zh-CN" sz="1600" i="1"/>
+                          <a:rPr lang="zh-CN" altLang="zh-CN" sz="1600" i="1">
+                            <a:latin typeface="Cambria Math" charset="0"/>
+                          </a:rPr>
                         </m:ctrlPr>
                       </m:sSubPr>
                       <m:e>
@@ -5262,7 +5060,9 @@
                           <m:rPr>
                             <m:sty m:val="p"/>
                           </m:rPr>
-                          <a:rPr lang="zh-CN" altLang="zh-CN" sz="1600"/>
+                          <a:rPr lang="zh-CN" altLang="zh-CN" sz="1600">
+                            <a:latin typeface="Cambria Math" charset="0"/>
+                          </a:rPr>
                           <m:t>w</m:t>
                         </m:r>
                       </m:e>
@@ -5271,24 +5071,32 @@
                           <m:rPr>
                             <m:sty m:val="p"/>
                           </m:rPr>
-                          <a:rPr lang="zh-CN" altLang="zh-CN" sz="1600"/>
+                          <a:rPr lang="zh-CN" altLang="zh-CN" sz="1600">
+                            <a:latin typeface="Cambria Math" charset="0"/>
+                          </a:rPr>
                           <m:t>i</m:t>
                         </m:r>
                       </m:sub>
                     </m:sSub>
                     <m:r>
-                      <a:rPr lang="en-US" altLang="zh-CN" sz="1600"/>
+                      <a:rPr lang="en-US" altLang="zh-CN" sz="1600">
+                        <a:latin typeface="Cambria Math" charset="0"/>
+                      </a:rPr>
                       <m:t>=0</m:t>
                     </m:r>
                     <m:r>
-                      <a:rPr lang="zh-CN" altLang="zh-CN" sz="1600"/>
+                      <a:rPr lang="zh-CN" altLang="zh-CN" sz="1600">
+                        <a:latin typeface="Cambria Math" charset="0"/>
+                      </a:rPr>
                       <m:t>时，</m:t>
                     </m:r>
                     <m:r>
                       <m:rPr>
                         <m:sty m:val="p"/>
                       </m:rPr>
-                      <a:rPr lang="zh-CN" altLang="zh-CN" sz="1600"/>
+                      <a:rPr lang="zh-CN" altLang="zh-CN" sz="1600">
+                        <a:latin typeface="Cambria Math" charset="0"/>
+                      </a:rPr>
                       <m:t>P</m:t>
                     </m:r>
                     <m:d>
@@ -5303,7 +5111,9 @@
                         <m:sSub>
                           <m:sSubPr>
                             <m:ctrlPr>
-                              <a:rPr lang="zh-CN" altLang="zh-CN" sz="1600" i="1"/>
+                              <a:rPr lang="zh-CN" altLang="zh-CN" sz="1600" i="1">
+                                <a:latin typeface="Cambria Math" charset="0"/>
+                              </a:rPr>
                             </m:ctrlPr>
                           </m:sSubPr>
                           <m:e>
@@ -5311,7 +5121,9 @@
                               <m:rPr>
                                 <m:sty m:val="p"/>
                               </m:rPr>
-                              <a:rPr lang="zh-CN" altLang="zh-CN" sz="1600"/>
+                              <a:rPr lang="zh-CN" altLang="zh-CN" sz="1600">
+                                <a:latin typeface="Cambria Math" charset="0"/>
+                              </a:rPr>
                               <m:t>w</m:t>
                             </m:r>
                           </m:e>
@@ -5320,7 +5132,9 @@
                               <m:rPr>
                                 <m:sty m:val="p"/>
                               </m:rPr>
-                              <a:rPr lang="zh-CN" altLang="zh-CN" sz="1600"/>
+                              <a:rPr lang="zh-CN" altLang="zh-CN" sz="1600">
+                                <a:latin typeface="Cambria Math" charset="0"/>
+                              </a:rPr>
                               <m:t>i</m:t>
                             </m:r>
                           </m:sub>
@@ -5331,24 +5145,32 @@
                           <m:rPr>
                             <m:sty m:val="p"/>
                           </m:rPr>
-                          <a:rPr lang="zh-CN" altLang="zh-CN" sz="1600"/>
+                          <a:rPr lang="zh-CN" altLang="zh-CN" sz="1600">
+                            <a:latin typeface="Cambria Math" charset="0"/>
+                          </a:rPr>
                           <m:t>y</m:t>
                         </m:r>
                       </m:e>
                     </m:d>
                     <m:r>
-                      <a:rPr lang="en-US" altLang="zh-CN" sz="1600"/>
+                      <a:rPr lang="en-US" altLang="zh-CN" sz="1600">
+                        <a:latin typeface="Cambria Math" charset="0"/>
+                      </a:rPr>
                       <m:t>=1</m:t>
                     </m:r>
                     <m:r>
-                      <a:rPr lang="en-US" altLang="zh-CN" sz="1600" i="1"/>
+                      <a:rPr lang="en-US" altLang="zh-CN" sz="1600" i="1">
+                        <a:latin typeface="Cambria Math" charset="0"/>
+                      </a:rPr>
                       <m:t>−</m:t>
                     </m:r>
                     <m:r>
                       <m:rPr>
                         <m:sty m:val="p"/>
                       </m:rPr>
-                      <a:rPr lang="zh-CN" altLang="zh-CN" sz="1600"/>
+                      <a:rPr lang="zh-CN" altLang="zh-CN" sz="1600">
+                        <a:latin typeface="Cambria Math" charset="0"/>
+                      </a:rPr>
                       <m:t>P</m:t>
                     </m:r>
                     <m:d>
@@ -5363,7 +5185,9 @@
                         <m:sSub>
                           <m:sSubPr>
                             <m:ctrlPr>
-                              <a:rPr lang="zh-CN" altLang="zh-CN" sz="1600" i="1"/>
+                              <a:rPr lang="zh-CN" altLang="zh-CN" sz="1600" i="1">
+                                <a:latin typeface="Cambria Math" charset="0"/>
+                              </a:rPr>
                             </m:ctrlPr>
                           </m:sSubPr>
                           <m:e>
@@ -5371,7 +5195,9 @@
                               <m:rPr>
                                 <m:sty m:val="p"/>
                               </m:rPr>
-                              <a:rPr lang="zh-CN" altLang="zh-CN" sz="1600"/>
+                              <a:rPr lang="zh-CN" altLang="zh-CN" sz="1600">
+                                <a:latin typeface="Cambria Math" charset="0"/>
+                              </a:rPr>
                               <m:t>w</m:t>
                             </m:r>
                           </m:e>
@@ -5380,13 +5206,17 @@
                               <m:rPr>
                                 <m:sty m:val="p"/>
                               </m:rPr>
-                              <a:rPr lang="zh-CN" altLang="zh-CN" sz="1600"/>
+                              <a:rPr lang="zh-CN" altLang="zh-CN" sz="1600">
+                                <a:latin typeface="Cambria Math" charset="0"/>
+                              </a:rPr>
                               <m:t>i</m:t>
                             </m:r>
                           </m:sub>
                         </m:sSub>
                         <m:r>
-                          <a:rPr lang="en-US" altLang="zh-CN" sz="1600"/>
+                          <a:rPr lang="en-US" altLang="zh-CN" sz="1600">
+                            <a:latin typeface="Cambria Math" charset="0"/>
+                          </a:rPr>
                           <m:t>=1</m:t>
                         </m:r>
                       </m:e>
@@ -5395,7 +5225,9 @@
                           <m:rPr>
                             <m:sty m:val="p"/>
                           </m:rPr>
-                          <a:rPr lang="zh-CN" altLang="zh-CN" sz="1600"/>
+                          <a:rPr lang="zh-CN" altLang="zh-CN" sz="1600">
+                            <a:latin typeface="Cambria Math" charset="0"/>
+                          </a:rPr>
                           <m:t>y</m:t>
                         </m:r>
                       </m:e>
@@ -5419,20 +5251,26 @@
                       <m:rPr>
                         <m:sty m:val="p"/>
                       </m:rPr>
-                      <a:rPr lang="en-US" altLang="zh-CN" sz="1600"/>
+                      <a:rPr lang="en-US" altLang="zh-CN" sz="1600">
+                        <a:latin typeface="Cambria Math" charset="0"/>
+                      </a:rPr>
                       <m:t>P</m:t>
                     </m:r>
                     <m:d>
                       <m:dPr>
                         <m:ctrlPr>
-                          <a:rPr lang="zh-CN" altLang="zh-CN" sz="1600" i="1"/>
+                          <a:rPr lang="zh-CN" altLang="zh-CN" sz="1600" i="1">
+                            <a:latin typeface="Cambria Math" charset="0"/>
+                          </a:rPr>
                         </m:ctrlPr>
                       </m:dPr>
                       <m:e>
                         <m:sSub>
                           <m:sSubPr>
                             <m:ctrlPr>
-                              <a:rPr lang="zh-CN" altLang="zh-CN" sz="1600" i="1"/>
+                              <a:rPr lang="zh-CN" altLang="zh-CN" sz="1600" i="1">
+                                <a:latin typeface="Cambria Math" charset="0"/>
+                              </a:rPr>
                             </m:ctrlPr>
                           </m:sSubPr>
                           <m:e>
@@ -5440,7 +5278,9 @@
                               <m:rPr>
                                 <m:sty m:val="p"/>
                               </m:rPr>
-                              <a:rPr lang="en-US" altLang="zh-CN" sz="1600"/>
+                              <a:rPr lang="en-US" altLang="zh-CN" sz="1600">
+                                <a:latin typeface="Cambria Math" charset="0"/>
+                              </a:rPr>
                               <m:t>w</m:t>
                             </m:r>
                           </m:e>
@@ -5449,13 +5289,17 @@
                               <m:rPr>
                                 <m:sty m:val="p"/>
                               </m:rPr>
-                              <a:rPr lang="en-US" altLang="zh-CN" sz="1600"/>
+                              <a:rPr lang="en-US" altLang="zh-CN" sz="1600">
+                                <a:latin typeface="Cambria Math" charset="0"/>
+                              </a:rPr>
                               <m:t>i</m:t>
                             </m:r>
                           </m:sub>
                         </m:sSub>
                         <m:r>
-                          <a:rPr lang="en-US" altLang="zh-CN" sz="1600"/>
+                          <a:rPr lang="en-US" altLang="zh-CN" sz="1600">
+                            <a:latin typeface="Cambria Math" charset="0"/>
+                          </a:rPr>
                           <m:t>=1</m:t>
                         </m:r>
                       </m:e>
@@ -5464,31 +5308,41 @@
                           <m:rPr>
                             <m:sty m:val="p"/>
                           </m:rPr>
-                          <a:rPr lang="en-US" altLang="zh-CN" sz="1600"/>
+                          <a:rPr lang="en-US" altLang="zh-CN" sz="1600">
+                            <a:latin typeface="Cambria Math" charset="0"/>
+                          </a:rPr>
                           <m:t>y</m:t>
                         </m:r>
                       </m:e>
                     </m:d>
                     <m:r>
-                      <a:rPr lang="en-US" altLang="zh-CN" sz="1600"/>
+                      <a:rPr lang="en-US" altLang="zh-CN" sz="1600">
+                        <a:latin typeface="Cambria Math" charset="0"/>
+                      </a:rPr>
                       <m:t>=</m:t>
                     </m:r>
                     <m:sSub>
                       <m:sSubPr>
                         <m:ctrlPr>
-                          <a:rPr lang="zh-CN" altLang="zh-CN" sz="1600" i="1"/>
+                          <a:rPr lang="zh-CN" altLang="zh-CN" sz="1600" i="1">
+                            <a:latin typeface="Cambria Math" charset="0"/>
+                          </a:rPr>
                         </m:ctrlPr>
                       </m:sSubPr>
                       <m:e>
                         <m:r>
-                          <a:rPr lang="en-US" altLang="zh-CN" sz="1600"/>
+                          <a:rPr lang="en-US" altLang="zh-CN" sz="1600">
+                            <a:latin typeface="Cambria Math" charset="0"/>
+                          </a:rPr>
                           <m:t>(</m:t>
                         </m:r>
                         <m:r>
                           <m:rPr>
                             <m:sty m:val="p"/>
                           </m:rPr>
-                          <a:rPr lang="en-US" altLang="zh-CN" sz="1600"/>
+                          <a:rPr lang="en-US" altLang="zh-CN" sz="1600">
+                            <a:latin typeface="Cambria Math" charset="0"/>
+                          </a:rPr>
                           <m:t>N</m:t>
                         </m:r>
                       </m:e>
@@ -5496,7 +5350,9 @@
                         <m:sSub>
                           <m:sSubPr>
                             <m:ctrlPr>
-                              <a:rPr lang="zh-CN" altLang="zh-CN" sz="1600" i="1"/>
+                              <a:rPr lang="zh-CN" altLang="zh-CN" sz="1600" i="1">
+                                <a:latin typeface="Cambria Math" charset="0"/>
+                              </a:rPr>
                             </m:ctrlPr>
                           </m:sSubPr>
                           <m:e>
@@ -5504,7 +5360,9 @@
                               <m:rPr>
                                 <m:sty m:val="p"/>
                               </m:rPr>
-                              <a:rPr lang="en-US" altLang="zh-CN" sz="1600"/>
+                              <a:rPr lang="en-US" altLang="zh-CN" sz="1600">
+                                <a:latin typeface="Cambria Math" charset="0"/>
+                              </a:rPr>
                               <m:t>y</m:t>
                             </m:r>
                           </m:e>
@@ -5513,7 +5371,9 @@
                               <m:rPr>
                                 <m:sty m:val="p"/>
                               </m:rPr>
-                              <a:rPr lang="en-US" altLang="zh-CN" sz="1600"/>
+                              <a:rPr lang="en-US" altLang="zh-CN" sz="1600">
+                                <a:latin typeface="Cambria Math" charset="0"/>
+                              </a:rPr>
                               <m:t>i</m:t>
                             </m:r>
                           </m:sub>
@@ -5521,18 +5381,24 @@
                       </m:sub>
                     </m:sSub>
                     <m:r>
-                      <a:rPr lang="en-US" altLang="zh-CN" sz="1600"/>
+                      <a:rPr lang="en-US" altLang="zh-CN" sz="1600">
+                        <a:latin typeface="Cambria Math" charset="0"/>
+                      </a:rPr>
                       <m:t>+</m:t>
                     </m:r>
                     <m:r>
                       <m:rPr>
                         <m:sty m:val="p"/>
                       </m:rPr>
-                      <a:rPr lang="en-US" altLang="zh-CN" sz="1600"/>
+                      <a:rPr lang="en-US" altLang="zh-CN" sz="1600">
+                        <a:latin typeface="Cambria Math" charset="0"/>
+                      </a:rPr>
                       <m:t>α</m:t>
                     </m:r>
                     <m:r>
-                      <a:rPr lang="en-US" altLang="zh-CN" sz="1600"/>
+                      <a:rPr lang="en-US" altLang="zh-CN" sz="1600">
+                        <a:latin typeface="Cambria Math" charset="0"/>
+                      </a:rPr>
                       <m:t>)/(</m:t>
                     </m:r>
                     <m:r>
@@ -5545,18 +5411,24 @@
                       <m:t>m</m:t>
                     </m:r>
                     <m:r>
-                      <a:rPr lang="en-US" altLang="zh-CN" sz="1600"/>
+                      <a:rPr lang="en-US" altLang="zh-CN" sz="1600">
+                        <a:latin typeface="Cambria Math" charset="0"/>
+                      </a:rPr>
                       <m:t>+2</m:t>
                     </m:r>
                     <m:r>
                       <m:rPr>
                         <m:sty m:val="p"/>
                       </m:rPr>
-                      <a:rPr lang="en-US" altLang="zh-CN" sz="1600"/>
+                      <a:rPr lang="en-US" altLang="zh-CN" sz="1600">
+                        <a:latin typeface="Cambria Math" charset="0"/>
+                      </a:rPr>
                       <m:t>α</m:t>
                     </m:r>
                     <m:r>
-                      <a:rPr lang="en-US" altLang="zh-CN" sz="1600"/>
+                      <a:rPr lang="en-US" altLang="zh-CN" sz="1600">
+                        <a:latin typeface="Cambria Math" charset="0"/>
+                      </a:rPr>
                       <m:t>)</m:t>
                     </m:r>
                   </m:oMath>
@@ -5566,7 +5438,7 @@
             </p:txBody>
           </p:sp>
         </mc:Choice>
-        <mc:Fallback>
+        <mc:Fallback xmlns="">
           <p:sp>
             <p:nvSpPr>
               <p:cNvPr id="6" name="Shape 110"/>
@@ -5616,8 +5488,8 @@
           </p:sp>
         </mc:Fallback>
       </mc:AlternateContent>
-      <mc:AlternateContent xmlns:mc="http://schemas.openxmlformats.org/markup-compatibility/2006">
-        <mc:Choice xmlns:a14="http://schemas.microsoft.com/office/drawing/2010/main" Requires="a14">
+      <mc:AlternateContent xmlns:mc="http://schemas.openxmlformats.org/markup-compatibility/2006" xmlns:a14="http://schemas.microsoft.com/office/drawing/2010/main">
+        <mc:Choice Requires="a14">
           <p:sp>
             <p:nvSpPr>
               <p:cNvPr id="8" name="Shape 110"/>
@@ -5691,7 +5563,9 @@
                         <m:begChr m:val="["/>
                         <m:endChr m:val="]"/>
                         <m:ctrlPr>
-                          <a:rPr lang="zh-CN" altLang="zh-CN" sz="1500" i="1"/>
+                          <a:rPr lang="zh-CN" altLang="zh-CN" sz="1500" i="1">
+                            <a:latin typeface="Cambria Math" charset="0"/>
+                          </a:rPr>
                         </m:ctrlPr>
                       </m:dPr>
                       <m:e>
@@ -5706,7 +5580,9 @@
                               </m:mc>
                             </m:mcs>
                             <m:ctrlPr>
-                              <a:rPr lang="zh-CN" altLang="zh-CN" sz="1500" i="1"/>
+                              <a:rPr lang="zh-CN" altLang="zh-CN" sz="1500" i="1">
+                                <a:latin typeface="Cambria Math" charset="0"/>
+                              </a:rPr>
                             </m:ctrlPr>
                           </m:mPr>
                           <m:mr>
@@ -5714,7 +5590,9 @@
                               <m:sSub>
                                 <m:sSubPr>
                                   <m:ctrlPr>
-                                    <a:rPr lang="zh-CN" altLang="zh-CN" sz="1500" i="1"/>
+                                    <a:rPr lang="zh-CN" altLang="zh-CN" sz="1500" i="1">
+                                      <a:latin typeface="Cambria Math" charset="0"/>
+                                    </a:rPr>
                                   </m:ctrlPr>
                                 </m:sSubPr>
                                 <m:e>
@@ -5722,13 +5600,17 @@
                                     <m:rPr>
                                       <m:sty m:val="p"/>
                                     </m:rPr>
-                                    <a:rPr lang="en-US" altLang="zh-CN" sz="1500" i="1" smtClean="0"/>
+                                    <a:rPr lang="en-US" altLang="zh-CN" sz="1500" i="1" smtClean="0">
+                                      <a:latin typeface="Cambria Math" charset="0"/>
+                                    </a:rPr>
                                     <m:t>x</m:t>
                                   </m:r>
                                 </m:e>
                                 <m:sub>
                                   <m:r>
-                                    <a:rPr lang="zh-CN" altLang="zh-CN" sz="1500"/>
+                                    <a:rPr lang="zh-CN" altLang="zh-CN" sz="1500">
+                                      <a:latin typeface="Cambria Math" charset="0"/>
+                                    </a:rPr>
                                     <m:t>11</m:t>
                                   </m:r>
                                 </m:sub>
@@ -5736,7 +5618,9 @@
                             </m:e>
                             <m:e>
                               <m:r>
-                                <a:rPr lang="zh-CN" altLang="zh-CN" sz="1500"/>
+                                <a:rPr lang="zh-CN" altLang="zh-CN" sz="1500">
+                                  <a:latin typeface="Cambria Math" charset="0"/>
+                                </a:rPr>
                                 <m:t>⋯</m:t>
                               </m:r>
                             </m:e>
@@ -5744,7 +5628,9 @@
                               <m:sSub>
                                 <m:sSubPr>
                                   <m:ctrlPr>
-                                    <a:rPr lang="zh-CN" altLang="zh-CN" sz="1500" i="1" smtClean="0"/>
+                                    <a:rPr lang="zh-CN" altLang="zh-CN" sz="1500" i="1" smtClean="0">
+                                      <a:latin typeface="Cambria Math" charset="0"/>
+                                    </a:rPr>
                                   </m:ctrlPr>
                                 </m:sSubPr>
                                 <m:e>
@@ -5760,7 +5646,9 @@
                                 </m:e>
                                 <m:sub>
                                   <m:r>
-                                    <a:rPr lang="zh-CN" altLang="zh-CN" sz="1500"/>
+                                    <a:rPr lang="zh-CN" altLang="zh-CN" sz="1500">
+                                      <a:latin typeface="Cambria Math" charset="0"/>
+                                    </a:rPr>
                                     <m:t>1</m:t>
                                   </m:r>
                                   <m:r>
@@ -5768,7 +5656,7 @@
                                       <m:sty m:val="p"/>
                                     </m:rPr>
                                     <a:rPr lang="en-US" altLang="zh-CN" sz="1500" b="0" i="0" smtClean="0">
-                                      <a:latin typeface="Times New Roman" charset="0"/>
+                                      <a:latin typeface="Cambria Math" charset="0"/>
                                       <a:ea typeface="Times New Roman" charset="0"/>
                                       <a:cs typeface="Times New Roman" charset="0"/>
                                     </a:rPr>
@@ -5781,7 +5669,9 @@
                           <m:mr>
                             <m:e>
                               <m:r>
-                                <a:rPr lang="zh-CN" altLang="zh-CN" sz="1500"/>
+                                <a:rPr lang="zh-CN" altLang="zh-CN" sz="1500">
+                                  <a:latin typeface="Cambria Math" charset="0"/>
+                                </a:rPr>
                                 <m:t>⋮</m:t>
                               </m:r>
                             </m:e>
@@ -5820,7 +5710,9 @@
                             </m:e>
                             <m:e>
                               <m:r>
-                                <a:rPr lang="zh-CN" altLang="zh-CN" sz="1500"/>
+                                <a:rPr lang="zh-CN" altLang="zh-CN" sz="1500">
+                                  <a:latin typeface="Cambria Math" charset="0"/>
+                                </a:rPr>
                                 <m:t>⋮</m:t>
                               </m:r>
                             </m:e>
@@ -5830,7 +5722,9 @@
                               <m:sSub>
                                 <m:sSubPr>
                                   <m:ctrlPr>
-                                    <a:rPr lang="zh-CN" altLang="zh-CN" sz="1500" i="1"/>
+                                    <a:rPr lang="zh-CN" altLang="zh-CN" sz="1500" i="1">
+                                      <a:latin typeface="Cambria Math" charset="0"/>
+                                    </a:rPr>
                                   </m:ctrlPr>
                                 </m:sSubPr>
                                 <m:e>
@@ -5855,7 +5749,9 @@
                                     <m:t>m</m:t>
                                   </m:r>
                                   <m:r>
-                                    <a:rPr lang="zh-CN" altLang="zh-CN" sz="1500"/>
+                                    <a:rPr lang="zh-CN" altLang="zh-CN" sz="1500">
+                                      <a:latin typeface="Cambria Math" charset="0"/>
+                                    </a:rPr>
                                     <m:t>1</m:t>
                                   </m:r>
                                 </m:sub>
@@ -5863,7 +5759,9 @@
                             </m:e>
                             <m:e>
                               <m:r>
-                                <a:rPr lang="zh-CN" altLang="zh-CN" sz="1500"/>
+                                <a:rPr lang="zh-CN" altLang="zh-CN" sz="1500">
+                                  <a:latin typeface="Cambria Math" charset="0"/>
+                                </a:rPr>
                                 <m:t>⋯</m:t>
                               </m:r>
                             </m:e>
@@ -5871,7 +5769,9 @@
                               <m:sSub>
                                 <m:sSubPr>
                                   <m:ctrlPr>
-                                    <a:rPr lang="zh-CN" altLang="zh-CN" sz="1500" i="1"/>
+                                    <a:rPr lang="zh-CN" altLang="zh-CN" sz="1500" i="1">
+                                      <a:latin typeface="Cambria Math" charset="0"/>
+                                    </a:rPr>
                                   </m:ctrlPr>
                                 </m:sSubPr>
                                 <m:e>
@@ -5906,13 +5806,7 @@
                       <a:rPr lang="zh-CN" altLang="en-US" sz="1500" b="0" i="1" smtClean="0">
                         <a:latin typeface="Cambria Math" charset="0"/>
                       </a:rPr>
-                      <m:t>，</m:t>
-                    </m:r>
-                    <m:r>
-                      <a:rPr lang="zh-CN" altLang="en-US" sz="1500" b="0" i="1" smtClean="0">
-                        <a:latin typeface="Cambria Math" charset="0"/>
-                      </a:rPr>
-                      <m:t>共</m:t>
+                      <m:t>，共</m:t>
                     </m:r>
                     <m:r>
                       <m:rPr>
@@ -5957,17 +5851,23 @@
                       <m:rPr>
                         <m:sty m:val="p"/>
                       </m:rPr>
-                      <a:rPr lang="zh-CN" altLang="zh-CN" sz="1500"/>
+                      <a:rPr lang="zh-CN" altLang="zh-CN" sz="1500">
+                        <a:latin typeface="Cambria Math" charset="0"/>
+                      </a:rPr>
                       <m:t>P</m:t>
                     </m:r>
                     <m:r>
-                      <a:rPr lang="zh-CN" altLang="zh-CN" sz="1500"/>
+                      <a:rPr lang="zh-CN" altLang="zh-CN" sz="1500">
+                        <a:latin typeface="Cambria Math" charset="0"/>
+                      </a:rPr>
                       <m:t>(</m:t>
                     </m:r>
                     <m:sSub>
                       <m:sSubPr>
                         <m:ctrlPr>
-                          <a:rPr lang="zh-CN" altLang="zh-CN" sz="1500" i="1"/>
+                          <a:rPr lang="zh-CN" altLang="zh-CN" sz="1500" i="1">
+                            <a:latin typeface="Cambria Math" charset="0"/>
+                          </a:rPr>
                         </m:ctrlPr>
                       </m:sSubPr>
                       <m:e>
@@ -5975,7 +5875,9 @@
                           <m:rPr>
                             <m:sty m:val="p"/>
                           </m:rPr>
-                          <a:rPr lang="zh-CN" altLang="zh-CN" sz="1500"/>
+                          <a:rPr lang="zh-CN" altLang="zh-CN" sz="1500">
+                            <a:latin typeface="Cambria Math" charset="0"/>
+                          </a:rPr>
                           <m:t>w</m:t>
                         </m:r>
                       </m:e>
@@ -5984,24 +5886,32 @@
                           <m:rPr>
                             <m:sty m:val="p"/>
                           </m:rPr>
-                          <a:rPr lang="zh-CN" altLang="zh-CN" sz="1500"/>
+                          <a:rPr lang="zh-CN" altLang="zh-CN" sz="1500">
+                            <a:latin typeface="Cambria Math" charset="0"/>
+                          </a:rPr>
                           <m:t>i</m:t>
                         </m:r>
                       </m:sub>
                     </m:sSub>
                     <m:r>
-                      <a:rPr lang="zh-CN" altLang="zh-CN" sz="1500"/>
+                      <a:rPr lang="zh-CN" altLang="zh-CN" sz="1500">
+                        <a:latin typeface="Cambria Math" charset="0"/>
+                      </a:rPr>
                       <m:t>|</m:t>
                     </m:r>
                     <m:r>
                       <m:rPr>
                         <m:sty m:val="p"/>
                       </m:rPr>
-                      <a:rPr lang="zh-CN" altLang="zh-CN" sz="1500"/>
+                      <a:rPr lang="zh-CN" altLang="zh-CN" sz="1500">
+                        <a:latin typeface="Cambria Math" charset="0"/>
+                      </a:rPr>
                       <m:t>y</m:t>
                     </m:r>
                     <m:r>
-                      <a:rPr lang="zh-CN" altLang="zh-CN" sz="1500"/>
+                      <a:rPr lang="zh-CN" altLang="zh-CN" sz="1500">
+                        <a:latin typeface="Cambria Math" charset="0"/>
+                      </a:rPr>
                       <m:t>)</m:t>
                     </m:r>
                   </m:oMath>
@@ -6013,20 +5923,26 @@
                 <a14:m>
                   <m:oMath xmlns:m="http://schemas.openxmlformats.org/officeDocument/2006/math">
                     <m:r>
-                      <a:rPr lang="en-US" altLang="zh-CN" sz="1600"/>
+                      <a:rPr lang="en-US" altLang="zh-CN" sz="1600">
+                        <a:latin typeface="Cambria Math" charset="0"/>
+                      </a:rPr>
                       <m:t>=</m:t>
                     </m:r>
                     <m:f>
                       <m:fPr>
                         <m:ctrlPr>
-                          <a:rPr lang="zh-CN" altLang="zh-CN" sz="1600" i="1"/>
+                          <a:rPr lang="zh-CN" altLang="zh-CN" sz="1600" i="1">
+                            <a:latin typeface="Cambria Math" charset="0"/>
+                          </a:rPr>
                         </m:ctrlPr>
                       </m:fPr>
                       <m:num>
                         <m:sSub>
                           <m:sSubPr>
                             <m:ctrlPr>
-                              <a:rPr lang="zh-CN" altLang="zh-CN" sz="1600" i="1"/>
+                              <a:rPr lang="zh-CN" altLang="zh-CN" sz="1600" i="1">
+                                <a:latin typeface="Cambria Math" charset="0"/>
+                              </a:rPr>
                             </m:ctrlPr>
                           </m:sSubPr>
                           <m:e>
@@ -6034,7 +5950,9 @@
                               <m:rPr>
                                 <m:sty m:val="p"/>
                               </m:rPr>
-                              <a:rPr lang="en-US" altLang="zh-CN" sz="1600"/>
+                              <a:rPr lang="en-US" altLang="zh-CN" sz="1600">
+                                <a:latin typeface="Cambria Math" charset="0"/>
+                              </a:rPr>
                               <m:t>N</m:t>
                             </m:r>
                           </m:e>
@@ -6042,7 +5960,9 @@
                             <m:sSub>
                               <m:sSubPr>
                                 <m:ctrlPr>
-                                  <a:rPr lang="zh-CN" altLang="zh-CN" sz="1600" i="1"/>
+                                  <a:rPr lang="zh-CN" altLang="zh-CN" sz="1600" i="1">
+                                    <a:latin typeface="Cambria Math" charset="0"/>
+                                  </a:rPr>
                                 </m:ctrlPr>
                               </m:sSubPr>
                               <m:e>
@@ -6050,7 +5970,9 @@
                                   <m:rPr>
                                     <m:sty m:val="p"/>
                                   </m:rPr>
-                                  <a:rPr lang="en-US" altLang="zh-CN" sz="1600"/>
+                                  <a:rPr lang="en-US" altLang="zh-CN" sz="1600">
+                                    <a:latin typeface="Cambria Math" charset="0"/>
+                                  </a:rPr>
                                   <m:t>y</m:t>
                                 </m:r>
                               </m:e>
@@ -6059,7 +5981,9 @@
                                   <m:rPr>
                                     <m:sty m:val="p"/>
                                   </m:rPr>
-                                  <a:rPr lang="en-US" altLang="zh-CN" sz="1600"/>
+                                  <a:rPr lang="en-US" altLang="zh-CN" sz="1600">
+                                    <a:latin typeface="Cambria Math" charset="0"/>
+                                  </a:rPr>
                                   <m:t>i</m:t>
                                 </m:r>
                               </m:sub>
@@ -6067,14 +5991,18 @@
                           </m:sub>
                         </m:sSub>
                         <m:r>
-                          <a:rPr lang="en-US" altLang="zh-CN" sz="1600"/>
+                          <a:rPr lang="en-US" altLang="zh-CN" sz="1600">
+                            <a:latin typeface="Cambria Math" charset="0"/>
+                          </a:rPr>
                           <m:t>+</m:t>
                         </m:r>
                         <m:r>
                           <m:rPr>
                             <m:sty m:val="p"/>
                           </m:rPr>
-                          <a:rPr lang="en-US" altLang="zh-CN" sz="1600"/>
+                          <a:rPr lang="en-US" altLang="zh-CN" sz="1600">
+                            <a:latin typeface="Cambria Math" charset="0"/>
+                          </a:rPr>
                           <m:t>α</m:t>
                         </m:r>
                       </m:num>
@@ -6082,7 +6010,9 @@
                         <m:sSub>
                           <m:sSubPr>
                             <m:ctrlPr>
-                              <a:rPr lang="zh-CN" altLang="zh-CN" sz="1600" i="1"/>
+                              <a:rPr lang="zh-CN" altLang="zh-CN" sz="1600" i="1">
+                                <a:latin typeface="Cambria Math" charset="0"/>
+                              </a:rPr>
                             </m:ctrlPr>
                           </m:sSubPr>
                           <m:e>
@@ -6090,7 +6020,9 @@
                               <m:rPr>
                                 <m:sty m:val="p"/>
                               </m:rPr>
-                              <a:rPr lang="en-US" altLang="zh-CN" sz="1600"/>
+                              <a:rPr lang="en-US" altLang="zh-CN" sz="1600">
+                                <a:latin typeface="Cambria Math" charset="0"/>
+                              </a:rPr>
                               <m:t>N</m:t>
                             </m:r>
                           </m:e>
@@ -6099,20 +6031,26 @@
                               <m:rPr>
                                 <m:sty m:val="p"/>
                               </m:rPr>
-                              <a:rPr lang="en-US" altLang="zh-CN" sz="1600"/>
+                              <a:rPr lang="en-US" altLang="zh-CN" sz="1600">
+                                <a:latin typeface="Cambria Math" charset="0"/>
+                              </a:rPr>
                               <m:t>y</m:t>
                             </m:r>
                           </m:sub>
                         </m:sSub>
                         <m:r>
-                          <a:rPr lang="en-US" altLang="zh-CN" sz="1600"/>
+                          <a:rPr lang="en-US" altLang="zh-CN" sz="1600">
+                            <a:latin typeface="Cambria Math" charset="0"/>
+                          </a:rPr>
                           <m:t>+</m:t>
                         </m:r>
                         <m:r>
                           <m:rPr>
                             <m:sty m:val="p"/>
                           </m:rPr>
-                          <a:rPr lang="en-US" altLang="zh-CN" sz="1600"/>
+                          <a:rPr lang="en-US" altLang="zh-CN" sz="1600">
+                            <a:latin typeface="Cambria Math" charset="0"/>
+                          </a:rPr>
                           <m:t>nα</m:t>
                         </m:r>
                       </m:den>
@@ -6140,19 +6078,25 @@
                     <m:sSub>
                       <m:sSubPr>
                         <m:ctrlPr>
-                          <a:rPr lang="zh-CN" altLang="zh-CN" sz="1500" i="1"/>
+                          <a:rPr lang="zh-CN" altLang="zh-CN" sz="1500" i="1">
+                            <a:latin typeface="Cambria Math" charset="0"/>
+                          </a:rPr>
                         </m:ctrlPr>
                       </m:sSubPr>
                       <m:e>
                         <m:r>
-                          <a:rPr lang="en-US" altLang="zh-CN" sz="1500"/>
+                          <a:rPr lang="en-US" altLang="zh-CN" sz="1500">
+                            <a:latin typeface="Cambria Math" charset="0"/>
+                          </a:rPr>
                           <m:t>  </m:t>
                         </m:r>
                         <m:r>
                           <m:rPr>
                             <m:sty m:val="p"/>
                           </m:rPr>
-                          <a:rPr lang="en-US" altLang="zh-CN" sz="1500"/>
+                          <a:rPr lang="en-US" altLang="zh-CN" sz="1500">
+                            <a:latin typeface="Cambria Math" charset="0"/>
+                          </a:rPr>
                           <m:t>N</m:t>
                         </m:r>
                       </m:e>
@@ -6160,7 +6104,9 @@
                         <m:sSub>
                           <m:sSubPr>
                             <m:ctrlPr>
-                              <a:rPr lang="zh-CN" altLang="zh-CN" sz="1500" i="1"/>
+                              <a:rPr lang="zh-CN" altLang="zh-CN" sz="1500" i="1">
+                                <a:latin typeface="Cambria Math" charset="0"/>
+                              </a:rPr>
                             </m:ctrlPr>
                           </m:sSubPr>
                           <m:e>
@@ -6168,7 +6114,9 @@
                               <m:rPr>
                                 <m:sty m:val="p"/>
                               </m:rPr>
-                              <a:rPr lang="en-US" altLang="zh-CN" sz="1500"/>
+                              <a:rPr lang="en-US" altLang="zh-CN" sz="1500">
+                                <a:latin typeface="Cambria Math" charset="0"/>
+                              </a:rPr>
                               <m:t>y</m:t>
                             </m:r>
                           </m:e>
@@ -6177,7 +6125,9 @@
                               <m:rPr>
                                 <m:sty m:val="p"/>
                               </m:rPr>
-                              <a:rPr lang="en-US" altLang="zh-CN" sz="1500"/>
+                              <a:rPr lang="en-US" altLang="zh-CN" sz="1500">
+                                <a:latin typeface="Cambria Math" charset="0"/>
+                              </a:rPr>
                               <m:t>i</m:t>
                             </m:r>
                           </m:sub>
@@ -6185,7 +6135,9 @@
                       </m:sub>
                     </m:sSub>
                     <m:r>
-                      <a:rPr lang="en-US" altLang="zh-CN" sz="1500"/>
+                      <a:rPr lang="en-US" altLang="zh-CN" sz="1500">
+                        <a:latin typeface="Cambria Math" charset="0"/>
+                      </a:rPr>
                       <m:t>=</m:t>
                     </m:r>
                     <m:nary>
@@ -6193,7 +6145,9 @@
                         <m:chr m:val="∑"/>
                         <m:limLoc m:val="undOvr"/>
                         <m:ctrlPr>
-                          <a:rPr lang="zh-CN" altLang="zh-CN" sz="1500" i="1"/>
+                          <a:rPr lang="zh-CN" altLang="zh-CN" sz="1500" i="1">
+                            <a:latin typeface="Cambria Math" charset="0"/>
+                          </a:rPr>
                         </m:ctrlPr>
                       </m:naryPr>
                       <m:sub>
@@ -6202,15 +6156,21 @@
                             <m:sty m:val="p"/>
                             <m:brk/>
                           </m:rPr>
-                          <a:rPr lang="en-US" altLang="zh-CN" sz="1500" i="1" smtClean="0"/>
+                          <a:rPr lang="en-US" altLang="zh-CN" sz="1500" i="1" smtClean="0">
+                            <a:latin typeface="Cambria Math" charset="0"/>
+                          </a:rPr>
                           <m:t>j</m:t>
                         </m:r>
                         <m:r>
-                          <a:rPr lang="en-US" altLang="zh-CN" sz="1500"/>
+                          <a:rPr lang="en-US" altLang="zh-CN" sz="1500">
+                            <a:latin typeface="Cambria Math" charset="0"/>
+                          </a:rPr>
                           <m:t>=</m:t>
                         </m:r>
                         <m:r>
-                          <a:rPr lang="en-US" altLang="zh-CN" sz="1500" smtClean="0"/>
+                          <a:rPr lang="en-US" altLang="zh-CN" sz="1500" smtClean="0">
+                            <a:latin typeface="Cambria Math" charset="0"/>
+                          </a:rPr>
                           <m:t>1</m:t>
                         </m:r>
                       </m:sub>
@@ -6219,7 +6179,9 @@
                           <m:rPr>
                             <m:sty m:val="p"/>
                           </m:rPr>
-                          <a:rPr lang="en-US" altLang="zh-CN" sz="1500" i="1" smtClean="0"/>
+                          <a:rPr lang="en-US" altLang="zh-CN" sz="1500" i="1" smtClean="0">
+                            <a:latin typeface="Cambria Math" charset="0"/>
+                          </a:rPr>
                           <m:t>m</m:t>
                         </m:r>
                       </m:sup>
@@ -6227,7 +6189,9 @@
                         <m:sSub>
                           <m:sSubPr>
                             <m:ctrlPr>
-                              <a:rPr lang="zh-CN" altLang="zh-CN" sz="1500" i="1"/>
+                              <a:rPr lang="zh-CN" altLang="zh-CN" sz="1500" i="1">
+                                <a:latin typeface="Cambria Math" charset="0"/>
+                              </a:rPr>
                             </m:ctrlPr>
                           </m:sSubPr>
                           <m:e>
@@ -6235,7 +6199,9 @@
                               <m:rPr>
                                 <m:sty m:val="p"/>
                               </m:rPr>
-                              <a:rPr lang="en-US" altLang="zh-CN" sz="1500" i="1" smtClean="0"/>
+                              <a:rPr lang="en-US" altLang="zh-CN" sz="1500" i="1" smtClean="0">
+                                <a:latin typeface="Cambria Math" charset="0"/>
+                              </a:rPr>
                               <m:t>x</m:t>
                             </m:r>
                           </m:e>
@@ -6244,7 +6210,9 @@
                               <m:rPr>
                                 <m:sty m:val="p"/>
                               </m:rPr>
-                              <a:rPr lang="en-US" altLang="zh-CN" sz="1500" i="1" smtClean="0"/>
+                              <a:rPr lang="en-US" altLang="zh-CN" sz="1500" i="1" smtClean="0">
+                                <a:latin typeface="Cambria Math" charset="0"/>
+                              </a:rPr>
                               <m:t>ji</m:t>
                             </m:r>
                           </m:sub>
@@ -6252,13 +6220,17 @@
                       </m:e>
                     </m:nary>
                     <m:r>
-                      <a:rPr lang="zh-CN" altLang="zh-CN" sz="1500"/>
+                      <a:rPr lang="zh-CN" altLang="zh-CN" sz="1500">
+                        <a:latin typeface="Cambria Math" charset="0"/>
+                      </a:rPr>
                       <m:t>，</m:t>
                     </m:r>
                     <m:sSub>
                       <m:sSubPr>
                         <m:ctrlPr>
-                          <a:rPr lang="zh-CN" altLang="zh-CN" sz="1500" i="1"/>
+                          <a:rPr lang="zh-CN" altLang="zh-CN" sz="1500" i="1">
+                            <a:latin typeface="Cambria Math" charset="0"/>
+                          </a:rPr>
                         </m:ctrlPr>
                       </m:sSubPr>
                       <m:e>
@@ -6266,7 +6238,9 @@
                           <m:rPr>
                             <m:sty m:val="p"/>
                           </m:rPr>
-                          <a:rPr lang="en-US" altLang="zh-CN" sz="1500"/>
+                          <a:rPr lang="en-US" altLang="zh-CN" sz="1500">
+                            <a:latin typeface="Cambria Math" charset="0"/>
+                          </a:rPr>
                           <m:t>N</m:t>
                         </m:r>
                       </m:e>
@@ -6275,13 +6249,17 @@
                           <m:rPr>
                             <m:sty m:val="p"/>
                           </m:rPr>
-                          <a:rPr lang="en-US" altLang="zh-CN" sz="1500"/>
+                          <a:rPr lang="en-US" altLang="zh-CN" sz="1500">
+                            <a:latin typeface="Cambria Math" charset="0"/>
+                          </a:rPr>
                           <m:t>y</m:t>
                         </m:r>
                       </m:sub>
                     </m:sSub>
                     <m:r>
-                      <a:rPr lang="en-US" altLang="zh-CN" sz="1500"/>
+                      <a:rPr lang="en-US" altLang="zh-CN" sz="1500">
+                        <a:latin typeface="Cambria Math" charset="0"/>
+                      </a:rPr>
                       <m:t>=</m:t>
                     </m:r>
                     <m:nary>
@@ -6289,7 +6267,9 @@
                         <m:chr m:val="∑"/>
                         <m:limLoc m:val="undOvr"/>
                         <m:ctrlPr>
-                          <a:rPr lang="zh-CN" altLang="zh-CN" sz="1500" i="1"/>
+                          <a:rPr lang="zh-CN" altLang="zh-CN" sz="1500" i="1">
+                            <a:latin typeface="Cambria Math" charset="0"/>
+                          </a:rPr>
                         </m:ctrlPr>
                       </m:naryPr>
                       <m:sub>
@@ -6297,11 +6277,15 @@
                           <m:rPr>
                             <m:sty m:val="p"/>
                           </m:rPr>
-                          <a:rPr lang="en-US" altLang="zh-CN" sz="1500"/>
+                          <a:rPr lang="en-US" altLang="zh-CN" sz="1500">
+                            <a:latin typeface="Cambria Math" charset="0"/>
+                          </a:rPr>
                           <m:t>i</m:t>
                         </m:r>
                         <m:r>
-                          <a:rPr lang="en-US" altLang="zh-CN" sz="1500"/>
+                          <a:rPr lang="en-US" altLang="zh-CN" sz="1500">
+                            <a:latin typeface="Cambria Math" charset="0"/>
+                          </a:rPr>
                           <m:t>=1</m:t>
                         </m:r>
                       </m:sub>
@@ -6310,7 +6294,9 @@
                           <m:rPr>
                             <m:sty m:val="p"/>
                           </m:rPr>
-                          <a:rPr lang="en-US" altLang="zh-CN" sz="1500"/>
+                          <a:rPr lang="en-US" altLang="zh-CN" sz="1500">
+                            <a:latin typeface="Cambria Math" charset="0"/>
+                          </a:rPr>
                           <m:t>n</m:t>
                         </m:r>
                       </m:sup>
@@ -6318,7 +6304,9 @@
                         <m:sSub>
                           <m:sSubPr>
                             <m:ctrlPr>
-                              <a:rPr lang="zh-CN" altLang="zh-CN" sz="1500" i="1"/>
+                              <a:rPr lang="zh-CN" altLang="zh-CN" sz="1500" i="1">
+                                <a:latin typeface="Cambria Math" charset="0"/>
+                              </a:rPr>
                             </m:ctrlPr>
                           </m:sSubPr>
                           <m:e>
@@ -6326,7 +6314,9 @@
                               <m:rPr>
                                 <m:sty m:val="p"/>
                               </m:rPr>
-                              <a:rPr lang="en-US" altLang="zh-CN" sz="1500"/>
+                              <a:rPr lang="en-US" altLang="zh-CN" sz="1500">
+                                <a:latin typeface="Cambria Math" charset="0"/>
+                              </a:rPr>
                               <m:t>N</m:t>
                             </m:r>
                           </m:e>
@@ -6334,18 +6324,24 @@
                             <m:sSub>
                               <m:sSubPr>
                                 <m:ctrlPr>
-                                  <a:rPr lang="zh-CN" altLang="zh-CN" sz="1500" i="1"/>
+                                  <a:rPr lang="zh-CN" altLang="zh-CN" sz="1500" i="1">
+                                    <a:latin typeface="Cambria Math" charset="0"/>
+                                  </a:rPr>
                                 </m:ctrlPr>
                               </m:sSubPr>
                               <m:e>
                                 <m:r>
-                                  <a:rPr lang="en-US" altLang="zh-CN" sz="1500" i="1"/>
+                                  <a:rPr lang="en-US" altLang="zh-CN" sz="1500" i="1">
+                                    <a:latin typeface="Cambria Math" charset="0"/>
+                                  </a:rPr>
                                   <m:t>𝑦</m:t>
                                 </m:r>
                               </m:e>
                               <m:sub>
                                 <m:r>
-                                  <a:rPr lang="en-US" altLang="zh-CN" sz="1500" i="1"/>
+                                  <a:rPr lang="en-US" altLang="zh-CN" sz="1500" i="1">
+                                    <a:latin typeface="Cambria Math" charset="0"/>
+                                  </a:rPr>
                                   <m:t>𝑖</m:t>
                                 </m:r>
                               </m:sub>
@@ -6361,7 +6357,7 @@
             </p:txBody>
           </p:sp>
         </mc:Choice>
-        <mc:Fallback>
+        <mc:Fallback xmlns="">
           <p:sp>
             <p:nvSpPr>
               <p:cNvPr id="8" name="Shape 110"/>
@@ -7257,8 +7253,8 @@
         </p:blipFill>
         <p:spPr>
           <a:xfrm>
-            <a:off x="3562952" y="2913219"/>
-            <a:ext cx="2035810" cy="1682750"/>
+            <a:off x="3541686" y="2743687"/>
+            <a:ext cx="2146731" cy="1892107"/>
           </a:xfrm>
           <a:prstGeom prst="rect">
             <a:avLst/>
@@ -7532,11 +7528,7 @@
             </a:r>
             <a:r>
               <a:rPr lang="zh-CN" altLang="en-US" sz="2000" dirty="0" smtClean="0"/>
-              <a:t>维超矩形</a:t>
-            </a:r>
-            <a:r>
-              <a:rPr lang="zh-CN" altLang="en-US" sz="2000" dirty="0" smtClean="0"/>
-              <a:t>区域</a:t>
+              <a:t>维超矩形区域</a:t>
             </a:r>
           </a:p>
           <a:p>
@@ -7562,13 +7554,8 @@
             </a:r>
             <a:r>
               <a:rPr lang="zh-CN" altLang="en-US" sz="2000" dirty="0" smtClean="0"/>
-              <a:t>叶节点，</a:t>
+              <a:t>叶节点，再沿着祖先节点搜索近邻</a:t>
             </a:r>
-            <a:r>
-              <a:rPr lang="zh-CN" altLang="en-US" sz="2000" dirty="0" smtClean="0"/>
-              <a:t>再沿着祖先节点搜索近邻</a:t>
-            </a:r>
-            <a:endParaRPr lang="zh-CN" altLang="en-US" sz="2000" dirty="0" smtClean="0"/>
           </a:p>
           <a:p>
             <a:pPr marL="800100" lvl="1" indent="-342900">
@@ -7725,7 +7712,7 @@
         <p:spPr>
           <a:xfrm>
             <a:off x="573995" y="1463275"/>
-            <a:ext cx="8372476" cy="2862322"/>
+            <a:ext cx="8372476" cy="2554545"/>
           </a:xfrm>
           <a:prstGeom prst="rect">
             <a:avLst/>
@@ -7776,8 +7763,31 @@
               <a:defRPr sz="2000"/>
             </a:pPr>
             <a:r>
-              <a:rPr dirty="0" smtClean="0"/>
-              <a:t>存在问题</a:t>
+              <a:rPr lang="zh-CN" altLang="en-US" dirty="0" smtClean="0"/>
+              <a:t>开发语言：</a:t>
+            </a:r>
+            <a:r>
+              <a:rPr lang="en-US" altLang="zh-CN" dirty="0" smtClean="0"/>
+              <a:t>python3</a:t>
+            </a:r>
+            <a:endParaRPr lang="zh-CN" altLang="en-US" dirty="0" smtClean="0"/>
+          </a:p>
+          <a:p>
+            <a:pPr marL="342900" indent="-342900">
+              <a:spcBef>
+                <a:spcPts val="400"/>
+              </a:spcBef>
+              <a:buClr>
+                <a:schemeClr val="accent1"/>
+              </a:buClr>
+              <a:buSzPct val="70000"/>
+              <a:buFont typeface="Wingdings" charset="2"/>
+              <a:buChar char="n"/>
+              <a:defRPr sz="2000"/>
+            </a:pPr>
+            <a:r>
+              <a:rPr lang="zh-CN" altLang="en-US" dirty="0" smtClean="0"/>
+              <a:t>辅助工具</a:t>
             </a:r>
           </a:p>
           <a:p>
@@ -7794,8 +7804,8 @@
               <a:defRPr sz="2000"/>
             </a:pPr>
             <a:r>
-              <a:rPr dirty="0" smtClean="0"/>
-              <a:t>样本空间不均匀，例如年龄在0-18岁间的用户记录条数有7900条，但年龄在31-40岁之间的用户记录条数只有589条</a:t>
+              <a:rPr lang="zh-CN" altLang="en-US" dirty="0" smtClean="0"/>
+              <a:t>“结巴分词” 中文分词工具</a:t>
             </a:r>
           </a:p>
           <a:p>
@@ -7812,8 +7822,20 @@
               <a:defRPr sz="2000"/>
             </a:pPr>
             <a:r>
-              <a:rPr dirty="0" smtClean="0"/>
-              <a:t>训练样本质量存在一定问题，存在多人共用一个搜狗账号的现象</a:t>
+              <a:rPr lang="zh-CN" altLang="en-US" dirty="0" smtClean="0"/>
+              <a:t>“</a:t>
+            </a:r>
+            <a:r>
+              <a:rPr lang="en-US" altLang="zh-CN" sz="2000" dirty="0" err="1" smtClean="0"/>
+              <a:t>Scikit</a:t>
+            </a:r>
+            <a:r>
+              <a:rPr lang="en-US" altLang="zh-CN" sz="2000" dirty="0" smtClean="0"/>
+              <a:t>-learn</a:t>
+            </a:r>
+            <a:r>
+              <a:rPr lang="zh-CN" altLang="en-US" dirty="0" smtClean="0"/>
+              <a:t>” 机器学习工具库</a:t>
             </a:r>
           </a:p>
           <a:p>
@@ -7830,8 +7852,28 @@
               <a:defRPr sz="2000"/>
             </a:pPr>
             <a:r>
-              <a:rPr dirty="0" smtClean="0"/>
-              <a:t>存在用户标签的缺失问题</a:t>
+              <a:rPr lang="en-US" altLang="zh-CN" dirty="0" smtClean="0"/>
+              <a:t>“</a:t>
+            </a:r>
+            <a:r>
+              <a:rPr lang="en-US" altLang="zh-CN" sz="2000" dirty="0" err="1" smtClean="0"/>
+              <a:t>Liblinear</a:t>
+            </a:r>
+            <a:r>
+              <a:rPr lang="en-US" altLang="zh-CN" dirty="0" smtClean="0"/>
+              <a:t>”</a:t>
+            </a:r>
+            <a:r>
+              <a:rPr lang="zh-CN" altLang="en-US" dirty="0" smtClean="0"/>
+              <a:t> 线性核</a:t>
+            </a:r>
+            <a:r>
+              <a:rPr lang="en-US" altLang="zh-CN" dirty="0" smtClean="0"/>
+              <a:t>SVM</a:t>
+            </a:r>
+            <a:r>
+              <a:rPr lang="zh-CN" altLang="en-US" dirty="0" smtClean="0"/>
+              <a:t>工具库</a:t>
             </a:r>
           </a:p>
           <a:p>
@@ -7848,26 +7890,24 @@
               <a:defRPr sz="2000"/>
             </a:pPr>
             <a:r>
-              <a:rPr dirty="0" smtClean="0"/>
-              <a:t>提取出的特征表达能力不够强</a:t>
+              <a:rPr lang="en-US" altLang="zh-CN" dirty="0" smtClean="0"/>
+              <a:t>“</a:t>
             </a:r>
-          </a:p>
-          <a:p>
-            <a:pPr marL="800100" lvl="1" indent="-342900">
-              <a:spcBef>
-                <a:spcPts val="400"/>
-              </a:spcBef>
-              <a:buClr>
-                <a:schemeClr val="accent1"/>
-              </a:buClr>
-              <a:buSzPct val="70000"/>
-              <a:buFont typeface="Wingdings" charset="2"/>
-              <a:buChar char="n"/>
-              <a:defRPr sz="2000"/>
-            </a:pPr>
             <a:r>
-              <a:rPr dirty="0" smtClean="0"/>
-              <a:t>……</a:t>
+              <a:rPr lang="en-US" altLang="zh-CN" dirty="0" err="1"/>
+              <a:t>M</a:t>
+            </a:r>
+            <a:r>
+              <a:rPr lang="en-US" altLang="zh-CN" dirty="0" err="1" smtClean="0"/>
+              <a:t>atplotlib</a:t>
+            </a:r>
+            <a:r>
+              <a:rPr lang="en-US" altLang="zh-CN" dirty="0" smtClean="0"/>
+              <a:t>”</a:t>
+            </a:r>
+            <a:r>
+              <a:rPr lang="zh-CN" altLang="en-US" dirty="0" smtClean="0"/>
+              <a:t> 绘图库</a:t>
             </a:r>
             <a:endParaRPr dirty="0"/>
           </a:p>
@@ -20891,8 +20931,8 @@
         </p:nvSpPr>
         <p:spPr>
           <a:xfrm>
-            <a:off x="629505" y="1532780"/>
-            <a:ext cx="8372476" cy="3272691"/>
+            <a:off x="331794" y="1947450"/>
+            <a:ext cx="8372476" cy="3170099"/>
           </a:xfrm>
           <a:prstGeom prst="rect">
             <a:avLst/>
@@ -20912,16 +20952,7 @@
           </a:bodyPr>
           <a:lstStyle/>
           <a:p>
-            <a:pPr>
-              <a:spcBef>
-                <a:spcPts val="400"/>
-              </a:spcBef>
-              <a:defRPr sz="2000"/>
-            </a:pPr>
-            <a:endParaRPr dirty="0"/>
-          </a:p>
-          <a:p>
-            <a:pPr>
+            <a:pPr marL="342900" indent="-342900">
               <a:spcBef>
                 <a:spcPts val="400"/>
               </a:spcBef>
@@ -20929,18 +20960,29 @@
                 <a:schemeClr val="accent1"/>
               </a:buClr>
               <a:buSzPct val="70000"/>
-              <a:buFont typeface="Wingdings"/>
-              <a:buChar char="■"/>
+              <a:buFont typeface="Wingdings" charset="2"/>
+              <a:buChar char="n"/>
               <a:defRPr sz="2000"/>
             </a:pPr>
             <a:r>
-              <a:rPr dirty="0"/>
-              <a:t>  </a:t>
+              <a:rPr lang="zh-CN" altLang="zh-CN" sz="2000" dirty="0" smtClean="0"/>
+              <a:t>设计</a:t>
             </a:r>
-            <a:endParaRPr dirty="0"/>
+            <a:r>
+              <a:rPr lang="zh-CN" altLang="zh-CN" sz="2000" dirty="0"/>
+              <a:t>实现了完整的基于用户搜索关键词的用户属性分析预测</a:t>
+            </a:r>
+            <a:r>
+              <a:rPr lang="zh-CN" altLang="zh-CN" sz="2000" dirty="0" smtClean="0"/>
+              <a:t>算法</a:t>
+            </a:r>
+            <a:r>
+              <a:rPr lang="zh-CN" altLang="en-US" sz="2000" dirty="0" smtClean="0"/>
+              <a:t>。</a:t>
+            </a:r>
           </a:p>
           <a:p>
-            <a:pPr>
+            <a:pPr marL="342900" indent="-342900">
               <a:spcBef>
                 <a:spcPts val="400"/>
               </a:spcBef>
@@ -20948,26 +20990,14 @@
                 <a:schemeClr val="accent1"/>
               </a:buClr>
               <a:buSzPct val="70000"/>
-              <a:buFont typeface="Wingdings"/>
-              <a:buChar char="■"/>
+              <a:buFont typeface="Wingdings" charset="2"/>
+              <a:buChar char="n"/>
               <a:defRPr sz="2000"/>
             </a:pPr>
-            <a:r>
-              <a:rPr dirty="0"/>
-              <a:t>  尝试使用关键词聚类做特征降维，观察结果</a:t>
-            </a:r>
+            <a:endParaRPr lang="zh-CN" altLang="en-US" sz="2000" dirty="0"/>
           </a:p>
           <a:p>
-            <a:pPr>
-              <a:spcBef>
-                <a:spcPts val="400"/>
-              </a:spcBef>
-              <a:defRPr sz="2000"/>
-            </a:pPr>
-            <a:endParaRPr dirty="0"/>
-          </a:p>
-          <a:p>
-            <a:pPr>
+            <a:pPr marL="342900" indent="-342900">
               <a:spcBef>
                 <a:spcPts val="400"/>
               </a:spcBef>
@@ -20975,13 +21005,90 @@
                 <a:schemeClr val="accent1"/>
               </a:buClr>
               <a:buSzPct val="70000"/>
-              <a:buFont typeface="Wingdings"/>
-              <a:buChar char="■"/>
+              <a:buFont typeface="Wingdings" charset="2"/>
+              <a:buChar char="n"/>
               <a:defRPr sz="2000"/>
             </a:pPr>
             <a:r>
-              <a:rPr dirty="0"/>
-              <a:t>  尝试为特征加权，观察结果</a:t>
+              <a:rPr lang="zh-TW" altLang="zh-CN" sz="2000" dirty="0"/>
+              <a:t>为了提高</a:t>
+            </a:r>
+            <a:r>
+              <a:rPr lang="zh-CN" altLang="zh-CN" sz="2000" dirty="0"/>
+              <a:t>各分类模型</a:t>
+            </a:r>
+            <a:r>
+              <a:rPr lang="zh-TW" altLang="zh-CN" sz="2000" dirty="0"/>
+              <a:t>的</a:t>
+            </a:r>
+            <a:r>
+              <a:rPr lang="zh-CN" altLang="zh-CN" sz="2000" dirty="0"/>
+              <a:t>性能</a:t>
+            </a:r>
+            <a:r>
+              <a:rPr lang="zh-TW" altLang="zh-CN" sz="2000" dirty="0"/>
+              <a:t>，</a:t>
+            </a:r>
+            <a:r>
+              <a:rPr lang="zh-CN" altLang="zh-CN" sz="2000" dirty="0"/>
+              <a:t>研究了各分类算法的改进方法，比如，基于KD-Tree的改进的KNN算法，使用线性核的支持向量机</a:t>
+            </a:r>
+            <a:r>
+              <a:rPr lang="zh-CN" altLang="zh-CN" sz="2000" dirty="0" smtClean="0"/>
+              <a:t>等</a:t>
+            </a:r>
+            <a:r>
+              <a:rPr lang="zh-CN" altLang="en-US" sz="2000" dirty="0" smtClean="0"/>
+              <a:t>。</a:t>
+            </a:r>
+          </a:p>
+          <a:p>
+            <a:pPr marL="342900" indent="-342900">
+              <a:spcBef>
+                <a:spcPts val="400"/>
+              </a:spcBef>
+              <a:buClr>
+                <a:schemeClr val="accent1"/>
+              </a:buClr>
+              <a:buSzPct val="70000"/>
+              <a:buFont typeface="Wingdings" charset="2"/>
+              <a:buChar char="n"/>
+              <a:defRPr sz="2000"/>
+            </a:pPr>
+            <a:endParaRPr lang="zh-CN" altLang="en-US" sz="2000" dirty="0" smtClean="0"/>
+          </a:p>
+          <a:p>
+            <a:pPr marL="342900" indent="-342900">
+              <a:spcBef>
+                <a:spcPts val="400"/>
+              </a:spcBef>
+              <a:buClr>
+                <a:schemeClr val="accent1"/>
+              </a:buClr>
+              <a:buSzPct val="70000"/>
+              <a:buFont typeface="Wingdings" charset="2"/>
+              <a:buChar char="n"/>
+              <a:defRPr sz="2000"/>
+            </a:pPr>
+            <a:r>
+              <a:rPr lang="zh-TW" altLang="zh-CN" sz="2000" dirty="0" smtClean="0"/>
+              <a:t>通过</a:t>
+            </a:r>
+            <a:r>
+              <a:rPr lang="zh-TW" altLang="zh-CN" sz="2000" dirty="0"/>
+              <a:t>实验</a:t>
+            </a:r>
+            <a:r>
+              <a:rPr lang="zh-CN" altLang="zh-CN" sz="2000" dirty="0"/>
+              <a:t>分析比较了各种情况下的分类效果，包括不同特征数量、不同特征选择方法、不同分类算法、不同参数值下的分类模型性能</a:t>
+            </a:r>
+            <a:r>
+              <a:rPr lang="zh-CN" altLang="zh-CN" sz="2000" dirty="0" smtClean="0"/>
+              <a:t>优劣</a:t>
+            </a:r>
+            <a:r>
+              <a:rPr lang="zh-CN" altLang="en-US" sz="2000" dirty="0" smtClean="0"/>
+              <a:t>。</a:t>
             </a:r>
           </a:p>
           <a:p>
@@ -20993,14 +21100,16 @@
                 <a:schemeClr val="accent1"/>
               </a:buClr>
               <a:buSzPct val="70000"/>
-              <a:buFont typeface="Wingdings"/>
-              <a:buChar char="■"/>
               <a:defRPr sz="2000"/>
             </a:pPr>
-            <a:endParaRPr dirty="0"/>
+            <a:r>
+              <a:rPr lang="zh-CN" altLang="zh-CN" dirty="0" smtClean="0"/>
+              <a:t> </a:t>
+            </a:r>
+            <a:endParaRPr lang="zh-CN" altLang="en-US" dirty="0"/>
           </a:p>
           <a:p>
-            <a:pPr>
+            <a:pPr marL="342900" indent="-342900">
               <a:spcBef>
                 <a:spcPts val="400"/>
               </a:spcBef>
@@ -21008,47 +21117,19 @@
                 <a:schemeClr val="accent1"/>
               </a:buClr>
               <a:buSzPct val="70000"/>
-              <a:buFont typeface="Wingdings"/>
-              <a:buChar char="■"/>
+              <a:buFont typeface="Wingdings" charset="2"/>
+              <a:buChar char="n"/>
               <a:defRPr sz="2000"/>
             </a:pPr>
             <a:r>
-              <a:rPr dirty="0"/>
-              <a:t>  引入词向量与神经网络</a:t>
+              <a:rPr lang="zh-CN" altLang="en-US" dirty="0" smtClean="0"/>
+              <a:t>仍存在由于样本空间不平衡及样本质量原因导致的分类性能不佳问题</a:t>
             </a:r>
-          </a:p>
-          <a:p>
-            <a:pPr>
-              <a:spcBef>
-                <a:spcPts val="400"/>
-              </a:spcBef>
-              <a:buClr>
-                <a:schemeClr val="accent1"/>
-              </a:buClr>
-              <a:buSzPct val="70000"/>
-              <a:buFont typeface="Wingdings"/>
-              <a:buChar char="■"/>
-              <a:defRPr sz="2000"/>
-            </a:pPr>
+            <a:r>
+              <a:rPr dirty="0" smtClean="0"/>
+              <a:t> </a:t>
+            </a:r>
             <a:endParaRPr dirty="0"/>
-          </a:p>
-          <a:p>
-            <a:pPr>
-              <a:spcBef>
-                <a:spcPts val="400"/>
-              </a:spcBef>
-              <a:buClr>
-                <a:schemeClr val="accent1"/>
-              </a:buClr>
-              <a:buSzPct val="70000"/>
-              <a:buFont typeface="Wingdings"/>
-              <a:buChar char="■"/>
-              <a:defRPr sz="2000"/>
-            </a:pPr>
-            <a:r>
-              <a:rPr dirty="0"/>
-              <a:t>  4月完成论文初稿，5月完成终稿</a:t>
-            </a:r>
           </a:p>
         </p:txBody>
       </p:sp>
@@ -21094,7 +21175,7 @@
         <p:spPr>
           <a:xfrm>
             <a:off x="611187" y="6284912"/>
-            <a:ext cx="1293813" cy="313393"/>
+            <a:ext cx="1293813" cy="338554"/>
           </a:xfrm>
           <a:prstGeom prst="rect">
             <a:avLst/>
@@ -21119,8 +21200,26 @@
           </a:lstStyle>
           <a:p>
             <a:r>
-              <a:t>11/28/16</a:t>
+              <a:rPr lang="en-US" altLang="zh-CN" dirty="0" smtClean="0"/>
+              <a:t>06</a:t>
             </a:r>
+            <a:r>
+              <a:rPr dirty="0" smtClean="0"/>
+              <a:t>/</a:t>
+            </a:r>
+            <a:r>
+              <a:rPr lang="en-US" altLang="zh-CN" dirty="0" smtClean="0"/>
+              <a:t>09</a:t>
+            </a:r>
+            <a:r>
+              <a:rPr dirty="0" smtClean="0"/>
+              <a:t>/1</a:t>
+            </a:r>
+            <a:r>
+              <a:rPr lang="en-US" altLang="zh-CN" dirty="0" smtClean="0"/>
+              <a:t>7</a:t>
+            </a:r>
+            <a:endParaRPr dirty="0"/>
           </a:p>
         </p:txBody>
       </p:sp>
@@ -25692,7 +25791,7 @@
             </a:pPr>
             <a:r>
               <a:rPr lang="zh-CN" altLang="en-US" dirty="0" smtClean="0"/>
-              <a:t>信息增益</a:t>
+              <a:t>互信息</a:t>
             </a:r>
             <a:r>
               <a:rPr lang="en-US" altLang="zh-CN" dirty="0" smtClean="0"/>
@@ -25745,7 +25844,7 @@
             </a:pPr>
             <a:r>
               <a:rPr lang="zh-CN" altLang="en-US" dirty="0" smtClean="0"/>
-              <a:t>互信息</a:t>
+              <a:t>信息增益</a:t>
             </a:r>
             <a:r>
               <a:rPr lang="en-US" altLang="zh-CN" dirty="0" smtClean="0"/>
@@ -27567,23 +27666,7 @@
               <a:p>
                 <a:r>
                   <a:rPr lang="en-US" altLang="zh-CN" sz="1600" dirty="0" smtClean="0"/>
-                  <a:t>IG(</a:t>
-                </a:r>
-                <a:r>
-                  <a:rPr lang="en-US" altLang="zh-CN" sz="1600" dirty="0" err="1" smtClean="0"/>
-                  <a:t>C</a:t>
-                </a:r>
-                <a:r>
-                  <a:rPr lang="en-US" altLang="zh-CN" sz="1600" dirty="0" err="1"/>
-                  <a:t>,</a:t>
-                </a:r>
-                <a:r>
-                  <a:rPr lang="en-US" altLang="zh-CN" sz="1600" dirty="0" err="1" smtClean="0"/>
-                  <a:t>t</a:t>
-                </a:r>
-                <a:r>
-                  <a:rPr lang="en-US" altLang="zh-CN" sz="1600" dirty="0" smtClean="0"/>
-                  <a:t>)</a:t>
+                  <a:t>IG(t)</a:t>
                 </a:r>
                 <a:r>
                   <a:rPr lang="zh-CN" altLang="zh-CN" sz="1600" dirty="0" smtClean="0"/>

--- a/bq_毕业答辩.pptx
+++ b/bq_毕业答辩.pptx
@@ -5,32 +5,31 @@
     <p:sldMasterId id="2147483648" r:id="rId1"/>
   </p:sldMasterIdLst>
   <p:notesMasterIdLst>
-    <p:notesMasterId r:id="rId25"/>
+    <p:notesMasterId r:id="rId24"/>
   </p:notesMasterIdLst>
   <p:sldIdLst>
     <p:sldId id="256" r:id="rId2"/>
     <p:sldId id="257" r:id="rId3"/>
     <p:sldId id="258" r:id="rId4"/>
-    <p:sldId id="259" r:id="rId5"/>
-    <p:sldId id="260" r:id="rId6"/>
-    <p:sldId id="261" r:id="rId7"/>
-    <p:sldId id="262" r:id="rId8"/>
-    <p:sldId id="263" r:id="rId9"/>
-    <p:sldId id="264" r:id="rId10"/>
-    <p:sldId id="265" r:id="rId11"/>
-    <p:sldId id="275" r:id="rId12"/>
-    <p:sldId id="266" r:id="rId13"/>
-    <p:sldId id="267" r:id="rId14"/>
-    <p:sldId id="276" r:id="rId15"/>
-    <p:sldId id="268" r:id="rId16"/>
-    <p:sldId id="269" r:id="rId17"/>
-    <p:sldId id="277" r:id="rId18"/>
-    <p:sldId id="270" r:id="rId19"/>
-    <p:sldId id="279" r:id="rId20"/>
-    <p:sldId id="271" r:id="rId21"/>
-    <p:sldId id="272" r:id="rId22"/>
-    <p:sldId id="273" r:id="rId23"/>
-    <p:sldId id="274" r:id="rId24"/>
+    <p:sldId id="260" r:id="rId5"/>
+    <p:sldId id="261" r:id="rId6"/>
+    <p:sldId id="262" r:id="rId7"/>
+    <p:sldId id="263" r:id="rId8"/>
+    <p:sldId id="264" r:id="rId9"/>
+    <p:sldId id="265" r:id="rId10"/>
+    <p:sldId id="275" r:id="rId11"/>
+    <p:sldId id="266" r:id="rId12"/>
+    <p:sldId id="267" r:id="rId13"/>
+    <p:sldId id="276" r:id="rId14"/>
+    <p:sldId id="268" r:id="rId15"/>
+    <p:sldId id="269" r:id="rId16"/>
+    <p:sldId id="277" r:id="rId17"/>
+    <p:sldId id="270" r:id="rId18"/>
+    <p:sldId id="279" r:id="rId19"/>
+    <p:sldId id="271" r:id="rId20"/>
+    <p:sldId id="272" r:id="rId21"/>
+    <p:sldId id="273" r:id="rId22"/>
+    <p:sldId id="274" r:id="rId23"/>
   </p:sldIdLst>
   <p:sldSz cx="9144000" cy="6858000" type="screen4x3"/>
   <p:notesSz cx="6858000" cy="9144000"/>
@@ -2371,6 +2370,7 @@
           </a:lstStyle>
           <a:p>
             <a:r>
+              <a:rPr dirty="0"/>
               <a:t>研究方法·分类模型</a:t>
             </a:r>
           </a:p>
@@ -2378,2026 +2378,6 @@
       </p:sp>
       <mc:AlternateContent xmlns:mc="http://schemas.openxmlformats.org/markup-compatibility/2006" xmlns:a14="http://schemas.microsoft.com/office/drawing/2010/main">
         <mc:Choice Requires="a14">
-          <p:sp>
-            <p:nvSpPr>
-              <p:cNvPr id="109" name="Shape 109"/>
-              <p:cNvSpPr/>
-              <p:nvPr/>
-            </p:nvSpPr>
-            <p:spPr>
-              <a:xfrm>
-                <a:off x="536574" y="1553900"/>
-                <a:ext cx="7921626" cy="3096169"/>
-              </a:xfrm>
-              <a:prstGeom prst="rect">
-                <a:avLst/>
-              </a:prstGeom>
-              <a:ln w="12700">
-                <a:miter lim="400000"/>
-              </a:ln>
-              <a:extLst>
-                <a:ext uri="{C572A759-6A51-4108-AA02-DFA0A04FC94B}">
-                  <ma14:wrappingTextBoxFlag xmlns:ma14="http://schemas.microsoft.com/office/mac/drawingml/2011/main" val="1"/>
-                </a:ext>
-              </a:extLst>
-            </p:spPr>
-            <p:txBody>
-              <a:bodyPr lIns="45719" rIns="45719">
-                <a:spAutoFit/>
-              </a:bodyPr>
-              <a:lstStyle/>
-              <a:p>
-                <a:pPr marL="342900" indent="-342900">
-                  <a:spcBef>
-                    <a:spcPts val="400"/>
-                  </a:spcBef>
-                  <a:buClr>
-                    <a:schemeClr val="accent1"/>
-                  </a:buClr>
-                  <a:buSzPct val="70000"/>
-                  <a:buFont typeface="Wingdings" charset="2"/>
-                  <a:buChar char="n"/>
-                  <a:defRPr sz="2000"/>
-                </a:pPr>
-                <a:r>
-                  <a:rPr dirty="0"/>
-                  <a:t> </a:t>
-                </a:r>
-                <a:r>
-                  <a:rPr dirty="0" smtClean="0"/>
-                  <a:t>朴素贝叶斯</a:t>
-                </a:r>
-                <a:endParaRPr dirty="0"/>
-              </a:p>
-              <a:p>
-                <a:pPr marL="800100" lvl="1" indent="-342900">
-                  <a:spcBef>
-                    <a:spcPts val="400"/>
-                  </a:spcBef>
-                  <a:buClr>
-                    <a:schemeClr val="accent1"/>
-                  </a:buClr>
-                  <a:buSzPct val="70000"/>
-                  <a:buFont typeface="Wingdings" charset="2"/>
-                  <a:buChar char="n"/>
-                  <a:defRPr sz="2000"/>
-                </a:pPr>
-                <a:r>
-                  <a:rPr lang="zh-CN" altLang="en-US" dirty="0" smtClean="0"/>
-                  <a:t>贝叶斯定理：</a:t>
-                </a:r>
-                <a:r>
-                  <a:rPr lang="en-US" altLang="zh-CN" sz="2000" dirty="0"/>
-                  <a:t> </a:t>
-                </a:r>
-                <a14:m>
-                  <m:oMath xmlns:m="http://schemas.openxmlformats.org/officeDocument/2006/math">
-                    <m:r>
-                      <m:rPr>
-                        <m:sty m:val="p"/>
-                      </m:rPr>
-                      <a:rPr lang="en-US" altLang="zh-CN" sz="2000">
-                        <a:latin typeface="Cambria Math" charset="0"/>
-                      </a:rPr>
-                      <m:t>P</m:t>
-                    </m:r>
-                    <m:d>
-                      <m:dPr>
-                        <m:ctrlPr>
-                          <a:rPr lang="zh-CN" altLang="zh-CN" sz="2000" i="1">
-                            <a:latin typeface="Cambria Math" charset="0"/>
-                          </a:rPr>
-                        </m:ctrlPr>
-                      </m:dPr>
-                      <m:e>
-                        <m:r>
-                          <m:rPr>
-                            <m:sty m:val="p"/>
-                          </m:rPr>
-                          <a:rPr lang="en-US" altLang="zh-CN" sz="2000">
-                            <a:latin typeface="Cambria Math" charset="0"/>
-                          </a:rPr>
-                          <m:t>B</m:t>
-                        </m:r>
-                      </m:e>
-                      <m:e>
-                        <m:r>
-                          <m:rPr>
-                            <m:sty m:val="p"/>
-                          </m:rPr>
-                          <a:rPr lang="en-US" altLang="zh-CN" sz="2000">
-                            <a:latin typeface="Cambria Math" charset="0"/>
-                          </a:rPr>
-                          <m:t>A</m:t>
-                        </m:r>
-                      </m:e>
-                    </m:d>
-                    <m:r>
-                      <a:rPr lang="en-US" altLang="zh-CN" sz="2000">
-                        <a:latin typeface="Cambria Math" charset="0"/>
-                      </a:rPr>
-                      <m:t>=</m:t>
-                    </m:r>
-                    <m:f>
-                      <m:fPr>
-                        <m:ctrlPr>
-                          <a:rPr lang="zh-CN" altLang="zh-CN" sz="2000" i="1">
-                            <a:latin typeface="Cambria Math" charset="0"/>
-                          </a:rPr>
-                        </m:ctrlPr>
-                      </m:fPr>
-                      <m:num>
-                        <m:r>
-                          <m:rPr>
-                            <m:sty m:val="p"/>
-                          </m:rPr>
-                          <a:rPr lang="en-US" altLang="zh-CN" sz="2000">
-                            <a:latin typeface="Cambria Math" charset="0"/>
-                          </a:rPr>
-                          <m:t>P</m:t>
-                        </m:r>
-                        <m:r>
-                          <a:rPr lang="en-US" altLang="zh-CN" sz="2000">
-                            <a:latin typeface="Cambria Math" charset="0"/>
-                          </a:rPr>
-                          <m:t>(</m:t>
-                        </m:r>
-                        <m:r>
-                          <m:rPr>
-                            <m:sty m:val="p"/>
-                          </m:rPr>
-                          <a:rPr lang="en-US" altLang="zh-CN" sz="2000">
-                            <a:latin typeface="Cambria Math" charset="0"/>
-                          </a:rPr>
-                          <m:t>A</m:t>
-                        </m:r>
-                        <m:r>
-                          <a:rPr lang="en-US" altLang="zh-CN" sz="2000">
-                            <a:latin typeface="Cambria Math" charset="0"/>
-                          </a:rPr>
-                          <m:t>|</m:t>
-                        </m:r>
-                        <m:r>
-                          <m:rPr>
-                            <m:sty m:val="p"/>
-                          </m:rPr>
-                          <a:rPr lang="en-US" altLang="zh-CN" sz="2000">
-                            <a:latin typeface="Cambria Math" charset="0"/>
-                          </a:rPr>
-                          <m:t>B</m:t>
-                        </m:r>
-                        <m:r>
-                          <a:rPr lang="en-US" altLang="zh-CN" sz="2000">
-                            <a:latin typeface="Cambria Math" charset="0"/>
-                          </a:rPr>
-                          <m:t>)</m:t>
-                        </m:r>
-                        <m:r>
-                          <m:rPr>
-                            <m:sty m:val="p"/>
-                          </m:rPr>
-                          <a:rPr lang="en-US" altLang="zh-CN" sz="2000">
-                            <a:latin typeface="Cambria Math" charset="0"/>
-                          </a:rPr>
-                          <m:t>P</m:t>
-                        </m:r>
-                        <m:r>
-                          <a:rPr lang="en-US" altLang="zh-CN" sz="2000">
-                            <a:latin typeface="Cambria Math" charset="0"/>
-                          </a:rPr>
-                          <m:t>(</m:t>
-                        </m:r>
-                        <m:r>
-                          <m:rPr>
-                            <m:sty m:val="p"/>
-                          </m:rPr>
-                          <a:rPr lang="en-US" altLang="zh-CN" sz="2000">
-                            <a:latin typeface="Cambria Math" charset="0"/>
-                          </a:rPr>
-                          <m:t>B</m:t>
-                        </m:r>
-                        <m:r>
-                          <a:rPr lang="en-US" altLang="zh-CN" sz="2000">
-                            <a:latin typeface="Cambria Math" charset="0"/>
-                          </a:rPr>
-                          <m:t>)</m:t>
-                        </m:r>
-                      </m:num>
-                      <m:den>
-                        <m:r>
-                          <m:rPr>
-                            <m:sty m:val="p"/>
-                          </m:rPr>
-                          <a:rPr lang="en-US" altLang="zh-CN" sz="2000">
-                            <a:latin typeface="Cambria Math" charset="0"/>
-                          </a:rPr>
-                          <m:t>P</m:t>
-                        </m:r>
-                        <m:r>
-                          <a:rPr lang="en-US" altLang="zh-CN" sz="2000">
-                            <a:latin typeface="Cambria Math" charset="0"/>
-                          </a:rPr>
-                          <m:t>(</m:t>
-                        </m:r>
-                        <m:r>
-                          <m:rPr>
-                            <m:sty m:val="p"/>
-                          </m:rPr>
-                          <a:rPr lang="en-US" altLang="zh-CN" sz="2000">
-                            <a:latin typeface="Cambria Math" charset="0"/>
-                          </a:rPr>
-                          <m:t>A</m:t>
-                        </m:r>
-                        <m:r>
-                          <a:rPr lang="en-US" altLang="zh-CN" sz="2000">
-                            <a:latin typeface="Cambria Math" charset="0"/>
-                          </a:rPr>
-                          <m:t>)</m:t>
-                        </m:r>
-                      </m:den>
-                    </m:f>
-                  </m:oMath>
-                </a14:m>
-                <a:r>
-                  <a:rPr lang="zh-CN" altLang="zh-CN" dirty="0"/>
-                  <a:t> </a:t>
-                </a:r>
-                <a:endParaRPr lang="zh-CN" altLang="en-US" dirty="0" smtClean="0"/>
-              </a:p>
-              <a:p>
-                <a:pPr marL="800100" lvl="1" indent="-342900">
-                  <a:spcBef>
-                    <a:spcPts val="400"/>
-                  </a:spcBef>
-                  <a:buClr>
-                    <a:schemeClr val="accent1"/>
-                  </a:buClr>
-                  <a:buSzPct val="70000"/>
-                  <a:buFont typeface="Wingdings" charset="2"/>
-                  <a:buChar char="n"/>
-                  <a:defRPr sz="2000"/>
-                </a:pPr>
-                <a:r>
-                  <a:rPr lang="zh-CN" altLang="en-US" dirty="0" smtClean="0"/>
-                  <a:t>基本分类步骤</a:t>
-                </a:r>
-              </a:p>
-              <a:p>
-                <a:pPr marL="800100" lvl="1" indent="-342900">
-                  <a:spcBef>
-                    <a:spcPts val="400"/>
-                  </a:spcBef>
-                  <a:buClr>
-                    <a:schemeClr val="accent1"/>
-                  </a:buClr>
-                  <a:buSzPct val="70000"/>
-                  <a:buFont typeface="Wingdings" charset="2"/>
-                  <a:buChar char="n"/>
-                  <a:defRPr sz="2000"/>
-                </a:pPr>
-                <a:endParaRPr lang="zh-CN" altLang="en-US" dirty="0"/>
-              </a:p>
-              <a:p>
-                <a:pPr marL="800100" lvl="1" indent="-342900">
-                  <a:spcBef>
-                    <a:spcPts val="400"/>
-                  </a:spcBef>
-                  <a:buClr>
-                    <a:schemeClr val="accent1"/>
-                  </a:buClr>
-                  <a:buSzPct val="70000"/>
-                  <a:buFont typeface="Wingdings" charset="2"/>
-                  <a:buChar char="n"/>
-                  <a:defRPr sz="2000"/>
-                </a:pPr>
-                <a:endParaRPr lang="zh-CN" altLang="en-US" dirty="0" smtClean="0"/>
-              </a:p>
-              <a:p>
-                <a:pPr marL="800100" lvl="1" indent="-342900">
-                  <a:spcBef>
-                    <a:spcPts val="400"/>
-                  </a:spcBef>
-                  <a:buClr>
-                    <a:schemeClr val="accent1"/>
-                  </a:buClr>
-                  <a:buSzPct val="70000"/>
-                  <a:buFont typeface="Wingdings" charset="2"/>
-                  <a:buChar char="n"/>
-                  <a:defRPr sz="2000"/>
-                </a:pPr>
-                <a:endParaRPr lang="zh-CN" altLang="en-US" dirty="0"/>
-              </a:p>
-              <a:p>
-                <a:pPr marL="800100" lvl="1" indent="-342900">
-                  <a:spcBef>
-                    <a:spcPts val="400"/>
-                  </a:spcBef>
-                  <a:buClr>
-                    <a:schemeClr val="accent1"/>
-                  </a:buClr>
-                  <a:buSzPct val="70000"/>
-                  <a:buFont typeface="Wingdings" charset="2"/>
-                  <a:buChar char="n"/>
-                  <a:defRPr sz="2000"/>
-                </a:pPr>
-                <a:endParaRPr lang="zh-CN" altLang="en-US" dirty="0" smtClean="0"/>
-              </a:p>
-              <a:p>
-                <a:pPr marL="457200" lvl="1" indent="0">
-                  <a:spcBef>
-                    <a:spcPts val="400"/>
-                  </a:spcBef>
-                  <a:buClr>
-                    <a:schemeClr val="accent1"/>
-                  </a:buClr>
-                  <a:buSzPct val="70000"/>
-                  <a:defRPr sz="2000"/>
-                </a:pPr>
-                <a:r>
-                  <a:rPr lang="zh-CN" altLang="en-US" dirty="0" smtClean="0"/>
-                  <a:t>	</a:t>
-                </a:r>
-              </a:p>
-            </p:txBody>
-          </p:sp>
-        </mc:Choice>
-        <mc:Fallback xmlns="">
-          <p:sp>
-            <p:nvSpPr>
-              <p:cNvPr id="109" name="Shape 109"/>
-              <p:cNvSpPr>
-                <a:spLocks noRot="1" noChangeAspect="1" noMove="1" noResize="1" noEditPoints="1" noAdjustHandles="1" noChangeArrowheads="1" noChangeShapeType="1" noTextEdit="1"/>
-              </p:cNvSpPr>
-              <p:nvPr/>
-            </p:nvSpPr>
-            <p:spPr>
-              <a:xfrm>
-                <a:off x="536574" y="1553900"/>
-                <a:ext cx="7921626" cy="3096169"/>
-              </a:xfrm>
-              <a:prstGeom prst="rect">
-                <a:avLst/>
-              </a:prstGeom>
-              <a:blipFill rotWithShape="0">
-                <a:blip r:embed="rId2"/>
-                <a:stretch>
-                  <a:fillRect l="-692" t="-1575" b="-2756"/>
-                </a:stretch>
-              </a:blipFill>
-              <a:ln w="12700">
-                <a:miter lim="400000"/>
-              </a:ln>
-              <a:extLst>
-                <a:ext uri="{C572A759-6A51-4108-AA02-DFA0A04FC94B}">
-                  <ma14:wrappingTextBoxFlag xmlns:ma14="http://schemas.microsoft.com/office/mac/drawingml/2011/main" val="1"/>
-                </a:ext>
-              </a:extLst>
-            </p:spPr>
-            <p:txBody>
-              <a:bodyPr/>
-              <a:lstStyle/>
-              <a:p>
-                <a:r>
-                  <a:rPr lang="zh-CN" altLang="en-US">
-                    <a:noFill/>
-                  </a:rPr>
-                  <a:t> </a:t>
-                </a:r>
-              </a:p>
-            </p:txBody>
-          </p:sp>
-        </mc:Fallback>
-      </mc:AlternateContent>
-      <mc:AlternateContent xmlns:mc="http://schemas.openxmlformats.org/markup-compatibility/2006" xmlns:a14="http://schemas.microsoft.com/office/drawing/2010/main">
-        <mc:Choice Requires="a14">
-          <p:sp>
-            <p:nvSpPr>
-              <p:cNvPr id="110" name="Shape 110"/>
-              <p:cNvSpPr/>
-              <p:nvPr/>
-            </p:nvSpPr>
-            <p:spPr>
-              <a:xfrm>
-                <a:off x="1042987" y="2933761"/>
-                <a:ext cx="6955060" cy="2911759"/>
-              </a:xfrm>
-              <a:prstGeom prst="rect">
-                <a:avLst/>
-              </a:prstGeom>
-              <a:ln w="3175">
-                <a:solidFill>
-                  <a:srgbClr val="000000"/>
-                </a:solidFill>
-                <a:miter lim="400000"/>
-              </a:ln>
-              <a:extLst>
-                <a:ext uri="{C572A759-6A51-4108-AA02-DFA0A04FC94B}">
-                  <ma14:wrappingTextBoxFlag xmlns:ma14="http://schemas.microsoft.com/office/mac/drawingml/2011/main" val="1"/>
-                </a:ext>
-              </a:extLst>
-            </p:spPr>
-            <p:txBody>
-              <a:bodyPr lIns="45719" rIns="45719" anchor="ctr">
-                <a:spAutoFit/>
-              </a:bodyPr>
-              <a:lstStyle/>
-              <a:p>
-                <a:pPr marL="342900" indent="-342900">
-                  <a:buSzPct val="100000"/>
-                  <a:buFont typeface="+mj-lt"/>
-                  <a:buAutoNum type="arabicPeriod"/>
-                  <a:defRPr sz="1500"/>
-                </a:pPr>
-                <a:r>
-                  <a:rPr dirty="0"/>
-                  <a:t> </a:t>
-                </a:r>
-                <a:r>
-                  <a:rPr sz="1600" dirty="0"/>
-                  <a:t>得到某个待分类测试文本的特征向量</a:t>
-                </a:r>
-                <a14:m>
-                  <m:oMath xmlns:m="http://schemas.openxmlformats.org/officeDocument/2006/math">
-                    <m:r>
-                      <m:rPr>
-                        <m:sty m:val="p"/>
-                      </m:rPr>
-                      <a:rPr lang="zh-TW" altLang="zh-CN" sz="1600">
-                        <a:latin typeface="Cambria Math" charset="0"/>
-                      </a:rPr>
-                      <m:t>x</m:t>
-                    </m:r>
-                    <m:r>
-                      <a:rPr lang="zh-TW" altLang="zh-CN" sz="1600">
-                        <a:latin typeface="Cambria Math" charset="0"/>
-                      </a:rPr>
-                      <m:t>=(</m:t>
-                    </m:r>
-                    <m:sSub>
-                      <m:sSubPr>
-                        <m:ctrlPr>
-                          <a:rPr lang="zh-CN" altLang="zh-CN" sz="1600" i="1">
-                            <a:latin typeface="Cambria Math" charset="0"/>
-                          </a:rPr>
-                        </m:ctrlPr>
-                      </m:sSubPr>
-                      <m:e>
-                        <m:r>
-                          <m:rPr>
-                            <m:sty m:val="p"/>
-                          </m:rPr>
-                          <a:rPr lang="zh-TW" altLang="zh-CN" sz="1600">
-                            <a:latin typeface="Cambria Math" charset="0"/>
-                          </a:rPr>
-                          <m:t>w</m:t>
-                        </m:r>
-                      </m:e>
-                      <m:sub>
-                        <m:r>
-                          <a:rPr lang="zh-TW" altLang="zh-CN" sz="1600">
-                            <a:latin typeface="Cambria Math" charset="0"/>
-                          </a:rPr>
-                          <m:t>1</m:t>
-                        </m:r>
-                      </m:sub>
-                    </m:sSub>
-                    <m:r>
-                      <a:rPr lang="zh-CN" altLang="zh-CN" sz="1600">
-                        <a:latin typeface="Cambria Math" charset="0"/>
-                      </a:rPr>
-                      <m:t>，</m:t>
-                    </m:r>
-                    <m:sSub>
-                      <m:sSubPr>
-                        <m:ctrlPr>
-                          <a:rPr lang="zh-CN" altLang="zh-CN" sz="1600" i="1">
-                            <a:latin typeface="Cambria Math" charset="0"/>
-                          </a:rPr>
-                        </m:ctrlPr>
-                      </m:sSubPr>
-                      <m:e>
-                        <m:r>
-                          <m:rPr>
-                            <m:sty m:val="p"/>
-                          </m:rPr>
-                          <a:rPr lang="zh-TW" altLang="zh-CN" sz="1600">
-                            <a:latin typeface="Cambria Math" charset="0"/>
-                          </a:rPr>
-                          <m:t>w</m:t>
-                        </m:r>
-                      </m:e>
-                      <m:sub>
-                        <m:r>
-                          <a:rPr lang="zh-TW" altLang="zh-CN" sz="1600">
-                            <a:latin typeface="Cambria Math" charset="0"/>
-                          </a:rPr>
-                          <m:t>2</m:t>
-                        </m:r>
-                      </m:sub>
-                    </m:sSub>
-                    <m:r>
-                      <a:rPr lang="zh-CN" altLang="zh-CN" sz="1600">
-                        <a:latin typeface="Cambria Math" charset="0"/>
-                      </a:rPr>
-                      <m:t>，</m:t>
-                    </m:r>
-                    <m:r>
-                      <a:rPr lang="en-US" altLang="zh-CN" sz="1600">
-                        <a:latin typeface="Cambria Math" charset="0"/>
-                      </a:rPr>
-                      <m:t>…</m:t>
-                    </m:r>
-                    <m:sSub>
-                      <m:sSubPr>
-                        <m:ctrlPr>
-                          <a:rPr lang="zh-CN" altLang="zh-CN" sz="1600" i="1">
-                            <a:latin typeface="Cambria Math" charset="0"/>
-                          </a:rPr>
-                        </m:ctrlPr>
-                      </m:sSubPr>
-                      <m:e>
-                        <m:r>
-                          <m:rPr>
-                            <m:sty m:val="p"/>
-                          </m:rPr>
-                          <a:rPr lang="en-US" altLang="zh-CN" sz="1600">
-                            <a:latin typeface="Cambria Math" charset="0"/>
-                          </a:rPr>
-                          <m:t>w</m:t>
-                        </m:r>
-                      </m:e>
-                      <m:sub>
-                        <m:r>
-                          <m:rPr>
-                            <m:sty m:val="p"/>
-                          </m:rPr>
-                          <a:rPr lang="en-US" altLang="zh-CN" sz="1600">
-                            <a:latin typeface="Cambria Math" charset="0"/>
-                          </a:rPr>
-                          <m:t>n</m:t>
-                        </m:r>
-                      </m:sub>
-                    </m:sSub>
-                    <m:r>
-                      <a:rPr lang="en-US" altLang="zh-CN" sz="1600">
-                        <a:latin typeface="Cambria Math" charset="0"/>
-                      </a:rPr>
-                      <m:t>)</m:t>
-                    </m:r>
-                  </m:oMath>
-                </a14:m>
-                <a:r>
-                  <a:rPr lang="zh-CN" altLang="zh-CN" sz="1600" dirty="0"/>
-                  <a:t> </a:t>
-                </a:r>
-                <a:r>
-                  <a:rPr lang="zh-CN" altLang="en-US" dirty="0"/>
-                  <a:t>。</a:t>
-                </a:r>
-                <a:endParaRPr dirty="0"/>
-              </a:p>
-              <a:p>
-                <a:pPr marL="342900" indent="-342900">
-                  <a:buSzPct val="100000"/>
-                  <a:buFont typeface="+mj-lt"/>
-                  <a:buAutoNum type="arabicPeriod"/>
-                  <a:defRPr sz="1500"/>
-                </a:pPr>
-                <a:r>
-                  <a:rPr sz="1600" dirty="0"/>
-                  <a:t> 类别集合</a:t>
-                </a:r>
-                <a14:m>
-                  <m:oMath xmlns:m="http://schemas.openxmlformats.org/officeDocument/2006/math">
-                    <m:r>
-                      <m:rPr>
-                        <m:sty m:val="p"/>
-                      </m:rPr>
-                      <a:rPr lang="zh-TW" altLang="zh-CN" sz="1600">
-                        <a:latin typeface="Cambria Math" charset="0"/>
-                      </a:rPr>
-                      <m:t>C</m:t>
-                    </m:r>
-                    <m:r>
-                      <a:rPr lang="zh-TW" altLang="zh-CN" sz="1600">
-                        <a:latin typeface="Cambria Math" charset="0"/>
-                      </a:rPr>
-                      <m:t>=(</m:t>
-                    </m:r>
-                    <m:sSub>
-                      <m:sSubPr>
-                        <m:ctrlPr>
-                          <a:rPr lang="zh-CN" altLang="zh-CN" sz="1600" i="1">
-                            <a:latin typeface="Cambria Math" charset="0"/>
-                          </a:rPr>
-                        </m:ctrlPr>
-                      </m:sSubPr>
-                      <m:e>
-                        <m:r>
-                          <m:rPr>
-                            <m:sty m:val="p"/>
-                          </m:rPr>
-                          <a:rPr lang="zh-TW" altLang="zh-CN" sz="1600">
-                            <a:latin typeface="Cambria Math" charset="0"/>
-                          </a:rPr>
-                          <m:t>y</m:t>
-                        </m:r>
-                      </m:e>
-                      <m:sub>
-                        <m:r>
-                          <a:rPr lang="zh-TW" altLang="zh-CN" sz="1600">
-                            <a:latin typeface="Cambria Math" charset="0"/>
-                          </a:rPr>
-                          <m:t>1</m:t>
-                        </m:r>
-                      </m:sub>
-                    </m:sSub>
-                    <m:r>
-                      <a:rPr lang="zh-CN" altLang="zh-CN" sz="1600">
-                        <a:latin typeface="Cambria Math" charset="0"/>
-                      </a:rPr>
-                      <m:t>，</m:t>
-                    </m:r>
-                    <m:sSub>
-                      <m:sSubPr>
-                        <m:ctrlPr>
-                          <a:rPr lang="zh-CN" altLang="zh-CN" sz="1600" i="1">
-                            <a:latin typeface="Cambria Math" charset="0"/>
-                          </a:rPr>
-                        </m:ctrlPr>
-                      </m:sSubPr>
-                      <m:e>
-                        <m:r>
-                          <m:rPr>
-                            <m:sty m:val="p"/>
-                          </m:rPr>
-                          <a:rPr lang="zh-TW" altLang="zh-CN" sz="1600">
-                            <a:latin typeface="Cambria Math" charset="0"/>
-                          </a:rPr>
-                          <m:t>y</m:t>
-                        </m:r>
-                      </m:e>
-                      <m:sub>
-                        <m:r>
-                          <a:rPr lang="zh-TW" altLang="zh-CN" sz="1600">
-                            <a:latin typeface="Cambria Math" charset="0"/>
-                          </a:rPr>
-                          <m:t>2</m:t>
-                        </m:r>
-                      </m:sub>
-                    </m:sSub>
-                    <m:r>
-                      <a:rPr lang="zh-CN" altLang="zh-CN" sz="1600">
-                        <a:latin typeface="Cambria Math" charset="0"/>
-                      </a:rPr>
-                      <m:t>，</m:t>
-                    </m:r>
-                    <m:r>
-                      <a:rPr lang="en-US" altLang="zh-CN" sz="1600">
-                        <a:latin typeface="Cambria Math" charset="0"/>
-                      </a:rPr>
-                      <m:t>…</m:t>
-                    </m:r>
-                    <m:sSub>
-                      <m:sSubPr>
-                        <m:ctrlPr>
-                          <a:rPr lang="zh-CN" altLang="zh-CN" sz="1600" i="1">
-                            <a:latin typeface="Cambria Math" charset="0"/>
-                          </a:rPr>
-                        </m:ctrlPr>
-                      </m:sSubPr>
-                      <m:e>
-                        <m:r>
-                          <m:rPr>
-                            <m:sty m:val="p"/>
-                          </m:rPr>
-                          <a:rPr lang="en-US" altLang="zh-CN" sz="1600">
-                            <a:latin typeface="Cambria Math" charset="0"/>
-                          </a:rPr>
-                          <m:t>y</m:t>
-                        </m:r>
-                      </m:e>
-                      <m:sub>
-                        <m:r>
-                          <m:rPr>
-                            <m:sty m:val="p"/>
-                          </m:rPr>
-                          <a:rPr lang="en-US" altLang="zh-CN" sz="1600">
-                            <a:latin typeface="Cambria Math" charset="0"/>
-                          </a:rPr>
-                          <m:t>n</m:t>
-                        </m:r>
-                      </m:sub>
-                    </m:sSub>
-                    <m:r>
-                      <a:rPr lang="en-US" altLang="zh-CN" sz="1600">
-                        <a:latin typeface="Cambria Math" charset="0"/>
-                      </a:rPr>
-                      <m:t>)</m:t>
-                    </m:r>
-                  </m:oMath>
-                </a14:m>
-                <a:r>
-                  <a:rPr lang="zh-CN" altLang="zh-CN" sz="1600" dirty="0"/>
-                  <a:t> </a:t>
-                </a:r>
-                <a:r>
-                  <a:rPr lang="zh-CN" altLang="en-US" sz="1200" dirty="0"/>
-                  <a:t>。</a:t>
-                </a:r>
-                <a:endParaRPr sz="1200" dirty="0"/>
-              </a:p>
-              <a:p>
-                <a:pPr marL="342900" indent="-342900">
-                  <a:buSzPct val="100000"/>
-                  <a:buFont typeface="+mj-lt"/>
-                  <a:buAutoNum type="arabicPeriod"/>
-                  <a:defRPr sz="1500"/>
-                </a:pPr>
-                <a:r>
-                  <a:rPr sz="1600" dirty="0"/>
-                  <a:t> 计算</a:t>
-                </a:r>
-                <a14:m>
-                  <m:oMath xmlns:m="http://schemas.openxmlformats.org/officeDocument/2006/math">
-                    <m:r>
-                      <m:rPr>
-                        <m:sty m:val="p"/>
-                      </m:rPr>
-                      <a:rPr lang="en-US" altLang="zh-CN" sz="1600">
-                        <a:latin typeface="Cambria Math" charset="0"/>
-                      </a:rPr>
-                      <m:t>P</m:t>
-                    </m:r>
-                    <m:d>
-                      <m:dPr>
-                        <m:ctrlPr>
-                          <a:rPr lang="zh-CN" altLang="zh-CN" sz="1600" i="1">
-                            <a:latin typeface="Cambria Math" charset="0"/>
-                          </a:rPr>
-                        </m:ctrlPr>
-                      </m:dPr>
-                      <m:e>
-                        <m:sSub>
-                          <m:sSubPr>
-                            <m:ctrlPr>
-                              <a:rPr lang="zh-CN" altLang="zh-CN" sz="1600" i="1">
-                                <a:latin typeface="Cambria Math" charset="0"/>
-                              </a:rPr>
-                            </m:ctrlPr>
-                          </m:sSubPr>
-                          <m:e>
-                            <m:r>
-                              <m:rPr>
-                                <m:sty m:val="p"/>
-                              </m:rPr>
-                              <a:rPr lang="en-US" altLang="zh-CN" sz="1600">
-                                <a:latin typeface="Cambria Math" charset="0"/>
-                              </a:rPr>
-                              <m:t>y</m:t>
-                            </m:r>
-                          </m:e>
-                          <m:sub>
-                            <m:r>
-                              <a:rPr lang="en-US" altLang="zh-CN" sz="1600">
-                                <a:latin typeface="Cambria Math" charset="0"/>
-                              </a:rPr>
-                              <m:t>1</m:t>
-                            </m:r>
-                          </m:sub>
-                        </m:sSub>
-                        <m:r>
-                          <a:rPr lang="en-US" altLang="zh-CN" sz="1600">
-                            <a:latin typeface="Cambria Math" charset="0"/>
-                          </a:rPr>
-                          <m:t>|</m:t>
-                        </m:r>
-                        <m:r>
-                          <m:rPr>
-                            <m:sty m:val="p"/>
-                          </m:rPr>
-                          <a:rPr lang="en-US" altLang="zh-CN" sz="1600">
-                            <a:latin typeface="Cambria Math" charset="0"/>
-                          </a:rPr>
-                          <m:t>x</m:t>
-                        </m:r>
-                      </m:e>
-                    </m:d>
-                  </m:oMath>
-                </a14:m>
-                <a:r>
-                  <a:rPr lang="zh-CN" altLang="zh-CN" sz="1600" dirty="0"/>
-                  <a:t>, </a:t>
-                </a:r>
-                <a14:m>
-                  <m:oMath xmlns:m="http://schemas.openxmlformats.org/officeDocument/2006/math">
-                    <m:r>
-                      <m:rPr>
-                        <m:sty m:val="p"/>
-                      </m:rPr>
-                      <a:rPr lang="en-US" altLang="zh-CN" sz="1600">
-                        <a:latin typeface="Cambria Math" charset="0"/>
-                      </a:rPr>
-                      <m:t>P</m:t>
-                    </m:r>
-                    <m:d>
-                      <m:dPr>
-                        <m:ctrlPr>
-                          <a:rPr lang="zh-CN" altLang="zh-CN" sz="1600" i="1">
-                            <a:latin typeface="Cambria Math" charset="0"/>
-                          </a:rPr>
-                        </m:ctrlPr>
-                      </m:dPr>
-                      <m:e>
-                        <m:sSub>
-                          <m:sSubPr>
-                            <m:ctrlPr>
-                              <a:rPr lang="zh-CN" altLang="zh-CN" sz="1600" i="1">
-                                <a:latin typeface="Cambria Math" charset="0"/>
-                              </a:rPr>
-                            </m:ctrlPr>
-                          </m:sSubPr>
-                          <m:e>
-                            <m:r>
-                              <m:rPr>
-                                <m:sty m:val="p"/>
-                              </m:rPr>
-                              <a:rPr lang="en-US" altLang="zh-CN" sz="1600">
-                                <a:latin typeface="Cambria Math" charset="0"/>
-                              </a:rPr>
-                              <m:t>y</m:t>
-                            </m:r>
-                          </m:e>
-                          <m:sub>
-                            <m:r>
-                              <a:rPr lang="en-US" altLang="zh-CN" sz="1600">
-                                <a:latin typeface="Cambria Math" charset="0"/>
-                              </a:rPr>
-                              <m:t>2</m:t>
-                            </m:r>
-                          </m:sub>
-                        </m:sSub>
-                        <m:r>
-                          <a:rPr lang="en-US" altLang="zh-CN" sz="1600">
-                            <a:latin typeface="Cambria Math" charset="0"/>
-                          </a:rPr>
-                          <m:t>|</m:t>
-                        </m:r>
-                        <m:r>
-                          <m:rPr>
-                            <m:sty m:val="p"/>
-                          </m:rPr>
-                          <a:rPr lang="en-US" altLang="zh-CN" sz="1600">
-                            <a:latin typeface="Cambria Math" charset="0"/>
-                          </a:rPr>
-                          <m:t>x</m:t>
-                        </m:r>
-                      </m:e>
-                    </m:d>
-                  </m:oMath>
-                </a14:m>
-                <a:r>
-                  <a:rPr lang="zh-CN" altLang="zh-CN" sz="1600" dirty="0"/>
-                  <a:t>, …, </a:t>
-                </a:r>
-                <a14:m>
-                  <m:oMath xmlns:m="http://schemas.openxmlformats.org/officeDocument/2006/math">
-                    <m:r>
-                      <m:rPr>
-                        <m:sty m:val="p"/>
-                      </m:rPr>
-                      <a:rPr lang="en-US" altLang="zh-CN" sz="1600">
-                        <a:latin typeface="Cambria Math" charset="0"/>
-                      </a:rPr>
-                      <m:t>P</m:t>
-                    </m:r>
-                    <m:d>
-                      <m:dPr>
-                        <m:ctrlPr>
-                          <a:rPr lang="zh-CN" altLang="zh-CN" sz="1600" i="1">
-                            <a:latin typeface="Cambria Math" charset="0"/>
-                          </a:rPr>
-                        </m:ctrlPr>
-                      </m:dPr>
-                      <m:e>
-                        <m:sSub>
-                          <m:sSubPr>
-                            <m:ctrlPr>
-                              <a:rPr lang="zh-CN" altLang="zh-CN" sz="1600" i="1">
-                                <a:latin typeface="Cambria Math" charset="0"/>
-                              </a:rPr>
-                            </m:ctrlPr>
-                          </m:sSubPr>
-                          <m:e>
-                            <m:r>
-                              <m:rPr>
-                                <m:sty m:val="p"/>
-                              </m:rPr>
-                              <a:rPr lang="en-US" altLang="zh-CN" sz="1600">
-                                <a:latin typeface="Cambria Math" charset="0"/>
-                              </a:rPr>
-                              <m:t>y</m:t>
-                            </m:r>
-                          </m:e>
-                          <m:sub>
-                            <m:r>
-                              <m:rPr>
-                                <m:sty m:val="p"/>
-                              </m:rPr>
-                              <a:rPr lang="en-US" altLang="zh-CN" sz="1600">
-                                <a:latin typeface="Cambria Math" charset="0"/>
-                              </a:rPr>
-                              <m:t>n</m:t>
-                            </m:r>
-                          </m:sub>
-                        </m:sSub>
-                        <m:r>
-                          <a:rPr lang="en-US" altLang="zh-CN" sz="1600">
-                            <a:latin typeface="Cambria Math" charset="0"/>
-                          </a:rPr>
-                          <m:t>|</m:t>
-                        </m:r>
-                        <m:r>
-                          <m:rPr>
-                            <m:sty m:val="p"/>
-                          </m:rPr>
-                          <a:rPr lang="en-US" altLang="zh-CN" sz="1600">
-                            <a:latin typeface="Cambria Math" charset="0"/>
-                          </a:rPr>
-                          <m:t>x</m:t>
-                        </m:r>
-                      </m:e>
-                    </m:d>
-                  </m:oMath>
-                </a14:m>
-                <a:r>
-                  <a:rPr lang="zh-CN" altLang="zh-CN" sz="1600" dirty="0"/>
-                  <a:t> </a:t>
-                </a:r>
-                <a:r>
-                  <a:rPr lang="zh-CN" altLang="en-US" sz="1600" dirty="0" smtClean="0"/>
-                  <a:t>。</a:t>
-                </a:r>
-                <a:endParaRPr sz="1600" dirty="0"/>
-              </a:p>
-              <a:p>
-                <a:pPr marL="342900" indent="-342900">
-                  <a:buSzPct val="100000"/>
-                  <a:buFont typeface="+mj-lt"/>
-                  <a:buAutoNum type="arabicPeriod"/>
-                  <a:defRPr sz="1500"/>
-                </a:pPr>
-                <a:r>
-                  <a:rPr sz="1600" dirty="0"/>
-                  <a:t> 选出上一步骤中数值最大者</a:t>
-                </a:r>
-                <a14:m>
-                  <m:oMath xmlns:m="http://schemas.openxmlformats.org/officeDocument/2006/math">
-                    <m:r>
-                      <m:rPr>
-                        <m:sty m:val="p"/>
-                      </m:rPr>
-                      <a:rPr lang="en-US" altLang="zh-CN">
-                        <a:latin typeface="Cambria Math" charset="0"/>
-                      </a:rPr>
-                      <m:t>P</m:t>
-                    </m:r>
-                    <m:d>
-                      <m:dPr>
-                        <m:ctrlPr>
-                          <a:rPr lang="zh-CN" altLang="zh-CN" i="1">
-                            <a:latin typeface="Cambria Math" charset="0"/>
-                          </a:rPr>
-                        </m:ctrlPr>
-                      </m:dPr>
-                      <m:e>
-                        <m:sSub>
-                          <m:sSubPr>
-                            <m:ctrlPr>
-                              <a:rPr lang="zh-CN" altLang="zh-CN" i="1">
-                                <a:latin typeface="Cambria Math" charset="0"/>
-                              </a:rPr>
-                            </m:ctrlPr>
-                          </m:sSubPr>
-                          <m:e>
-                            <m:r>
-                              <m:rPr>
-                                <m:sty m:val="p"/>
-                              </m:rPr>
-                              <a:rPr lang="en-US" altLang="zh-CN">
-                                <a:latin typeface="Cambria Math" charset="0"/>
-                              </a:rPr>
-                              <m:t>y</m:t>
-                            </m:r>
-                          </m:e>
-                          <m:sub>
-                            <m:r>
-                              <m:rPr>
-                                <m:sty m:val="p"/>
-                              </m:rPr>
-                              <a:rPr lang="en-US" altLang="zh-CN" i="1" smtClean="0">
-                                <a:latin typeface="Cambria Math" charset="0"/>
-                              </a:rPr>
-                              <m:t>k</m:t>
-                            </m:r>
-                          </m:sub>
-                        </m:sSub>
-                        <m:r>
-                          <a:rPr lang="en-US" altLang="zh-CN">
-                            <a:latin typeface="Cambria Math" charset="0"/>
-                          </a:rPr>
-                          <m:t>|</m:t>
-                        </m:r>
-                        <m:r>
-                          <m:rPr>
-                            <m:sty m:val="p"/>
-                          </m:rPr>
-                          <a:rPr lang="en-US" altLang="zh-CN">
-                            <a:latin typeface="Cambria Math" charset="0"/>
-                          </a:rPr>
-                          <m:t>x</m:t>
-                        </m:r>
-                      </m:e>
-                    </m:d>
-                  </m:oMath>
-                </a14:m>
-                <a:r>
-                  <a:rPr lang="zh-CN" altLang="en-US" sz="1600" dirty="0" smtClean="0"/>
-                  <a:t>，</a:t>
-                </a:r>
-                <a:r>
-                  <a:rPr sz="1600" dirty="0" smtClean="0"/>
-                  <a:t>则选取</a:t>
-                </a:r>
-                <a:r>
-                  <a:rPr dirty="0"/>
-                  <a:t>k</a:t>
-                </a:r>
-                <a:r>
-                  <a:rPr sz="1600" dirty="0"/>
-                  <a:t>作为分类结果</a:t>
-                </a:r>
-                <a:r>
-                  <a:rPr sz="1600" dirty="0" smtClean="0"/>
-                  <a:t>。</a:t>
-                </a:r>
-                <a:endParaRPr lang="zh-CN" altLang="en-US" sz="1600" dirty="0" smtClean="0"/>
-              </a:p>
-              <a:p>
-                <a:pPr marL="342900" indent="-342900">
-                  <a:buSzPct val="100000"/>
-                  <a:buFont typeface="+mj-lt"/>
-                  <a:buAutoNum type="arabicPeriod"/>
-                  <a:defRPr sz="1500"/>
-                </a:pPr>
-                <a:endParaRPr sz="1600" dirty="0"/>
-              </a:p>
-              <a:p>
-                <a:pPr>
-                  <a:defRPr sz="1400"/>
-                </a:pPr>
-                <a:r>
-                  <a:rPr lang="zh-CN" altLang="en-US" sz="1600" dirty="0" smtClean="0"/>
-                  <a:t>其中，</a:t>
-                </a:r>
-                <a:r>
-                  <a:rPr sz="1600" dirty="0" smtClean="0"/>
-                  <a:t>第</a:t>
-                </a:r>
-                <a:r>
-                  <a:rPr sz="1600" dirty="0"/>
-                  <a:t>3步中的P(y</a:t>
-                </a:r>
-                <a:r>
-                  <a:rPr sz="1000" dirty="0"/>
-                  <a:t>i</a:t>
-                </a:r>
-                <a:r>
-                  <a:rPr sz="1600" dirty="0"/>
-                  <a:t>|x) = P(x|y</a:t>
-                </a:r>
-                <a:r>
-                  <a:rPr sz="1200" dirty="0"/>
-                  <a:t>i</a:t>
-                </a:r>
-                <a:r>
-                  <a:rPr sz="1600" dirty="0"/>
-                  <a:t>) * P(y</a:t>
-                </a:r>
-                <a:r>
-                  <a:rPr sz="1050" dirty="0"/>
-                  <a:t>i</a:t>
-                </a:r>
-                <a:r>
-                  <a:rPr sz="1600" dirty="0"/>
-                  <a:t>) / P(x) </a:t>
-                </a:r>
-                <a:r>
-                  <a:rPr lang="zh-CN" altLang="en-US" sz="1600" dirty="0" smtClean="0"/>
-                  <a:t>，由于</a:t>
-                </a:r>
-                <a:r>
-                  <a:rPr sz="1600" dirty="0" smtClean="0"/>
-                  <a:t>P(x</a:t>
-                </a:r>
-                <a:r>
-                  <a:rPr sz="1600" dirty="0"/>
-                  <a:t>)对于所有类别为常数</a:t>
-                </a:r>
-                <a:r>
-                  <a:rPr sz="1600" dirty="0" smtClean="0"/>
-                  <a:t>，只需</a:t>
-                </a:r>
-                <a:r>
-                  <a:rPr lang="zh-CN" altLang="en-US" sz="1600" dirty="0" smtClean="0"/>
-                  <a:t>比较</a:t>
-                </a:r>
-                <a:r>
-                  <a:rPr sz="1600" dirty="0" smtClean="0"/>
-                  <a:t>分子</a:t>
-                </a:r>
-                <a:r>
-                  <a:rPr sz="1600" dirty="0"/>
-                  <a:t>：</a:t>
-                </a:r>
-              </a:p>
-              <a:p>
-                <a:pPr algn="ctr">
-                  <a:defRPr sz="1400"/>
-                </a:pPr>
-                <a14:m>
-                  <m:oMath xmlns:m="http://schemas.openxmlformats.org/officeDocument/2006/math">
-                    <m:r>
-                      <m:rPr>
-                        <m:sty m:val="p"/>
-                      </m:rPr>
-                      <a:rPr lang="en-US" altLang="zh-CN" sz="1600">
-                        <a:latin typeface="Cambria Math" charset="0"/>
-                      </a:rPr>
-                      <m:t>P</m:t>
-                    </m:r>
-                    <m:d>
-                      <m:dPr>
-                        <m:ctrlPr>
-                          <a:rPr lang="zh-CN" altLang="zh-CN" sz="1600" i="1">
-                            <a:latin typeface="Cambria Math" charset="0"/>
-                          </a:rPr>
-                        </m:ctrlPr>
-                      </m:dPr>
-                      <m:e>
-                        <m:r>
-                          <m:rPr>
-                            <m:sty m:val="p"/>
-                          </m:rPr>
-                          <a:rPr lang="en-US" altLang="zh-CN" sz="1600">
-                            <a:latin typeface="Cambria Math" charset="0"/>
-                          </a:rPr>
-                          <m:t>x</m:t>
-                        </m:r>
-                        <m:r>
-                          <a:rPr lang="en-US" altLang="zh-CN" sz="1600">
-                            <a:latin typeface="Cambria Math" charset="0"/>
-                          </a:rPr>
-                          <m:t>|</m:t>
-                        </m:r>
-                        <m:sSub>
-                          <m:sSubPr>
-                            <m:ctrlPr>
-                              <a:rPr lang="zh-CN" altLang="zh-CN" sz="1600" i="1">
-                                <a:latin typeface="Cambria Math" charset="0"/>
-                              </a:rPr>
-                            </m:ctrlPr>
-                          </m:sSubPr>
-                          <m:e>
-                            <m:r>
-                              <m:rPr>
-                                <m:sty m:val="p"/>
-                              </m:rPr>
-                              <a:rPr lang="en-US" altLang="zh-CN" sz="1600">
-                                <a:latin typeface="Cambria Math" charset="0"/>
-                              </a:rPr>
-                              <m:t>y</m:t>
-                            </m:r>
-                          </m:e>
-                          <m:sub>
-                            <m:r>
-                              <m:rPr>
-                                <m:sty m:val="p"/>
-                              </m:rPr>
-                              <a:rPr lang="en-US" altLang="zh-CN" sz="1600">
-                                <a:latin typeface="Cambria Math" charset="0"/>
-                              </a:rPr>
-                              <m:t>i</m:t>
-                            </m:r>
-                          </m:sub>
-                        </m:sSub>
-                      </m:e>
-                    </m:d>
-                    <m:r>
-                      <a:rPr lang="en-US" altLang="zh-CN" sz="1600" i="1">
-                        <a:latin typeface="Cambria Math" charset="0"/>
-                      </a:rPr>
-                      <m:t>∗</m:t>
-                    </m:r>
-                    <m:r>
-                      <m:rPr>
-                        <m:sty m:val="p"/>
-                      </m:rPr>
-                      <a:rPr lang="en-US" altLang="zh-CN" sz="1600">
-                        <a:latin typeface="Cambria Math" charset="0"/>
-                      </a:rPr>
-                      <m:t>P</m:t>
-                    </m:r>
-                    <m:d>
-                      <m:dPr>
-                        <m:ctrlPr>
-                          <a:rPr lang="zh-CN" altLang="zh-CN" sz="1600" i="1">
-                            <a:latin typeface="Cambria Math" charset="0"/>
-                          </a:rPr>
-                        </m:ctrlPr>
-                      </m:dPr>
-                      <m:e>
-                        <m:sSub>
-                          <m:sSubPr>
-                            <m:ctrlPr>
-                              <a:rPr lang="zh-CN" altLang="zh-CN" sz="1600" i="1">
-                                <a:latin typeface="Cambria Math" charset="0"/>
-                              </a:rPr>
-                            </m:ctrlPr>
-                          </m:sSubPr>
-                          <m:e>
-                            <m:r>
-                              <m:rPr>
-                                <m:sty m:val="p"/>
-                              </m:rPr>
-                              <a:rPr lang="en-US" altLang="zh-CN" sz="1600">
-                                <a:latin typeface="Cambria Math" charset="0"/>
-                              </a:rPr>
-                              <m:t>y</m:t>
-                            </m:r>
-                          </m:e>
-                          <m:sub>
-                            <m:r>
-                              <m:rPr>
-                                <m:sty m:val="p"/>
-                              </m:rPr>
-                              <a:rPr lang="en-US" altLang="zh-CN" sz="1600">
-                                <a:latin typeface="Cambria Math" charset="0"/>
-                              </a:rPr>
-                              <m:t>i</m:t>
-                            </m:r>
-                          </m:sub>
-                        </m:sSub>
-                      </m:e>
-                    </m:d>
-                    <m:r>
-                      <a:rPr lang="en-US" altLang="zh-CN" sz="1600">
-                        <a:latin typeface="Cambria Math" charset="0"/>
-                      </a:rPr>
-                      <m:t>=</m:t>
-                    </m:r>
-                    <m:r>
-                      <m:rPr>
-                        <m:sty m:val="p"/>
-                      </m:rPr>
-                      <a:rPr lang="en-US" altLang="zh-CN" sz="1600">
-                        <a:latin typeface="Cambria Math" charset="0"/>
-                      </a:rPr>
-                      <m:t>P</m:t>
-                    </m:r>
-                    <m:d>
-                      <m:dPr>
-                        <m:ctrlPr>
-                          <a:rPr lang="zh-CN" altLang="zh-CN" sz="1600" i="1">
-                            <a:latin typeface="Cambria Math" charset="0"/>
-                          </a:rPr>
-                        </m:ctrlPr>
-                      </m:dPr>
-                      <m:e>
-                        <m:sSub>
-                          <m:sSubPr>
-                            <m:ctrlPr>
-                              <a:rPr lang="zh-CN" altLang="zh-CN" sz="1600" i="1">
-                                <a:latin typeface="Cambria Math" charset="0"/>
-                              </a:rPr>
-                            </m:ctrlPr>
-                          </m:sSubPr>
-                          <m:e>
-                            <m:r>
-                              <m:rPr>
-                                <m:sty m:val="p"/>
-                              </m:rPr>
-                              <a:rPr lang="en-US" altLang="zh-CN" sz="1600">
-                                <a:latin typeface="Cambria Math" charset="0"/>
-                              </a:rPr>
-                              <m:t>w</m:t>
-                            </m:r>
-                          </m:e>
-                          <m:sub>
-                            <m:r>
-                              <a:rPr lang="en-US" altLang="zh-CN" sz="1600">
-                                <a:latin typeface="Cambria Math" charset="0"/>
-                              </a:rPr>
-                              <m:t>1</m:t>
-                            </m:r>
-                          </m:sub>
-                        </m:sSub>
-                        <m:r>
-                          <a:rPr lang="en-US" altLang="zh-CN" sz="1600">
-                            <a:latin typeface="Cambria Math" charset="0"/>
-                          </a:rPr>
-                          <m:t>|</m:t>
-                        </m:r>
-                        <m:sSub>
-                          <m:sSubPr>
-                            <m:ctrlPr>
-                              <a:rPr lang="zh-CN" altLang="zh-CN" sz="1600" i="1">
-                                <a:latin typeface="Cambria Math" charset="0"/>
-                              </a:rPr>
-                            </m:ctrlPr>
-                          </m:sSubPr>
-                          <m:e>
-                            <m:r>
-                              <m:rPr>
-                                <m:sty m:val="p"/>
-                              </m:rPr>
-                              <a:rPr lang="en-US" altLang="zh-CN" sz="1600">
-                                <a:latin typeface="Cambria Math" charset="0"/>
-                              </a:rPr>
-                              <m:t>y</m:t>
-                            </m:r>
-                          </m:e>
-                          <m:sub>
-                            <m:r>
-                              <m:rPr>
-                                <m:sty m:val="p"/>
-                              </m:rPr>
-                              <a:rPr lang="en-US" altLang="zh-CN" sz="1600">
-                                <a:latin typeface="Cambria Math" charset="0"/>
-                              </a:rPr>
-                              <m:t>i</m:t>
-                            </m:r>
-                          </m:sub>
-                        </m:sSub>
-                      </m:e>
-                    </m:d>
-                    <m:r>
-                      <a:rPr lang="en-US" altLang="zh-CN" sz="1600">
-                        <a:latin typeface="Cambria Math" charset="0"/>
-                      </a:rPr>
-                      <m:t>×</m:t>
-                    </m:r>
-                    <m:r>
-                      <m:rPr>
-                        <m:sty m:val="p"/>
-                      </m:rPr>
-                      <a:rPr lang="en-US" altLang="zh-CN" sz="1600">
-                        <a:latin typeface="Cambria Math" charset="0"/>
-                      </a:rPr>
-                      <m:t>P</m:t>
-                    </m:r>
-                    <m:d>
-                      <m:dPr>
-                        <m:ctrlPr>
-                          <a:rPr lang="zh-CN" altLang="zh-CN" sz="1600" i="1">
-                            <a:latin typeface="Cambria Math" charset="0"/>
-                          </a:rPr>
-                        </m:ctrlPr>
-                      </m:dPr>
-                      <m:e>
-                        <m:sSub>
-                          <m:sSubPr>
-                            <m:ctrlPr>
-                              <a:rPr lang="zh-CN" altLang="zh-CN" sz="1600" i="1">
-                                <a:latin typeface="Cambria Math" charset="0"/>
-                              </a:rPr>
-                            </m:ctrlPr>
-                          </m:sSubPr>
-                          <m:e>
-                            <m:r>
-                              <m:rPr>
-                                <m:sty m:val="p"/>
-                              </m:rPr>
-                              <a:rPr lang="en-US" altLang="zh-CN" sz="1600">
-                                <a:latin typeface="Cambria Math" charset="0"/>
-                              </a:rPr>
-                              <m:t>w</m:t>
-                            </m:r>
-                          </m:e>
-                          <m:sub>
-                            <m:r>
-                              <a:rPr lang="en-US" altLang="zh-CN" sz="1600">
-                                <a:latin typeface="Cambria Math" charset="0"/>
-                              </a:rPr>
-                              <m:t>2</m:t>
-                            </m:r>
-                          </m:sub>
-                        </m:sSub>
-                        <m:r>
-                          <a:rPr lang="en-US" altLang="zh-CN" sz="1600">
-                            <a:latin typeface="Cambria Math" charset="0"/>
-                          </a:rPr>
-                          <m:t>|</m:t>
-                        </m:r>
-                        <m:sSub>
-                          <m:sSubPr>
-                            <m:ctrlPr>
-                              <a:rPr lang="zh-CN" altLang="zh-CN" sz="1600" i="1">
-                                <a:latin typeface="Cambria Math" charset="0"/>
-                              </a:rPr>
-                            </m:ctrlPr>
-                          </m:sSubPr>
-                          <m:e>
-                            <m:r>
-                              <m:rPr>
-                                <m:sty m:val="p"/>
-                              </m:rPr>
-                              <a:rPr lang="en-US" altLang="zh-CN" sz="1600">
-                                <a:latin typeface="Cambria Math" charset="0"/>
-                              </a:rPr>
-                              <m:t>y</m:t>
-                            </m:r>
-                          </m:e>
-                          <m:sub>
-                            <m:r>
-                              <m:rPr>
-                                <m:sty m:val="p"/>
-                              </m:rPr>
-                              <a:rPr lang="en-US" altLang="zh-CN" sz="1600">
-                                <a:latin typeface="Cambria Math" charset="0"/>
-                              </a:rPr>
-                              <m:t>i</m:t>
-                            </m:r>
-                          </m:sub>
-                        </m:sSub>
-                      </m:e>
-                    </m:d>
-                    <m:r>
-                      <a:rPr lang="en-US" altLang="zh-CN" sz="1600">
-                        <a:latin typeface="Cambria Math" charset="0"/>
-                      </a:rPr>
-                      <m:t>×…×</m:t>
-                    </m:r>
-                    <m:r>
-                      <m:rPr>
-                        <m:sty m:val="p"/>
-                      </m:rPr>
-                      <a:rPr lang="en-US" altLang="zh-CN" sz="1600">
-                        <a:latin typeface="Cambria Math" charset="0"/>
-                      </a:rPr>
-                      <m:t>P</m:t>
-                    </m:r>
-                    <m:d>
-                      <m:dPr>
-                        <m:ctrlPr>
-                          <a:rPr lang="zh-CN" altLang="zh-CN" sz="1600" i="1">
-                            <a:latin typeface="Cambria Math" charset="0"/>
-                          </a:rPr>
-                        </m:ctrlPr>
-                      </m:dPr>
-                      <m:e>
-                        <m:sSub>
-                          <m:sSubPr>
-                            <m:ctrlPr>
-                              <a:rPr lang="zh-CN" altLang="zh-CN" sz="1600" i="1">
-                                <a:latin typeface="Cambria Math" charset="0"/>
-                              </a:rPr>
-                            </m:ctrlPr>
-                          </m:sSubPr>
-                          <m:e>
-                            <m:r>
-                              <m:rPr>
-                                <m:sty m:val="p"/>
-                              </m:rPr>
-                              <a:rPr lang="en-US" altLang="zh-CN" sz="1600">
-                                <a:latin typeface="Cambria Math" charset="0"/>
-                              </a:rPr>
-                              <m:t>w</m:t>
-                            </m:r>
-                          </m:e>
-                          <m:sub>
-                            <m:r>
-                              <m:rPr>
-                                <m:sty m:val="p"/>
-                              </m:rPr>
-                              <a:rPr lang="en-US" altLang="zh-CN" sz="1600">
-                                <a:latin typeface="Cambria Math" charset="0"/>
-                              </a:rPr>
-                              <m:t>n</m:t>
-                            </m:r>
-                          </m:sub>
-                        </m:sSub>
-                        <m:r>
-                          <a:rPr lang="en-US" altLang="zh-CN" sz="1600">
-                            <a:latin typeface="Cambria Math" charset="0"/>
-                          </a:rPr>
-                          <m:t>|</m:t>
-                        </m:r>
-                        <m:sSub>
-                          <m:sSubPr>
-                            <m:ctrlPr>
-                              <a:rPr lang="zh-CN" altLang="zh-CN" sz="1600" i="1">
-                                <a:latin typeface="Cambria Math" charset="0"/>
-                              </a:rPr>
-                            </m:ctrlPr>
-                          </m:sSubPr>
-                          <m:e>
-                            <m:r>
-                              <m:rPr>
-                                <m:sty m:val="p"/>
-                              </m:rPr>
-                              <a:rPr lang="en-US" altLang="zh-CN" sz="1600">
-                                <a:latin typeface="Cambria Math" charset="0"/>
-                              </a:rPr>
-                              <m:t>y</m:t>
-                            </m:r>
-                          </m:e>
-                          <m:sub>
-                            <m:r>
-                              <m:rPr>
-                                <m:sty m:val="p"/>
-                              </m:rPr>
-                              <a:rPr lang="en-US" altLang="zh-CN" sz="1600">
-                                <a:latin typeface="Cambria Math" charset="0"/>
-                              </a:rPr>
-                              <m:t>i</m:t>
-                            </m:r>
-                          </m:sub>
-                        </m:sSub>
-                      </m:e>
-                    </m:d>
-                    <m:r>
-                      <a:rPr lang="en-US" altLang="zh-CN" sz="1600">
-                        <a:latin typeface="Cambria Math" charset="0"/>
-                      </a:rPr>
-                      <m:t>×</m:t>
-                    </m:r>
-                    <m:r>
-                      <m:rPr>
-                        <m:sty m:val="p"/>
-                      </m:rPr>
-                      <a:rPr lang="en-US" altLang="zh-CN" sz="1600">
-                        <a:latin typeface="Cambria Math" charset="0"/>
-                      </a:rPr>
-                      <m:t>P</m:t>
-                    </m:r>
-                    <m:r>
-                      <a:rPr lang="en-US" altLang="zh-CN" sz="1600">
-                        <a:latin typeface="Cambria Math" charset="0"/>
-                      </a:rPr>
-                      <m:t>(</m:t>
-                    </m:r>
-                    <m:sSub>
-                      <m:sSubPr>
-                        <m:ctrlPr>
-                          <a:rPr lang="zh-CN" altLang="zh-CN" sz="1600" i="1">
-                            <a:latin typeface="Cambria Math" charset="0"/>
-                          </a:rPr>
-                        </m:ctrlPr>
-                      </m:sSubPr>
-                      <m:e>
-                        <m:r>
-                          <m:rPr>
-                            <m:sty m:val="p"/>
-                          </m:rPr>
-                          <a:rPr lang="en-US" altLang="zh-CN" sz="1600">
-                            <a:latin typeface="Cambria Math" charset="0"/>
-                          </a:rPr>
-                          <m:t>y</m:t>
-                        </m:r>
-                      </m:e>
-                      <m:sub>
-                        <m:r>
-                          <m:rPr>
-                            <m:sty m:val="p"/>
-                          </m:rPr>
-                          <a:rPr lang="en-US" altLang="zh-CN" sz="1600">
-                            <a:latin typeface="Cambria Math" charset="0"/>
-                          </a:rPr>
-                          <m:t>i</m:t>
-                        </m:r>
-                      </m:sub>
-                    </m:sSub>
-                    <m:r>
-                      <a:rPr lang="en-US" altLang="zh-CN" sz="1600">
-                        <a:latin typeface="Cambria Math" charset="0"/>
-                      </a:rPr>
-                      <m:t>)</m:t>
-                    </m:r>
-                  </m:oMath>
-                </a14:m>
-                <a:r>
-                  <a:rPr dirty="0" smtClean="0"/>
-                  <a:t> </a:t>
-                </a:r>
-                <a:endParaRPr lang="zh-CN" altLang="en-US" dirty="0" smtClean="0"/>
-              </a:p>
-              <a:p>
-                <a:pPr algn="ctr">
-                  <a:defRPr sz="1400"/>
-                </a:pPr>
-                <a:endParaRPr lang="zh-CN" altLang="en-US" dirty="0" smtClean="0"/>
-              </a:p>
-              <a:p>
-                <a:pPr>
-                  <a:defRPr sz="1400"/>
-                </a:pPr>
-                <a:r>
-                  <a:rPr lang="zh-CN" altLang="en-US" sz="1600" dirty="0" smtClean="0"/>
-                  <a:t>因此，分类任务最终转化为求</a:t>
-                </a:r>
-                <a:r>
-                  <a:rPr lang="zh-CN" altLang="en-US" dirty="0" smtClean="0"/>
-                  <a:t>：</a:t>
-                </a:r>
-              </a:p>
-              <a:p>
-                <a:pPr algn="ctr">
-                  <a:defRPr sz="1400"/>
-                </a:pPr>
-                <a:r>
-                  <a:rPr lang="zh-CN" altLang="zh-CN" sz="1400" dirty="0"/>
-                  <a:t> </a:t>
-                </a:r>
-                <a14:m>
-                  <m:oMath xmlns:m="http://schemas.openxmlformats.org/officeDocument/2006/math">
-                    <m:f>
-                      <m:fPr>
-                        <m:type m:val="noBar"/>
-                        <m:ctrlPr>
-                          <a:rPr lang="zh-CN" altLang="zh-CN" sz="1600" i="1">
-                            <a:latin typeface="Cambria Math" charset="0"/>
-                          </a:rPr>
-                        </m:ctrlPr>
-                      </m:fPr>
-                      <m:num>
-                        <m:r>
-                          <m:rPr>
-                            <m:sty m:val="p"/>
-                          </m:rPr>
-                          <a:rPr lang="zh-CN" altLang="zh-CN" sz="1600">
-                            <a:latin typeface="Cambria Math" charset="0"/>
-                          </a:rPr>
-                          <m:t>argmax</m:t>
-                        </m:r>
-                      </m:num>
-                      <m:den>
-                        <m:r>
-                          <m:rPr>
-                            <m:sty m:val="p"/>
-                          </m:rPr>
-                          <a:rPr lang="zh-CN" altLang="zh-CN" sz="1600">
-                            <a:latin typeface="Cambria Math" charset="0"/>
-                          </a:rPr>
-                          <m:t>k</m:t>
-                        </m:r>
-                      </m:den>
-                    </m:f>
-                    <m:r>
-                      <m:rPr>
-                        <m:sty m:val="p"/>
-                      </m:rPr>
-                      <a:rPr lang="zh-CN" altLang="zh-CN" sz="1600">
-                        <a:latin typeface="Cambria Math" charset="0"/>
-                      </a:rPr>
-                      <m:t>P</m:t>
-                    </m:r>
-                    <m:r>
-                      <a:rPr lang="zh-CN" altLang="zh-CN" sz="1600">
-                        <a:latin typeface="Cambria Math" charset="0"/>
-                      </a:rPr>
-                      <m:t>(</m:t>
-                    </m:r>
-                    <m:sSub>
-                      <m:sSubPr>
-                        <m:ctrlPr>
-                          <a:rPr lang="zh-CN" altLang="zh-CN" sz="1600" i="1">
-                            <a:latin typeface="Cambria Math" charset="0"/>
-                          </a:rPr>
-                        </m:ctrlPr>
-                      </m:sSubPr>
-                      <m:e>
-                        <m:r>
-                          <m:rPr>
-                            <m:sty m:val="p"/>
-                          </m:rPr>
-                          <a:rPr lang="zh-CN" altLang="zh-CN" sz="1600">
-                            <a:latin typeface="Cambria Math" charset="0"/>
-                          </a:rPr>
-                          <m:t>y</m:t>
-                        </m:r>
-                      </m:e>
-                      <m:sub>
-                        <m:r>
-                          <m:rPr>
-                            <m:sty m:val="p"/>
-                          </m:rPr>
-                          <a:rPr lang="zh-CN" altLang="zh-CN" sz="1600">
-                            <a:latin typeface="Cambria Math" charset="0"/>
-                          </a:rPr>
-                          <m:t>k</m:t>
-                        </m:r>
-                      </m:sub>
-                    </m:sSub>
-                    <m:r>
-                      <a:rPr lang="zh-CN" altLang="zh-CN" sz="1600">
-                        <a:latin typeface="Cambria Math" charset="0"/>
-                      </a:rPr>
-                      <m:t>)</m:t>
-                    </m:r>
-                    <m:nary>
-                      <m:naryPr>
-                        <m:chr m:val="∏"/>
-                        <m:limLoc m:val="undOvr"/>
-                        <m:ctrlPr>
-                          <a:rPr lang="zh-CN" altLang="zh-CN" sz="1600" i="1">
-                            <a:latin typeface="Cambria Math" charset="0"/>
-                          </a:rPr>
-                        </m:ctrlPr>
-                      </m:naryPr>
-                      <m:sub>
-                        <m:r>
-                          <m:rPr>
-                            <m:sty m:val="p"/>
-                          </m:rPr>
-                          <a:rPr lang="zh-CN" altLang="zh-CN" sz="1600">
-                            <a:latin typeface="Cambria Math" charset="0"/>
-                          </a:rPr>
-                          <m:t>i</m:t>
-                        </m:r>
-                        <m:r>
-                          <a:rPr lang="zh-CN" altLang="zh-CN" sz="1600">
-                            <a:latin typeface="Cambria Math" charset="0"/>
-                          </a:rPr>
-                          <m:t>=1</m:t>
-                        </m:r>
-                      </m:sub>
-                      <m:sup>
-                        <m:r>
-                          <m:rPr>
-                            <m:sty m:val="p"/>
-                          </m:rPr>
-                          <a:rPr lang="zh-CN" altLang="zh-CN" sz="1600">
-                            <a:latin typeface="Cambria Math" charset="0"/>
-                          </a:rPr>
-                          <m:t>n</m:t>
-                        </m:r>
-                      </m:sup>
-                      <m:e>
-                        <m:r>
-                          <m:rPr>
-                            <m:sty m:val="p"/>
-                          </m:rPr>
-                          <a:rPr lang="zh-CN" altLang="zh-CN" sz="1600">
-                            <a:latin typeface="Cambria Math" charset="0"/>
-                          </a:rPr>
-                          <m:t>P</m:t>
-                        </m:r>
-                        <m:r>
-                          <a:rPr lang="zh-CN" altLang="zh-CN" sz="1600">
-                            <a:latin typeface="Cambria Math" charset="0"/>
-                          </a:rPr>
-                          <m:t>(</m:t>
-                        </m:r>
-                        <m:sSub>
-                          <m:sSubPr>
-                            <m:ctrlPr>
-                              <a:rPr lang="zh-CN" altLang="zh-CN" sz="1600" i="1">
-                                <a:latin typeface="Cambria Math" charset="0"/>
-                              </a:rPr>
-                            </m:ctrlPr>
-                          </m:sSubPr>
-                          <m:e>
-                            <m:r>
-                              <m:rPr>
-                                <m:sty m:val="p"/>
-                              </m:rPr>
-                              <a:rPr lang="zh-CN" altLang="zh-CN" sz="1600">
-                                <a:latin typeface="Cambria Math" charset="0"/>
-                              </a:rPr>
-                              <m:t>w</m:t>
-                            </m:r>
-                          </m:e>
-                          <m:sub>
-                            <m:r>
-                              <m:rPr>
-                                <m:sty m:val="p"/>
-                              </m:rPr>
-                              <a:rPr lang="zh-CN" altLang="zh-CN" sz="1600">
-                                <a:latin typeface="Cambria Math" charset="0"/>
-                              </a:rPr>
-                              <m:t>i</m:t>
-                            </m:r>
-                          </m:sub>
-                        </m:sSub>
-                        <m:r>
-                          <a:rPr lang="zh-CN" altLang="zh-CN" sz="1600">
-                            <a:latin typeface="Cambria Math" charset="0"/>
-                          </a:rPr>
-                          <m:t>|</m:t>
-                        </m:r>
-                        <m:sSub>
-                          <m:sSubPr>
-                            <m:ctrlPr>
-                              <a:rPr lang="zh-CN" altLang="zh-CN" sz="1600" i="1">
-                                <a:latin typeface="Cambria Math" charset="0"/>
-                              </a:rPr>
-                            </m:ctrlPr>
-                          </m:sSubPr>
-                          <m:e>
-                            <m:r>
-                              <m:rPr>
-                                <m:sty m:val="p"/>
-                              </m:rPr>
-                              <a:rPr lang="zh-CN" altLang="zh-CN" sz="1600">
-                                <a:latin typeface="Cambria Math" charset="0"/>
-                              </a:rPr>
-                              <m:t>y</m:t>
-                            </m:r>
-                          </m:e>
-                          <m:sub>
-                            <m:r>
-                              <m:rPr>
-                                <m:sty m:val="p"/>
-                              </m:rPr>
-                              <a:rPr lang="zh-CN" altLang="zh-CN" sz="1600">
-                                <a:latin typeface="Cambria Math" charset="0"/>
-                              </a:rPr>
-                              <m:t>k</m:t>
-                            </m:r>
-                          </m:sub>
-                        </m:sSub>
-                        <m:r>
-                          <a:rPr lang="zh-CN" altLang="zh-CN" sz="1600">
-                            <a:latin typeface="Cambria Math" charset="0"/>
-                          </a:rPr>
-                          <m:t>)</m:t>
-                        </m:r>
-                      </m:e>
-                    </m:nary>
-                  </m:oMath>
-                </a14:m>
-                <a:r>
-                  <a:rPr lang="zh-CN" altLang="zh-CN" sz="1600" dirty="0"/>
-                  <a:t> </a:t>
-                </a:r>
-                <a:endParaRPr sz="1600" dirty="0"/>
-              </a:p>
-            </p:txBody>
-          </p:sp>
-        </mc:Choice>
-        <mc:Fallback xmlns="">
-          <p:sp>
-            <p:nvSpPr>
-              <p:cNvPr id="110" name="Shape 110"/>
-              <p:cNvSpPr>
-                <a:spLocks noRot="1" noChangeAspect="1" noMove="1" noResize="1" noEditPoints="1" noAdjustHandles="1" noChangeArrowheads="1" noChangeShapeType="1" noTextEdit="1"/>
-              </p:cNvSpPr>
-              <p:nvPr/>
-            </p:nvSpPr>
-            <p:spPr>
-              <a:xfrm>
-                <a:off x="1042987" y="2933761"/>
-                <a:ext cx="6955060" cy="2911759"/>
-              </a:xfrm>
-              <a:prstGeom prst="rect">
-                <a:avLst/>
-              </a:prstGeom>
-              <a:blipFill rotWithShape="0">
-                <a:blip r:embed="rId3"/>
-                <a:stretch>
-                  <a:fillRect l="-1138" t="-209" b="-18372"/>
-                </a:stretch>
-              </a:blipFill>
-              <a:ln w="3175">
-                <a:solidFill>
-                  <a:srgbClr val="000000"/>
-                </a:solidFill>
-                <a:miter lim="400000"/>
-              </a:ln>
-              <a:extLst>
-                <a:ext uri="{C572A759-6A51-4108-AA02-DFA0A04FC94B}">
-                  <ma14:wrappingTextBoxFlag xmlns:ma14="http://schemas.microsoft.com/office/mac/drawingml/2011/main" val="1"/>
-                </a:ext>
-              </a:extLst>
-            </p:spPr>
-            <p:txBody>
-              <a:bodyPr/>
-              <a:lstStyle/>
-              <a:p>
-                <a:r>
-                  <a:rPr lang="zh-CN" altLang="en-US">
-                    <a:noFill/>
-                  </a:rPr>
-                  <a:t> </a:t>
-                </a:r>
-              </a:p>
-            </p:txBody>
-          </p:sp>
-        </mc:Fallback>
-      </mc:AlternateContent>
-    </p:spTree>
-  </p:cSld>
-  <p:clrMapOvr>
-    <a:masterClrMapping/>
-  </p:clrMapOvr>
-  <p:transition spd="slow"/>
-  <p:timing>
-    <p:tnLst>
-      <p:par>
-        <p:cTn id="1" dur="indefinite" restart="never" nodeType="tmRoot"/>
-      </p:par>
-    </p:tnLst>
-  </p:timing>
-</p:sld>
-</file>
-
-<file path=ppt/slides/slide11.xml><?xml version="1.0" encoding="utf-8"?>
-<p:sld xmlns:a="http://schemas.openxmlformats.org/drawingml/2006/main" xmlns:r="http://schemas.openxmlformats.org/officeDocument/2006/relationships" xmlns:p="http://schemas.openxmlformats.org/presentationml/2006/main">
-  <p:cSld>
-    <p:spTree>
-      <p:nvGrpSpPr>
-        <p:cNvPr id="1" name=""/>
-        <p:cNvGrpSpPr/>
-        <p:nvPr/>
-      </p:nvGrpSpPr>
-      <p:grpSpPr>
-        <a:xfrm>
-          <a:off x="0" y="0"/>
-          <a:ext cx="0" cy="0"/>
-          <a:chOff x="0" y="0"/>
-          <a:chExt cx="0" cy="0"/>
-        </a:xfrm>
-      </p:grpSpPr>
-      <p:sp>
-        <p:nvSpPr>
-          <p:cNvPr id="107" name="Shape 107"/>
-          <p:cNvSpPr>
-            <a:spLocks noGrp="1"/>
-          </p:cNvSpPr>
-          <p:nvPr>
-            <p:ph type="sldNum" sz="quarter" idx="2"/>
-          </p:nvPr>
-        </p:nvSpPr>
-        <p:spPr>
-          <a:prstGeom prst="rect">
-            <a:avLst/>
-          </a:prstGeom>
-          <a:extLst>
-            <a:ext uri="{C572A759-6A51-4108-AA02-DFA0A04FC94B}">
-              <ma14:wrappingTextBoxFlag xmlns:ma14="http://schemas.microsoft.com/office/mac/drawingml/2011/main" val="1"/>
-            </a:ext>
-          </a:extLst>
-        </p:spPr>
-        <p:txBody>
-          <a:bodyPr/>
-          <a:lstStyle/>
-          <a:p>
-            <a:fld id="{86CB4B4D-7CA3-9044-876B-883B54F8677D}" type="slidenum">
-              <a:t>11</a:t>
-            </a:fld>
-            <a:endParaRPr/>
-          </a:p>
-        </p:txBody>
-      </p:sp>
-      <p:sp>
-        <p:nvSpPr>
-          <p:cNvPr id="108" name="Shape 108"/>
-          <p:cNvSpPr>
-            <a:spLocks noGrp="1"/>
-          </p:cNvSpPr>
-          <p:nvPr>
-            <p:ph type="title" idx="4294967295"/>
-          </p:nvPr>
-        </p:nvSpPr>
-        <p:spPr>
-          <a:xfrm>
-            <a:off x="1042987" y="404812"/>
-            <a:ext cx="5616576" cy="576263"/>
-          </a:xfrm>
-          <a:prstGeom prst="rect">
-            <a:avLst/>
-          </a:prstGeom>
-        </p:spPr>
-        <p:txBody>
-          <a:bodyPr>
-            <a:normAutofit/>
-          </a:bodyPr>
-          <a:lstStyle>
-            <a:lvl1pPr defTabSz="786384">
-              <a:defRPr sz="2752"/>
-            </a:lvl1pPr>
-          </a:lstStyle>
-          <a:p>
-            <a:r>
-              <a:rPr dirty="0"/>
-              <a:t>研究方法·分类模型</a:t>
-            </a:r>
-          </a:p>
-        </p:txBody>
-      </p:sp>
-      <mc:AlternateContent xmlns:mc="http://schemas.openxmlformats.org/markup-compatibility/2006">
-        <mc:Choice xmlns:a14="http://schemas.microsoft.com/office/drawing/2010/main" Requires="a14">
           <p:sp>
             <p:nvSpPr>
               <p:cNvPr id="109" name="Shape 109"/>
@@ -4624,7 +2604,9 @@
                       <m:rPr>
                         <m:sty m:val="p"/>
                       </m:rPr>
-                      <a:rPr lang="en-US" altLang="zh-CN" sz="2000"/>
+                      <a:rPr lang="en-US" altLang="zh-CN" sz="2000">
+                        <a:latin typeface="Cambria Math" charset="0"/>
+                      </a:rPr>
                       <m:t>α</m:t>
                     </m:r>
                     <m:r>
@@ -4678,17 +2660,23 @@
                       <m:rPr>
                         <m:sty m:val="p"/>
                       </m:rPr>
-                      <a:rPr lang="zh-CN" altLang="zh-CN" sz="2000"/>
+                      <a:rPr lang="zh-CN" altLang="zh-CN" sz="2000">
+                        <a:latin typeface="Cambria Math" charset="0"/>
+                      </a:rPr>
                       <m:t>P</m:t>
                     </m:r>
                     <m:r>
-                      <a:rPr lang="zh-CN" altLang="zh-CN" sz="2000"/>
+                      <a:rPr lang="zh-CN" altLang="zh-CN" sz="2000">
+                        <a:latin typeface="Cambria Math" charset="0"/>
+                      </a:rPr>
                       <m:t>(</m:t>
                     </m:r>
                     <m:sSub>
                       <m:sSubPr>
                         <m:ctrlPr>
-                          <a:rPr lang="zh-CN" altLang="zh-CN" sz="2000"/>
+                          <a:rPr lang="zh-CN" altLang="zh-CN" sz="2000" i="1">
+                            <a:latin typeface="Cambria Math" charset="0"/>
+                          </a:rPr>
                         </m:ctrlPr>
                       </m:sSubPr>
                       <m:e>
@@ -4696,7 +2684,9 @@
                           <m:rPr>
                             <m:sty m:val="p"/>
                           </m:rPr>
-                          <a:rPr lang="zh-CN" altLang="zh-CN" sz="2000"/>
+                          <a:rPr lang="zh-CN" altLang="zh-CN" sz="2000">
+                            <a:latin typeface="Cambria Math" charset="0"/>
+                          </a:rPr>
                           <m:t>w</m:t>
                         </m:r>
                       </m:e>
@@ -4705,24 +2695,32 @@
                           <m:rPr>
                             <m:sty m:val="p"/>
                           </m:rPr>
-                          <a:rPr lang="zh-CN" altLang="zh-CN" sz="2000"/>
+                          <a:rPr lang="zh-CN" altLang="zh-CN" sz="2000">
+                            <a:latin typeface="Cambria Math" charset="0"/>
+                          </a:rPr>
                           <m:t>i</m:t>
                         </m:r>
                       </m:sub>
                     </m:sSub>
                     <m:r>
-                      <a:rPr lang="zh-CN" altLang="zh-CN" sz="2000"/>
+                      <a:rPr lang="zh-CN" altLang="zh-CN" sz="2000">
+                        <a:latin typeface="Cambria Math" charset="0"/>
+                      </a:rPr>
                       <m:t>|</m:t>
                     </m:r>
                     <m:r>
                       <m:rPr>
                         <m:sty m:val="p"/>
                       </m:rPr>
-                      <a:rPr lang="zh-CN" altLang="zh-CN" sz="2000"/>
+                      <a:rPr lang="zh-CN" altLang="zh-CN" sz="2000">
+                        <a:latin typeface="Cambria Math" charset="0"/>
+                      </a:rPr>
                       <m:t>y</m:t>
                     </m:r>
                     <m:r>
-                      <a:rPr lang="zh-CN" altLang="zh-CN" sz="2000"/>
+                      <a:rPr lang="zh-CN" altLang="zh-CN" sz="2000">
+                        <a:latin typeface="Cambria Math" charset="0"/>
+                      </a:rPr>
                       <m:t>)</m:t>
                     </m:r>
                   </m:oMath>
@@ -4739,7 +2737,7 @@
             </p:txBody>
           </p:sp>
         </mc:Choice>
-        <mc:Fallback>
+        <mc:Fallback xmlns="">
           <p:sp>
             <p:nvSpPr>
               <p:cNvPr id="109" name="Shape 109"/>
@@ -6428,7 +4426,7 @@
 </p:sld>
 </file>
 
-<file path=ppt/slides/slide12.xml><?xml version="1.0" encoding="utf-8"?>
+<file path=ppt/slides/slide11.xml><?xml version="1.0" encoding="utf-8"?>
 <p:sld xmlns:a="http://schemas.openxmlformats.org/drawingml/2006/main" xmlns:r="http://schemas.openxmlformats.org/officeDocument/2006/relationships" xmlns:p="http://schemas.openxmlformats.org/presentationml/2006/main">
   <p:cSld>
     <p:spTree>
@@ -6474,7 +4472,7 @@
           <a:lstStyle/>
           <a:p>
             <a:fld id="{86CB4B4D-7CA3-9044-876B-883B54F8677D}" type="slidenum">
-              <a:t>12</a:t>
+              <a:t>11</a:t>
             </a:fld>
             <a:endParaRPr/>
           </a:p>
@@ -6898,7 +4896,7 @@
 </p:sld>
 </file>
 
-<file path=ppt/slides/slide13.xml><?xml version="1.0" encoding="utf-8"?>
+<file path=ppt/slides/slide12.xml><?xml version="1.0" encoding="utf-8"?>
 <p:sld xmlns:a="http://schemas.openxmlformats.org/drawingml/2006/main" xmlns:r="http://schemas.openxmlformats.org/officeDocument/2006/relationships" xmlns:p="http://schemas.openxmlformats.org/presentationml/2006/main">
   <p:cSld>
     <p:spTree>
@@ -6940,7 +4938,7 @@
           <a:lstStyle/>
           <a:p>
             <a:fld id="{86CB4B4D-7CA3-9044-876B-883B54F8677D}" type="slidenum">
-              <a:t>13</a:t>
+              <a:t>12</a:t>
             </a:fld>
             <a:endParaRPr/>
           </a:p>
@@ -7282,7 +5280,7 @@
 </p:sld>
 </file>
 
-<file path=ppt/slides/slide14.xml><?xml version="1.0" encoding="utf-8"?>
+<file path=ppt/slides/slide13.xml><?xml version="1.0" encoding="utf-8"?>
 <p:sld xmlns:a="http://schemas.openxmlformats.org/drawingml/2006/main" xmlns:r="http://schemas.openxmlformats.org/officeDocument/2006/relationships" xmlns:p="http://schemas.openxmlformats.org/presentationml/2006/main">
   <p:cSld>
     <p:spTree>
@@ -7324,7 +5322,7 @@
           <a:lstStyle/>
           <a:p>
             <a:fld id="{86CB4B4D-7CA3-9044-876B-883B54F8677D}" type="slidenum">
-              <a:t>14</a:t>
+              <a:t>13</a:t>
             </a:fld>
             <a:endParaRPr/>
           </a:p>
@@ -7619,7 +5617,7 @@
 </p:sld>
 </file>
 
-<file path=ppt/slides/slide15.xml><?xml version="1.0" encoding="utf-8"?>
+<file path=ppt/slides/slide14.xml><?xml version="1.0" encoding="utf-8"?>
 <p:sld xmlns:a="http://schemas.openxmlformats.org/drawingml/2006/main" xmlns:r="http://schemas.openxmlformats.org/officeDocument/2006/relationships" xmlns:p="http://schemas.openxmlformats.org/presentationml/2006/main">
   <p:cSld>
     <p:spTree>
@@ -7661,7 +5659,7 @@
           <a:lstStyle/>
           <a:p>
             <a:fld id="{86CB4B4D-7CA3-9044-876B-883B54F8677D}" type="slidenum">
-              <a:t>15</a:t>
+              <a:t>14</a:t>
             </a:fld>
             <a:endParaRPr/>
           </a:p>
@@ -7929,7 +5927,7 @@
 </p:sld>
 </file>
 
-<file path=ppt/slides/slide16.xml><?xml version="1.0" encoding="utf-8"?>
+<file path=ppt/slides/slide15.xml><?xml version="1.0" encoding="utf-8"?>
 <p:sld xmlns:a="http://schemas.openxmlformats.org/drawingml/2006/main" xmlns:r="http://schemas.openxmlformats.org/officeDocument/2006/relationships" xmlns:p="http://schemas.openxmlformats.org/presentationml/2006/main">
   <p:cSld>
     <p:spTree>
@@ -7971,7 +5969,7 @@
           <a:lstStyle/>
           <a:p>
             <a:fld id="{86CB4B4D-7CA3-9044-876B-883B54F8677D}" type="slidenum">
-              <a:t>16</a:t>
+              <a:t>15</a:t>
             </a:fld>
             <a:endParaRPr/>
           </a:p>
@@ -8041,6 +6039,138 @@
         </p:spPr>
       </p:pic>
     </p:spTree>
+  </p:cSld>
+  <p:clrMapOvr>
+    <a:masterClrMapping/>
+  </p:clrMapOvr>
+  <p:transition spd="slow"/>
+  <p:timing>
+    <p:tnLst>
+      <p:par>
+        <p:cTn id="1" dur="indefinite" restart="never" nodeType="tmRoot"/>
+      </p:par>
+    </p:tnLst>
+  </p:timing>
+</p:sld>
+</file>
+
+<file path=ppt/slides/slide16.xml><?xml version="1.0" encoding="utf-8"?>
+<p:sld xmlns:a="http://schemas.openxmlformats.org/drawingml/2006/main" xmlns:r="http://schemas.openxmlformats.org/officeDocument/2006/relationships" xmlns:p="http://schemas.openxmlformats.org/presentationml/2006/main">
+  <p:cSld>
+    <p:spTree>
+      <p:nvGrpSpPr>
+        <p:cNvPr id="1" name=""/>
+        <p:cNvGrpSpPr/>
+        <p:nvPr/>
+      </p:nvGrpSpPr>
+      <p:grpSpPr>
+        <a:xfrm>
+          <a:off x="0" y="0"/>
+          <a:ext cx="0" cy="0"/>
+          <a:chOff x="0" y="0"/>
+          <a:chExt cx="0" cy="0"/>
+        </a:xfrm>
+      </p:grpSpPr>
+      <p:sp>
+        <p:nvSpPr>
+          <p:cNvPr id="128" name="Shape 128"/>
+          <p:cNvSpPr>
+            <a:spLocks noGrp="1"/>
+          </p:cNvSpPr>
+          <p:nvPr>
+            <p:ph type="sldNum" sz="quarter" idx="2"/>
+          </p:nvPr>
+        </p:nvSpPr>
+        <p:spPr>
+          <a:prstGeom prst="rect">
+            <a:avLst/>
+          </a:prstGeom>
+          <a:extLst>
+            <a:ext uri="{C572A759-6A51-4108-AA02-DFA0A04FC94B}">
+              <ma14:wrappingTextBoxFlag xmlns:ma14="http://schemas.microsoft.com/office/mac/drawingml/2011/main" val="1"/>
+            </a:ext>
+          </a:extLst>
+        </p:spPr>
+        <p:txBody>
+          <a:bodyPr/>
+          <a:lstStyle/>
+          <a:p>
+            <a:fld id="{86CB4B4D-7CA3-9044-876B-883B54F8677D}" type="slidenum">
+              <a:t>16</a:t>
+            </a:fld>
+            <a:endParaRPr/>
+          </a:p>
+        </p:txBody>
+      </p:sp>
+      <p:sp>
+        <p:nvSpPr>
+          <p:cNvPr id="129" name="Shape 129"/>
+          <p:cNvSpPr>
+            <a:spLocks noGrp="1"/>
+          </p:cNvSpPr>
+          <p:nvPr>
+            <p:ph type="title" idx="4294967295"/>
+          </p:nvPr>
+        </p:nvSpPr>
+        <p:spPr>
+          <a:xfrm>
+            <a:off x="1042987" y="404812"/>
+            <a:ext cx="5616576" cy="576263"/>
+          </a:xfrm>
+          <a:prstGeom prst="rect">
+            <a:avLst/>
+          </a:prstGeom>
+        </p:spPr>
+        <p:txBody>
+          <a:bodyPr>
+            <a:normAutofit/>
+          </a:bodyPr>
+          <a:lstStyle>
+            <a:lvl1pPr defTabSz="786384">
+              <a:defRPr sz="2752"/>
+            </a:lvl1pPr>
+          </a:lstStyle>
+          <a:p>
+            <a:r>
+              <a:t>伯努利贝叶斯与多项式贝叶斯</a:t>
+            </a:r>
+          </a:p>
+        </p:txBody>
+      </p:sp>
+      <p:pic>
+        <p:nvPicPr>
+          <p:cNvPr id="6" name="图片 5"/>
+          <p:cNvPicPr/>
+          <p:nvPr/>
+        </p:nvPicPr>
+        <p:blipFill>
+          <a:blip r:embed="rId2">
+            <a:extLst>
+              <a:ext uri="{28A0092B-C50C-407E-A947-70E740481C1C}">
+                <a14:useLocalDpi xmlns:a14="http://schemas.microsoft.com/office/drawing/2010/main" val="0"/>
+              </a:ext>
+            </a:extLst>
+          </a:blip>
+          <a:stretch>
+            <a:fillRect/>
+          </a:stretch>
+        </p:blipFill>
+        <p:spPr>
+          <a:xfrm>
+            <a:off x="641030" y="1229031"/>
+            <a:ext cx="7673630" cy="4852791"/>
+          </a:xfrm>
+          <a:prstGeom prst="rect">
+            <a:avLst/>
+          </a:prstGeom>
+        </p:spPr>
+      </p:pic>
+    </p:spTree>
+    <p:extLst>
+      <p:ext uri="{BB962C8B-B14F-4D97-AF65-F5344CB8AC3E}">
+        <p14:creationId xmlns:p14="http://schemas.microsoft.com/office/powerpoint/2010/main" val="120164522"/>
+      </p:ext>
+    </p:extLst>
   </p:cSld>
   <p:clrMapOvr>
     <a:masterClrMapping/>
@@ -8141,7 +6271,7 @@
       </p:sp>
       <p:pic>
         <p:nvPicPr>
-          <p:cNvPr id="6" name="图片 5"/>
+          <p:cNvPr id="7" name="图片 6"/>
           <p:cNvPicPr/>
           <p:nvPr/>
         </p:nvPicPr>
@@ -8159,8 +6289,8 @@
         </p:blipFill>
         <p:spPr>
           <a:xfrm>
-            <a:off x="641030" y="1229031"/>
-            <a:ext cx="7673630" cy="4852791"/>
+            <a:off x="689157" y="1245858"/>
+            <a:ext cx="7604238" cy="4793436"/>
           </a:xfrm>
           <a:prstGeom prst="rect">
             <a:avLst/>
@@ -8168,11 +6298,6 @@
         </p:spPr>
       </p:pic>
     </p:spTree>
-    <p:extLst>
-      <p:ext uri="{BB962C8B-B14F-4D97-AF65-F5344CB8AC3E}">
-        <p14:creationId xmlns:p14="http://schemas.microsoft.com/office/powerpoint/2010/main" val="120164522"/>
-      </p:ext>
-    </p:extLst>
   </p:cSld>
   <p:clrMapOvr>
     <a:masterClrMapping/>
@@ -8273,7 +6398,7 @@
       </p:sp>
       <p:pic>
         <p:nvPicPr>
-          <p:cNvPr id="7" name="图片 6"/>
+          <p:cNvPr id="5" name="图片 4"/>
           <p:cNvPicPr/>
           <p:nvPr/>
         </p:nvPicPr>
@@ -8291,8 +6416,8 @@
         </p:blipFill>
         <p:spPr>
           <a:xfrm>
-            <a:off x="689157" y="1245858"/>
-            <a:ext cx="7604238" cy="4793436"/>
+            <a:off x="458048" y="1191302"/>
+            <a:ext cx="7669991" cy="4890522"/>
           </a:xfrm>
           <a:prstGeom prst="rect">
             <a:avLst/>
@@ -8300,6 +6425,11 @@
         </p:spPr>
       </p:pic>
     </p:spTree>
+    <p:extLst>
+      <p:ext uri="{BB962C8B-B14F-4D97-AF65-F5344CB8AC3E}">
+        <p14:creationId xmlns:p14="http://schemas.microsoft.com/office/powerpoint/2010/main" val="1892590379"/>
+      </p:ext>
+    </p:extLst>
   </p:cSld>
   <p:clrMapOvr>
     <a:masterClrMapping/>
@@ -8334,7 +6464,7 @@
       </p:grpSpPr>
       <p:sp>
         <p:nvSpPr>
-          <p:cNvPr id="128" name="Shape 128"/>
+          <p:cNvPr id="132" name="Shape 132"/>
           <p:cNvSpPr>
             <a:spLocks noGrp="1"/>
           </p:cNvSpPr>
@@ -8365,7 +6495,7 @@
       </p:sp>
       <p:sp>
         <p:nvSpPr>
-          <p:cNvPr id="129" name="Shape 129"/>
+          <p:cNvPr id="133" name="Shape 133"/>
           <p:cNvSpPr>
             <a:spLocks noGrp="1"/>
           </p:cNvSpPr>
@@ -8393,7 +6523,7 @@
           </a:lstStyle>
           <a:p>
             <a:r>
-              <a:t>伯努利贝叶斯与多项式贝叶斯</a:t>
+              <a:t>KNN中K值的选取</a:t>
             </a:r>
           </a:p>
         </p:txBody>
@@ -8405,21 +6535,15 @@
           <p:nvPr/>
         </p:nvPicPr>
         <p:blipFill>
-          <a:blip r:embed="rId2">
-            <a:extLst>
-              <a:ext uri="{28A0092B-C50C-407E-A947-70E740481C1C}">
-                <a14:useLocalDpi xmlns:a14="http://schemas.microsoft.com/office/drawing/2010/main" val="0"/>
-              </a:ext>
-            </a:extLst>
-          </a:blip>
+          <a:blip r:embed="rId2"/>
           <a:stretch>
             <a:fillRect/>
           </a:stretch>
         </p:blipFill>
         <p:spPr>
           <a:xfrm>
-            <a:off x="458048" y="1191302"/>
-            <a:ext cx="7669991" cy="4890522"/>
+            <a:off x="541421" y="1249677"/>
+            <a:ext cx="7586618" cy="4821514"/>
           </a:xfrm>
           <a:prstGeom prst="rect">
             <a:avLst/>
@@ -8427,11 +6551,6 @@
         </p:spPr>
       </p:pic>
     </p:spTree>
-    <p:extLst>
-      <p:ext uri="{BB962C8B-B14F-4D97-AF65-F5344CB8AC3E}">
-        <p14:creationId xmlns:p14="http://schemas.microsoft.com/office/powerpoint/2010/main" val="1892590379"/>
-      </p:ext>
-    </p:extLst>
   </p:cSld>
   <p:clrMapOvr>
     <a:masterClrMapping/>
@@ -9039,7 +7158,7 @@
       </p:grpSpPr>
       <p:sp>
         <p:nvSpPr>
-          <p:cNvPr id="132" name="Shape 132"/>
+          <p:cNvPr id="136" name="Shape 136"/>
           <p:cNvSpPr>
             <a:spLocks noGrp="1"/>
           </p:cNvSpPr>
@@ -9063,127 +7182,6 @@
           <a:p>
             <a:fld id="{86CB4B4D-7CA3-9044-876B-883B54F8677D}" type="slidenum">
               <a:t>20</a:t>
-            </a:fld>
-            <a:endParaRPr/>
-          </a:p>
-        </p:txBody>
-      </p:sp>
-      <p:sp>
-        <p:nvSpPr>
-          <p:cNvPr id="133" name="Shape 133"/>
-          <p:cNvSpPr>
-            <a:spLocks noGrp="1"/>
-          </p:cNvSpPr>
-          <p:nvPr>
-            <p:ph type="title" idx="4294967295"/>
-          </p:nvPr>
-        </p:nvSpPr>
-        <p:spPr>
-          <a:xfrm>
-            <a:off x="1042987" y="404812"/>
-            <a:ext cx="5616576" cy="576263"/>
-          </a:xfrm>
-          <a:prstGeom prst="rect">
-            <a:avLst/>
-          </a:prstGeom>
-        </p:spPr>
-        <p:txBody>
-          <a:bodyPr>
-            <a:normAutofit/>
-          </a:bodyPr>
-          <a:lstStyle>
-            <a:lvl1pPr defTabSz="786384">
-              <a:defRPr sz="2752"/>
-            </a:lvl1pPr>
-          </a:lstStyle>
-          <a:p>
-            <a:r>
-              <a:t>KNN中K值的选取</a:t>
-            </a:r>
-          </a:p>
-        </p:txBody>
-      </p:sp>
-      <p:pic>
-        <p:nvPicPr>
-          <p:cNvPr id="5" name="图片 4"/>
-          <p:cNvPicPr/>
-          <p:nvPr/>
-        </p:nvPicPr>
-        <p:blipFill>
-          <a:blip r:embed="rId2"/>
-          <a:stretch>
-            <a:fillRect/>
-          </a:stretch>
-        </p:blipFill>
-        <p:spPr>
-          <a:xfrm>
-            <a:off x="541421" y="1249677"/>
-            <a:ext cx="7586618" cy="4821514"/>
-          </a:xfrm>
-          <a:prstGeom prst="rect">
-            <a:avLst/>
-          </a:prstGeom>
-        </p:spPr>
-      </p:pic>
-    </p:spTree>
-  </p:cSld>
-  <p:clrMapOvr>
-    <a:masterClrMapping/>
-  </p:clrMapOvr>
-  <p:transition spd="slow"/>
-  <p:timing>
-    <p:tnLst>
-      <p:par>
-        <p:cTn id="1" dur="indefinite" restart="never" nodeType="tmRoot"/>
-      </p:par>
-    </p:tnLst>
-  </p:timing>
-</p:sld>
-</file>
-
-<file path=ppt/slides/slide21.xml><?xml version="1.0" encoding="utf-8"?>
-<p:sld xmlns:a="http://schemas.openxmlformats.org/drawingml/2006/main" xmlns:r="http://schemas.openxmlformats.org/officeDocument/2006/relationships" xmlns:p="http://schemas.openxmlformats.org/presentationml/2006/main">
-  <p:cSld>
-    <p:spTree>
-      <p:nvGrpSpPr>
-        <p:cNvPr id="1" name=""/>
-        <p:cNvGrpSpPr/>
-        <p:nvPr/>
-      </p:nvGrpSpPr>
-      <p:grpSpPr>
-        <a:xfrm>
-          <a:off x="0" y="0"/>
-          <a:ext cx="0" cy="0"/>
-          <a:chOff x="0" y="0"/>
-          <a:chExt cx="0" cy="0"/>
-        </a:xfrm>
-      </p:grpSpPr>
-      <p:sp>
-        <p:nvSpPr>
-          <p:cNvPr id="136" name="Shape 136"/>
-          <p:cNvSpPr>
-            <a:spLocks noGrp="1"/>
-          </p:cNvSpPr>
-          <p:nvPr>
-            <p:ph type="sldNum" sz="quarter" idx="2"/>
-          </p:nvPr>
-        </p:nvSpPr>
-        <p:spPr>
-          <a:prstGeom prst="rect">
-            <a:avLst/>
-          </a:prstGeom>
-          <a:extLst>
-            <a:ext uri="{C572A759-6A51-4108-AA02-DFA0A04FC94B}">
-              <ma14:wrappingTextBoxFlag xmlns:ma14="http://schemas.microsoft.com/office/mac/drawingml/2011/main" val="1"/>
-            </a:ext>
-          </a:extLst>
-        </p:spPr>
-        <p:txBody>
-          <a:bodyPr/>
-          <a:lstStyle/>
-          <a:p>
-            <a:fld id="{86CB4B4D-7CA3-9044-876B-883B54F8677D}" type="slidenum">
-              <a:t>21</a:t>
             </a:fld>
             <a:endParaRPr/>
           </a:p>
@@ -20840,7 +18838,7 @@
 </p:sld>
 </file>
 
-<file path=ppt/slides/slide22.xml><?xml version="1.0" encoding="utf-8"?>
+<file path=ppt/slides/slide21.xml><?xml version="1.0" encoding="utf-8"?>
 <p:sld xmlns:a="http://schemas.openxmlformats.org/drawingml/2006/main" xmlns:r="http://schemas.openxmlformats.org/officeDocument/2006/relationships" xmlns:p="http://schemas.openxmlformats.org/presentationml/2006/main">
   <p:cSld>
     <p:spTree>
@@ -20882,7 +18880,7 @@
           <a:lstStyle/>
           <a:p>
             <a:fld id="{86CB4B4D-7CA3-9044-876B-883B54F8677D}" type="slidenum">
-              <a:t>22</a:t>
+              <a:t>21</a:t>
             </a:fld>
             <a:endParaRPr/>
           </a:p>
@@ -21149,7 +19147,7 @@
 </p:sld>
 </file>
 
-<file path=ppt/slides/slide23.xml><?xml version="1.0" encoding="utf-8"?>
+<file path=ppt/slides/slide22.xml><?xml version="1.0" encoding="utf-8"?>
 <p:sld xmlns:a="http://schemas.openxmlformats.org/drawingml/2006/main" xmlns:r="http://schemas.openxmlformats.org/officeDocument/2006/relationships" xmlns:p="http://schemas.openxmlformats.org/presentationml/2006/main">
   <p:cSld>
     <p:spTree>
@@ -21252,7 +19250,7 @@
           <a:lstStyle/>
           <a:p>
             <a:fld id="{86CB4B4D-7CA3-9044-876B-883B54F8677D}" type="slidenum">
-              <a:t>23</a:t>
+              <a:t>22</a:t>
             </a:fld>
             <a:endParaRPr/>
           </a:p>
@@ -21403,8 +19401,14 @@
           </a:lstStyle>
           <a:p>
             <a:r>
-              <a:t>研究内容</a:t>
+              <a:rPr dirty="0" smtClean="0"/>
+              <a:t>研究</a:t>
             </a:r>
+            <a:r>
+              <a:rPr lang="zh-CN" altLang="en-US" dirty="0" smtClean="0"/>
+              <a:t>内容</a:t>
+            </a:r>
+            <a:endParaRPr dirty="0"/>
           </a:p>
         </p:txBody>
       </p:sp>
@@ -21420,7 +19424,7 @@
         </p:nvSpPr>
         <p:spPr>
           <a:xfrm>
-            <a:off x="468312" y="1700212"/>
+            <a:off x="468312" y="1721478"/>
             <a:ext cx="8207376" cy="4032251"/>
           </a:xfrm>
           <a:prstGeom prst="rect">
@@ -21429,7 +19433,7 @@
         </p:spPr>
         <p:txBody>
           <a:bodyPr>
-            <a:normAutofit/>
+            <a:normAutofit fontScale="92500" lnSpcReduction="10000"/>
           </a:bodyPr>
           <a:lstStyle/>
           <a:p>
@@ -21440,10 +19444,11 @@
               <a:defRPr sz="1940"/>
             </a:pPr>
             <a:r>
+              <a:rPr dirty="0"/>
               <a:t>如何精确地挖掘人群属性（性别、年龄、学历等）</a:t>
             </a:r>
             <a:r>
-              <a:rPr>
+              <a:rPr dirty="0">
                 <a:latin typeface="宋体"/>
                 <a:ea typeface="宋体"/>
                 <a:cs typeface="宋体"/>
@@ -21452,6 +19457,7 @@
               <a:t>，</a:t>
             </a:r>
             <a:r>
+              <a:rPr dirty="0"/>
               <a:t>一直是大数据在精准营销中最核心的问题</a:t>
             </a:r>
           </a:p>
@@ -21461,7 +19467,7 @@
               <a:buNone/>
               <a:defRPr sz="1940"/>
             </a:pPr>
-            <a:endParaRPr/>
+            <a:endParaRPr dirty="0"/>
           </a:p>
           <a:p>
             <a:pPr marL="434244" indent="-434244" defTabSz="886968">
@@ -21471,6 +19477,7 @@
               <a:defRPr sz="1940"/>
             </a:pPr>
             <a:r>
+              <a:rPr dirty="0"/>
               <a:t>用户在搜索引擎中输入的查询词与用户的基本属性有些密切联系，例如</a:t>
             </a:r>
           </a:p>
@@ -21482,6 +19489,7 @@
               <a:defRPr sz="1940"/>
             </a:pPr>
             <a:r>
+              <a:rPr dirty="0"/>
               <a:t>男性相比女性在游戏话题上有更多搜索行为</a:t>
             </a:r>
           </a:p>
@@ -21493,6 +19501,7 @@
               <a:defRPr sz="1940"/>
             </a:pPr>
             <a:r>
+              <a:rPr dirty="0"/>
               <a:t>高学历人群会更加倾向于获取社会、经济等主题的信息</a:t>
             </a:r>
           </a:p>
@@ -21504,6 +19513,7 @@
               <a:defRPr sz="1940"/>
             </a:pPr>
             <a:r>
+              <a:rPr dirty="0"/>
               <a:t>年龄在19-23岁的人群较多地搜索校园、社交方面的内容</a:t>
             </a:r>
           </a:p>
@@ -21511,7 +19521,7 @@
             <a:pPr marL="434244" indent="-434244" defTabSz="886968">
               <a:defRPr sz="1940"/>
             </a:pPr>
-            <a:endParaRPr/>
+            <a:endParaRPr dirty="0"/>
           </a:p>
           <a:p>
             <a:pPr marL="434244" indent="-434244" defTabSz="886968">
@@ -21521,227 +19531,48 @@
               <a:defRPr sz="1940"/>
             </a:pPr>
             <a:r>
-              <a:t>因此希望利用用户搜索关键词与用户基本属性的关联性，研究构建出相应算法来对用户属性进行判定。</a:t>
+              <a:rPr lang="zh-CN" altLang="en-US" dirty="0" smtClean="0"/>
+              <a:t>以</a:t>
+            </a:r>
+            <a:r>
+              <a:rPr lang="zh-CN" altLang="en-US" dirty="0"/>
+              <a:t>用户历史一个月的查询关键词与用户人口属性标签（性别、年龄、学历）作为</a:t>
+            </a:r>
+            <a:r>
+              <a:rPr lang="zh-CN" altLang="en-US" sz="1940" dirty="0"/>
+              <a:t>训练数据</a:t>
+            </a:r>
+            <a:r>
+              <a:rPr lang="zh-CN" altLang="en-US" sz="1940" dirty="0" smtClean="0"/>
+              <a:t>集</a:t>
             </a:r>
           </a:p>
-        </p:txBody>
-      </p:sp>
-    </p:spTree>
-  </p:cSld>
-  <p:clrMapOvr>
-    <a:masterClrMapping/>
-  </p:clrMapOvr>
-  <p:transition spd="slow"/>
-  <p:timing>
-    <p:tnLst>
-      <p:par>
-        <p:cTn id="1" dur="indefinite" restart="never" nodeType="tmRoot"/>
-      </p:par>
-    </p:tnLst>
-  </p:timing>
-</p:sld>
-</file>
-
-<file path=ppt/slides/slide4.xml><?xml version="1.0" encoding="utf-8"?>
-<p:sld xmlns:a="http://schemas.openxmlformats.org/drawingml/2006/main" xmlns:r="http://schemas.openxmlformats.org/officeDocument/2006/relationships" xmlns:p="http://schemas.openxmlformats.org/presentationml/2006/main">
-  <p:cSld>
-    <p:spTree>
-      <p:nvGrpSpPr>
-        <p:cNvPr id="1" name=""/>
-        <p:cNvGrpSpPr/>
-        <p:nvPr/>
-      </p:nvGrpSpPr>
-      <p:grpSpPr>
-        <a:xfrm>
-          <a:off x="0" y="0"/>
-          <a:ext cx="0" cy="0"/>
-          <a:chOff x="0" y="0"/>
-          <a:chExt cx="0" cy="0"/>
-        </a:xfrm>
-      </p:grpSpPr>
-      <p:sp>
-        <p:nvSpPr>
-          <p:cNvPr id="62" name="Shape 62"/>
-          <p:cNvSpPr>
-            <a:spLocks noGrp="1"/>
-          </p:cNvSpPr>
-          <p:nvPr>
-            <p:ph type="title" idx="4294967295"/>
-          </p:nvPr>
-        </p:nvSpPr>
-        <p:spPr>
-          <a:xfrm>
-            <a:off x="1042987" y="404812"/>
-            <a:ext cx="5616576" cy="576263"/>
-          </a:xfrm>
-          <a:prstGeom prst="rect">
-            <a:avLst/>
-          </a:prstGeom>
-        </p:spPr>
-        <p:txBody>
-          <a:bodyPr>
-            <a:normAutofit/>
-          </a:bodyPr>
-          <a:lstStyle>
-            <a:lvl1pPr defTabSz="786384">
-              <a:defRPr sz="2752"/>
-            </a:lvl1pPr>
-          </a:lstStyle>
           <a:p>
-            <a:r>
-              <a:t>研究内容</a:t>
-            </a:r>
-          </a:p>
-        </p:txBody>
-      </p:sp>
-      <p:sp>
-        <p:nvSpPr>
-          <p:cNvPr id="63" name="Shape 63"/>
-          <p:cNvSpPr>
-            <a:spLocks noGrp="1"/>
-          </p:cNvSpPr>
-          <p:nvPr>
-            <p:ph type="sldNum" sz="quarter" idx="2"/>
-          </p:nvPr>
-        </p:nvSpPr>
-        <p:spPr>
-          <a:xfrm>
-            <a:off x="8241049" y="6284912"/>
-            <a:ext cx="217151" cy="313393"/>
-          </a:xfrm>
-          <a:prstGeom prst="rect">
-            <a:avLst/>
-          </a:prstGeom>
-          <a:extLst>
-            <a:ext uri="{C572A759-6A51-4108-AA02-DFA0A04FC94B}">
-              <ma14:wrappingTextBoxFlag xmlns:ma14="http://schemas.microsoft.com/office/mac/drawingml/2011/main" val="1"/>
-            </a:ext>
-          </a:extLst>
-        </p:spPr>
-        <p:txBody>
-          <a:bodyPr/>
-          <a:lstStyle/>
-          <a:p>
-            <a:fld id="{86CB4B4D-7CA3-9044-876B-883B54F8677D}" type="slidenum">
-              <a:t>4</a:t>
-            </a:fld>
-            <a:endParaRPr/>
-          </a:p>
-        </p:txBody>
-      </p:sp>
-      <p:sp>
-        <p:nvSpPr>
-          <p:cNvPr id="64" name="Shape 64"/>
-          <p:cNvSpPr/>
-          <p:nvPr/>
-        </p:nvSpPr>
-        <p:spPr>
-          <a:xfrm>
-            <a:off x="611187" y="1700212"/>
-            <a:ext cx="8372476" cy="4103226"/>
-          </a:xfrm>
-          <a:prstGeom prst="rect">
-            <a:avLst/>
-          </a:prstGeom>
-          <a:ln w="12700">
-            <a:miter lim="400000"/>
-          </a:ln>
-          <a:extLst>
-            <a:ext uri="{C572A759-6A51-4108-AA02-DFA0A04FC94B}">
-              <ma14:wrappingTextBoxFlag xmlns:ma14="http://schemas.microsoft.com/office/mac/drawingml/2011/main" val="1"/>
-            </a:ext>
-          </a:extLst>
-        </p:spPr>
-        <p:txBody>
-          <a:bodyPr lIns="45719" rIns="45719">
-            <a:spAutoFit/>
-          </a:bodyPr>
-          <a:lstStyle/>
-          <a:p>
-            <a:pPr>
+            <a:pPr marL="434244" indent="-434244" defTabSz="886968">
               <a:spcBef>
                 <a:spcPts val="400"/>
               </a:spcBef>
-              <a:defRPr sz="2000"/>
+              <a:defRPr sz="1940"/>
             </a:pPr>
-            <a:endParaRPr dirty="0"/>
+            <a:endParaRPr lang="zh-CN" altLang="en-US" sz="1940" dirty="0" smtClean="0"/>
           </a:p>
           <a:p>
-            <a:pPr>
+            <a:pPr marL="434244" indent="-434244" defTabSz="886968">
               <a:spcBef>
                 <a:spcPts val="400"/>
               </a:spcBef>
-              <a:buClr>
-                <a:schemeClr val="accent1"/>
-              </a:buClr>
-              <a:buSzPct val="70000"/>
-              <a:buFont typeface="Wingdings"/>
-              <a:buChar char="■"/>
-              <a:defRPr sz="2000"/>
+              <a:defRPr sz="1940"/>
             </a:pPr>
             <a:r>
-              <a:rPr dirty="0"/>
-              <a:t>  以用户历史一个月的查询关键词与用户人口属性标签（性别、年龄、学历）作为</a:t>
+              <a:rPr lang="zh-CN" altLang="en-US" dirty="0"/>
+              <a:t>利用用户搜索关键词与用户基本属性的关联性</a:t>
             </a:r>
             <a:r>
-              <a:rPr u="sng" dirty="0">
-                <a:solidFill>
-                  <a:srgbClr val="999933"/>
-                </a:solidFill>
-                <a:uFill>
-                  <a:solidFill>
-                    <a:srgbClr val="999933"/>
-                  </a:solidFill>
-                </a:uFill>
-                <a:hlinkClick r:id="" action="ppaction://hlinkshowjump?jump=nextslide"/>
-              </a:rPr>
-              <a:t>训练数据集</a:t>
-            </a:r>
-          </a:p>
-          <a:p>
-            <a:pPr>
-              <a:spcBef>
-                <a:spcPts val="400"/>
-              </a:spcBef>
-              <a:buClr>
-                <a:schemeClr val="accent1"/>
-              </a:buClr>
-              <a:buSzPct val="70000"/>
-              <a:buFont typeface="Wingdings"/>
-              <a:buChar char="■"/>
-              <a:defRPr sz="2000"/>
-            </a:pPr>
-            <a:endParaRPr u="sng" dirty="0">
-              <a:solidFill>
-                <a:srgbClr val="999933"/>
-              </a:solidFill>
-              <a:uFill>
-                <a:solidFill>
-                  <a:srgbClr val="999933"/>
-                </a:solidFill>
-              </a:uFill>
-              <a:hlinkClick r:id="" action="ppaction://hlinkshowjump?jump=nextslide"/>
-            </a:endParaRPr>
-          </a:p>
-          <a:p>
-            <a:pPr>
-              <a:spcBef>
-                <a:spcPts val="400"/>
-              </a:spcBef>
-              <a:buClr>
-                <a:schemeClr val="accent1"/>
-              </a:buClr>
-              <a:buSzPct val="70000"/>
-              <a:buFont typeface="Wingdings"/>
-              <a:buChar char="■"/>
-              <a:defRPr sz="2000"/>
-            </a:pPr>
-            <a:r>
-              <a:rPr dirty="0"/>
-              <a:t>  </a:t>
+              <a:rPr lang="zh-CN" altLang="en-US" dirty="0" smtClean="0"/>
+              <a:t>，</a:t>
             </a:r>
             <a:r>
-              <a:rPr dirty="0">
+              <a:rPr lang="zh-CN" altLang="en-US" dirty="0">
                 <a:latin typeface="长城新魏碑体"/>
                 <a:ea typeface="长城新魏碑体"/>
                 <a:cs typeface="长城新魏碑体"/>
@@ -21750,122 +19581,45 @@
               <a:t>通过机器学习、数据挖掘技术构建分类算法来对新</a:t>
             </a:r>
             <a:r>
-              <a:rPr dirty="0"/>
+              <a:rPr lang="zh-CN" altLang="en-US" dirty="0"/>
               <a:t>增搜索用户的人口属性进行分析预测</a:t>
             </a:r>
           </a:p>
           <a:p>
-            <a:pPr>
+            <a:pPr marL="434244" indent="-434244" defTabSz="886968">
               <a:spcBef>
                 <a:spcPts val="400"/>
               </a:spcBef>
-              <a:buClr>
-                <a:schemeClr val="accent1"/>
-              </a:buClr>
-              <a:buSzPct val="70000"/>
-              <a:buFont typeface="Wingdings"/>
-              <a:buChar char="■"/>
-              <a:defRPr sz="2000"/>
+              <a:defRPr sz="1940"/>
             </a:pPr>
-            <a:endParaRPr dirty="0"/>
+            <a:endParaRPr lang="zh-CN" altLang="en-US" dirty="0" smtClean="0"/>
           </a:p>
           <a:p>
-            <a:pPr>
+            <a:pPr marL="434244" indent="-434244" defTabSz="886968">
               <a:spcBef>
                 <a:spcPts val="400"/>
               </a:spcBef>
-              <a:buClr>
-                <a:schemeClr val="accent1"/>
-              </a:buClr>
-              <a:buSzPct val="70000"/>
-              <a:buFont typeface="Wingdings"/>
-              <a:buChar char="■"/>
-              <a:defRPr sz="2000"/>
+              <a:defRPr sz="1940"/>
             </a:pPr>
-            <a:r>
-              <a:rPr dirty="0"/>
-              <a:t>  </a:t>
-            </a:r>
-            <a:r>
-              <a:rPr dirty="0">
-                <a:latin typeface="长城新魏碑体"/>
-                <a:ea typeface="长城新魏碑体"/>
-                <a:cs typeface="长城新魏碑体"/>
-                <a:sym typeface="长城新魏碑体"/>
-              </a:rPr>
-              <a:t>通过</a:t>
-            </a:r>
-            <a:r>
-              <a:rPr dirty="0"/>
-              <a:t>准确率等数据</a:t>
-            </a:r>
-            <a:r>
-              <a:rPr dirty="0">
-                <a:latin typeface="长城新魏碑体"/>
-                <a:ea typeface="长城新魏碑体"/>
-                <a:cs typeface="长城新魏碑体"/>
-                <a:sym typeface="长城新魏碑体"/>
-              </a:rPr>
-              <a:t>展现</a:t>
-            </a:r>
-            <a:r>
-              <a:rPr dirty="0"/>
-              <a:t>算法研究</a:t>
-            </a:r>
-            <a:r>
-              <a:rPr dirty="0">
-                <a:latin typeface="长城新魏碑体"/>
-                <a:ea typeface="长城新魏碑体"/>
-                <a:cs typeface="长城新魏碑体"/>
-                <a:sym typeface="长城新魏碑体"/>
-              </a:rPr>
-              <a:t>成果，</a:t>
-            </a:r>
-            <a:r>
-              <a:rPr dirty="0"/>
-              <a:t>并</a:t>
-            </a:r>
-            <a:r>
-              <a:rPr dirty="0">
-                <a:latin typeface="长城新魏碑体"/>
-                <a:ea typeface="长城新魏碑体"/>
-                <a:cs typeface="长城新魏碑体"/>
-                <a:sym typeface="长城新魏碑体"/>
-              </a:rPr>
-              <a:t>对比</a:t>
-            </a:r>
-            <a:r>
-              <a:rPr dirty="0"/>
-              <a:t>采用不同算法产生的差异</a:t>
-            </a:r>
+            <a:endParaRPr lang="zh-CN" altLang="en-US" sz="1940" dirty="0" smtClean="0"/>
           </a:p>
           <a:p>
-            <a:pPr>
+            <a:pPr marL="434244" indent="-434244" defTabSz="886968">
               <a:spcBef>
                 <a:spcPts val="400"/>
               </a:spcBef>
-              <a:buClr>
-                <a:schemeClr val="accent1"/>
-              </a:buClr>
-              <a:buSzPct val="70000"/>
-              <a:buFont typeface="Wingdings"/>
-              <a:buChar char="■"/>
-              <a:defRPr sz="2000"/>
+              <a:defRPr sz="1940"/>
             </a:pPr>
-            <a:endParaRPr dirty="0"/>
+            <a:endParaRPr lang="zh-CN" altLang="en-US" sz="1940" dirty="0">
+              <a:hlinkClick r:id="" action="ppaction://hlinkshowjump?jump=nextslide"/>
+            </a:endParaRPr>
           </a:p>
           <a:p>
-            <a:pPr>
+            <a:pPr marL="434244" indent="-434244" defTabSz="886968">
               <a:spcBef>
                 <a:spcPts val="400"/>
               </a:spcBef>
-              <a:buClr>
-                <a:schemeClr val="accent1"/>
-              </a:buClr>
-              <a:buSzPct val="70000"/>
-              <a:buFont typeface="Wingdings"/>
-              <a:buChar char="■"/>
-              <a:defRPr sz="2000"/>
+              <a:defRPr sz="1940"/>
             </a:pPr>
             <a:endParaRPr dirty="0"/>
           </a:p>
@@ -21887,7 +19641,7 @@
 </p:sld>
 </file>
 
-<file path=ppt/slides/slide5.xml><?xml version="1.0" encoding="utf-8"?>
+<file path=ppt/slides/slide4.xml><?xml version="1.0" encoding="utf-8"?>
 <p:sld xmlns:a="http://schemas.openxmlformats.org/drawingml/2006/main" xmlns:r="http://schemas.openxmlformats.org/officeDocument/2006/relationships" xmlns:p="http://schemas.openxmlformats.org/presentationml/2006/main">
   <p:cSld>
     <p:spTree>
@@ -21968,7 +19722,7 @@
           <a:lstStyle/>
           <a:p>
             <a:fld id="{86CB4B4D-7CA3-9044-876B-883B54F8677D}" type="slidenum">
-              <a:t>5</a:t>
+              <a:t>4</a:t>
             </a:fld>
             <a:endParaRPr/>
           </a:p>
@@ -22528,7 +20282,7 @@
 </p:sld>
 </file>
 
-<file path=ppt/slides/slide6.xml><?xml version="1.0" encoding="utf-8"?>
+<file path=ppt/slides/slide5.xml><?xml version="1.0" encoding="utf-8"?>
 <p:sld xmlns:a="http://schemas.openxmlformats.org/drawingml/2006/main" xmlns:r="http://schemas.openxmlformats.org/officeDocument/2006/relationships" xmlns:p="http://schemas.openxmlformats.org/presentationml/2006/main">
   <p:cSld>
     <p:spTree>
@@ -22609,7 +20363,7 @@
           <a:lstStyle/>
           <a:p>
             <a:fld id="{86CB4B4D-7CA3-9044-876B-883B54F8677D}" type="slidenum">
-              <a:t>6</a:t>
+              <a:t>5</a:t>
             </a:fld>
             <a:endParaRPr/>
           </a:p>
@@ -22651,12 +20405,14 @@
           <a:p>
             <a:pPr algn="ctr"/>
             <a:r>
+              <a:rPr dirty="0"/>
               <a:t>文本分词</a:t>
             </a:r>
           </a:p>
           <a:p>
             <a:pPr algn="ctr"/>
             <a:r>
+              <a:rPr dirty="0"/>
               <a:t>预处理</a:t>
             </a:r>
           </a:p>
@@ -22981,8 +20737,8 @@
         </p:nvSpPr>
         <p:spPr>
           <a:xfrm>
-            <a:off x="2567140" y="1915645"/>
-            <a:ext cx="1704341" cy="408941"/>
+            <a:off x="3003075" y="1935449"/>
+            <a:ext cx="1015661" cy="369332"/>
           </a:xfrm>
           <a:prstGeom prst="rect">
             <a:avLst/>
@@ -23007,8 +20763,14 @@
           </a:lstStyle>
           <a:p>
             <a:r>
-              <a:t>特征抽取与转换</a:t>
+              <a:rPr dirty="0" smtClean="0"/>
+              <a:t>特征</a:t>
             </a:r>
+            <a:r>
+              <a:rPr lang="zh-CN" altLang="en-US" dirty="0" smtClean="0"/>
+              <a:t>处理</a:t>
+            </a:r>
+            <a:endParaRPr dirty="0"/>
           </a:p>
         </p:txBody>
       </p:sp>
@@ -23020,7 +20782,7 @@
         </p:nvSpPr>
         <p:spPr>
           <a:xfrm>
-            <a:off x="5388987" y="1915645"/>
+            <a:off x="5405773" y="1924354"/>
             <a:ext cx="1018541" cy="408941"/>
           </a:xfrm>
           <a:prstGeom prst="rect">
@@ -23046,6 +20808,7 @@
           </a:lstStyle>
           <a:p>
             <a:r>
+              <a:rPr dirty="0"/>
               <a:t>分类模型</a:t>
             </a:r>
           </a:p>
@@ -23233,7 +20996,7 @@
 </p:sld>
 </file>
 
-<file path=ppt/slides/slide7.xml><?xml version="1.0" encoding="utf-8"?>
+<file path=ppt/slides/slide6.xml><?xml version="1.0" encoding="utf-8"?>
 <p:sld xmlns:a="http://schemas.openxmlformats.org/drawingml/2006/main" xmlns:r="http://schemas.openxmlformats.org/officeDocument/2006/relationships" xmlns:p="http://schemas.openxmlformats.org/presentationml/2006/main">
   <p:cSld>
     <p:spTree>
@@ -23279,7 +21042,7 @@
           <a:lstStyle/>
           <a:p>
             <a:fld id="{86CB4B4D-7CA3-9044-876B-883B54F8677D}" type="slidenum">
-              <a:t>7</a:t>
+              <a:t>6</a:t>
             </a:fld>
             <a:endParaRPr/>
           </a:p>
@@ -23418,8 +21181,13 @@
             </a:r>
             <a:r>
               <a:rPr dirty="0"/>
-              <a:t>，找出句子中全部可以组成词语的连续字串</a:t>
+              <a:t>，</a:t>
             </a:r>
+            <a:r>
+              <a:rPr dirty="0" smtClean="0"/>
+              <a:t>找出句子中全部可以组成词语的连续字串</a:t>
+            </a:r>
+            <a:endParaRPr lang="zh-CN" altLang="en-US" dirty="0"/>
           </a:p>
           <a:p>
             <a:pPr>
@@ -23826,7 +21594,7 @@
 </p:sld>
 </file>
 
-<file path=ppt/slides/slide8.xml><?xml version="1.0" encoding="utf-8"?>
+<file path=ppt/slides/slide7.xml><?xml version="1.0" encoding="utf-8"?>
 <p:sld xmlns:a="http://schemas.openxmlformats.org/drawingml/2006/main" xmlns:r="http://schemas.openxmlformats.org/officeDocument/2006/relationships" xmlns:p="http://schemas.openxmlformats.org/presentationml/2006/main">
   <p:cSld>
     <p:spTree>
@@ -23872,7 +21640,7 @@
           <a:lstStyle/>
           <a:p>
             <a:fld id="{86CB4B4D-7CA3-9044-876B-883B54F8677D}" type="slidenum">
-              <a:t>8</a:t>
+              <a:t>7</a:t>
             </a:fld>
             <a:endParaRPr/>
           </a:p>
@@ -23909,8 +21677,17 @@
           <a:p>
             <a:r>
               <a:rPr dirty="0"/>
-              <a:t>研究方法·文本预处理</a:t>
+              <a:t>研究</a:t>
             </a:r>
+            <a:r>
+              <a:rPr dirty="0" smtClean="0"/>
+              <a:t>方法·</a:t>
+            </a:r>
+            <a:r>
+              <a:rPr lang="zh-CN" altLang="en-US" dirty="0" smtClean="0"/>
+              <a:t>文本表示</a:t>
+            </a:r>
+            <a:endParaRPr dirty="0"/>
           </a:p>
         </p:txBody>
       </p:sp>
@@ -25564,7 +23341,7 @@
 </p:sld>
 </file>
 
-<file path=ppt/slides/slide9.xml><?xml version="1.0" encoding="utf-8"?>
+<file path=ppt/slides/slide8.xml><?xml version="1.0" encoding="utf-8"?>
 <p:sld xmlns:a="http://schemas.openxmlformats.org/drawingml/2006/main" xmlns:r="http://schemas.openxmlformats.org/officeDocument/2006/relationships" xmlns:p="http://schemas.openxmlformats.org/presentationml/2006/main">
   <p:cSld>
     <p:spTree>
@@ -25610,7 +23387,7 @@
           <a:lstStyle/>
           <a:p>
             <a:fld id="{86CB4B4D-7CA3-9044-876B-883B54F8677D}" type="slidenum">
-              <a:t>9</a:t>
+              <a:t>8</a:t>
             </a:fld>
             <a:endParaRPr/>
           </a:p>
@@ -25647,8 +23424,17 @@
           <a:p>
             <a:r>
               <a:rPr dirty="0"/>
-              <a:t>研究方法·文本预处理</a:t>
+              <a:t>研究</a:t>
             </a:r>
+            <a:r>
+              <a:rPr dirty="0" smtClean="0"/>
+              <a:t>方法·</a:t>
+            </a:r>
+            <a:r>
+              <a:rPr lang="zh-CN" altLang="en-US" dirty="0" smtClean="0"/>
+              <a:t>特征选择</a:t>
+            </a:r>
+            <a:endParaRPr dirty="0"/>
           </a:p>
         </p:txBody>
       </p:sp>
@@ -27743,6 +25529,2025 @@
                 <a:miter lim="400000"/>
               </a:ln>
               <a:effectLst/>
+            </p:spPr>
+            <p:txBody>
+              <a:bodyPr/>
+              <a:lstStyle/>
+              <a:p>
+                <a:r>
+                  <a:rPr lang="zh-CN" altLang="en-US">
+                    <a:noFill/>
+                  </a:rPr>
+                  <a:t> </a:t>
+                </a:r>
+              </a:p>
+            </p:txBody>
+          </p:sp>
+        </mc:Fallback>
+      </mc:AlternateContent>
+    </p:spTree>
+  </p:cSld>
+  <p:clrMapOvr>
+    <a:masterClrMapping/>
+  </p:clrMapOvr>
+  <p:transition spd="slow"/>
+  <p:timing>
+    <p:tnLst>
+      <p:par>
+        <p:cTn id="1" dur="indefinite" restart="never" nodeType="tmRoot"/>
+      </p:par>
+    </p:tnLst>
+  </p:timing>
+</p:sld>
+</file>
+
+<file path=ppt/slides/slide9.xml><?xml version="1.0" encoding="utf-8"?>
+<p:sld xmlns:a="http://schemas.openxmlformats.org/drawingml/2006/main" xmlns:r="http://schemas.openxmlformats.org/officeDocument/2006/relationships" xmlns:p="http://schemas.openxmlformats.org/presentationml/2006/main">
+  <p:cSld>
+    <p:spTree>
+      <p:nvGrpSpPr>
+        <p:cNvPr id="1" name=""/>
+        <p:cNvGrpSpPr/>
+        <p:nvPr/>
+      </p:nvGrpSpPr>
+      <p:grpSpPr>
+        <a:xfrm>
+          <a:off x="0" y="0"/>
+          <a:ext cx="0" cy="0"/>
+          <a:chOff x="0" y="0"/>
+          <a:chExt cx="0" cy="0"/>
+        </a:xfrm>
+      </p:grpSpPr>
+      <p:sp>
+        <p:nvSpPr>
+          <p:cNvPr id="107" name="Shape 107"/>
+          <p:cNvSpPr>
+            <a:spLocks noGrp="1"/>
+          </p:cNvSpPr>
+          <p:nvPr>
+            <p:ph type="sldNum" sz="quarter" idx="2"/>
+          </p:nvPr>
+        </p:nvSpPr>
+        <p:spPr>
+          <a:prstGeom prst="rect">
+            <a:avLst/>
+          </a:prstGeom>
+          <a:extLst>
+            <a:ext uri="{C572A759-6A51-4108-AA02-DFA0A04FC94B}">
+              <ma14:wrappingTextBoxFlag xmlns:ma14="http://schemas.microsoft.com/office/mac/drawingml/2011/main" val="1"/>
+            </a:ext>
+          </a:extLst>
+        </p:spPr>
+        <p:txBody>
+          <a:bodyPr/>
+          <a:lstStyle/>
+          <a:p>
+            <a:fld id="{86CB4B4D-7CA3-9044-876B-883B54F8677D}" type="slidenum">
+              <a:t>9</a:t>
+            </a:fld>
+            <a:endParaRPr/>
+          </a:p>
+        </p:txBody>
+      </p:sp>
+      <p:sp>
+        <p:nvSpPr>
+          <p:cNvPr id="108" name="Shape 108"/>
+          <p:cNvSpPr>
+            <a:spLocks noGrp="1"/>
+          </p:cNvSpPr>
+          <p:nvPr>
+            <p:ph type="title" idx="4294967295"/>
+          </p:nvPr>
+        </p:nvSpPr>
+        <p:spPr>
+          <a:xfrm>
+            <a:off x="1042987" y="404812"/>
+            <a:ext cx="5616576" cy="576263"/>
+          </a:xfrm>
+          <a:prstGeom prst="rect">
+            <a:avLst/>
+          </a:prstGeom>
+        </p:spPr>
+        <p:txBody>
+          <a:bodyPr>
+            <a:normAutofit/>
+          </a:bodyPr>
+          <a:lstStyle>
+            <a:lvl1pPr defTabSz="786384">
+              <a:defRPr sz="2752"/>
+            </a:lvl1pPr>
+          </a:lstStyle>
+          <a:p>
+            <a:r>
+              <a:t>研究方法·分类模型</a:t>
+            </a:r>
+          </a:p>
+        </p:txBody>
+      </p:sp>
+      <mc:AlternateContent xmlns:mc="http://schemas.openxmlformats.org/markup-compatibility/2006" xmlns:a14="http://schemas.microsoft.com/office/drawing/2010/main">
+        <mc:Choice Requires="a14">
+          <p:sp>
+            <p:nvSpPr>
+              <p:cNvPr id="109" name="Shape 109"/>
+              <p:cNvSpPr/>
+              <p:nvPr/>
+            </p:nvSpPr>
+            <p:spPr>
+              <a:xfrm>
+                <a:off x="536574" y="1553900"/>
+                <a:ext cx="7921626" cy="3096169"/>
+              </a:xfrm>
+              <a:prstGeom prst="rect">
+                <a:avLst/>
+              </a:prstGeom>
+              <a:ln w="12700">
+                <a:miter lim="400000"/>
+              </a:ln>
+              <a:extLst>
+                <a:ext uri="{C572A759-6A51-4108-AA02-DFA0A04FC94B}">
+                  <ma14:wrappingTextBoxFlag xmlns:ma14="http://schemas.microsoft.com/office/mac/drawingml/2011/main" val="1"/>
+                </a:ext>
+              </a:extLst>
+            </p:spPr>
+            <p:txBody>
+              <a:bodyPr lIns="45719" rIns="45719">
+                <a:spAutoFit/>
+              </a:bodyPr>
+              <a:lstStyle/>
+              <a:p>
+                <a:pPr marL="342900" indent="-342900">
+                  <a:spcBef>
+                    <a:spcPts val="400"/>
+                  </a:spcBef>
+                  <a:buClr>
+                    <a:schemeClr val="accent1"/>
+                  </a:buClr>
+                  <a:buSzPct val="70000"/>
+                  <a:buFont typeface="Wingdings" charset="2"/>
+                  <a:buChar char="n"/>
+                  <a:defRPr sz="2000"/>
+                </a:pPr>
+                <a:r>
+                  <a:rPr dirty="0"/>
+                  <a:t> </a:t>
+                </a:r>
+                <a:r>
+                  <a:rPr dirty="0" smtClean="0"/>
+                  <a:t>朴素贝叶斯</a:t>
+                </a:r>
+                <a:endParaRPr dirty="0"/>
+              </a:p>
+              <a:p>
+                <a:pPr marL="800100" lvl="1" indent="-342900">
+                  <a:spcBef>
+                    <a:spcPts val="400"/>
+                  </a:spcBef>
+                  <a:buClr>
+                    <a:schemeClr val="accent1"/>
+                  </a:buClr>
+                  <a:buSzPct val="70000"/>
+                  <a:buFont typeface="Wingdings" charset="2"/>
+                  <a:buChar char="n"/>
+                  <a:defRPr sz="2000"/>
+                </a:pPr>
+                <a:r>
+                  <a:rPr lang="zh-CN" altLang="en-US" dirty="0" smtClean="0"/>
+                  <a:t>贝叶斯定理：</a:t>
+                </a:r>
+                <a:r>
+                  <a:rPr lang="en-US" altLang="zh-CN" sz="2000" dirty="0"/>
+                  <a:t> </a:t>
+                </a:r>
+                <a14:m>
+                  <m:oMath xmlns:m="http://schemas.openxmlformats.org/officeDocument/2006/math">
+                    <m:r>
+                      <m:rPr>
+                        <m:sty m:val="p"/>
+                      </m:rPr>
+                      <a:rPr lang="en-US" altLang="zh-CN" sz="2000">
+                        <a:latin typeface="Cambria Math" charset="0"/>
+                      </a:rPr>
+                      <m:t>P</m:t>
+                    </m:r>
+                    <m:d>
+                      <m:dPr>
+                        <m:ctrlPr>
+                          <a:rPr lang="zh-CN" altLang="zh-CN" sz="2000" i="1">
+                            <a:latin typeface="Cambria Math" charset="0"/>
+                          </a:rPr>
+                        </m:ctrlPr>
+                      </m:dPr>
+                      <m:e>
+                        <m:r>
+                          <m:rPr>
+                            <m:sty m:val="p"/>
+                          </m:rPr>
+                          <a:rPr lang="en-US" altLang="zh-CN" sz="2000">
+                            <a:latin typeface="Cambria Math" charset="0"/>
+                          </a:rPr>
+                          <m:t>B</m:t>
+                        </m:r>
+                      </m:e>
+                      <m:e>
+                        <m:r>
+                          <m:rPr>
+                            <m:sty m:val="p"/>
+                          </m:rPr>
+                          <a:rPr lang="en-US" altLang="zh-CN" sz="2000">
+                            <a:latin typeface="Cambria Math" charset="0"/>
+                          </a:rPr>
+                          <m:t>A</m:t>
+                        </m:r>
+                      </m:e>
+                    </m:d>
+                    <m:r>
+                      <a:rPr lang="en-US" altLang="zh-CN" sz="2000">
+                        <a:latin typeface="Cambria Math" charset="0"/>
+                      </a:rPr>
+                      <m:t>=</m:t>
+                    </m:r>
+                    <m:f>
+                      <m:fPr>
+                        <m:ctrlPr>
+                          <a:rPr lang="zh-CN" altLang="zh-CN" sz="2000" i="1">
+                            <a:latin typeface="Cambria Math" charset="0"/>
+                          </a:rPr>
+                        </m:ctrlPr>
+                      </m:fPr>
+                      <m:num>
+                        <m:r>
+                          <m:rPr>
+                            <m:sty m:val="p"/>
+                          </m:rPr>
+                          <a:rPr lang="en-US" altLang="zh-CN" sz="2000">
+                            <a:latin typeface="Cambria Math" charset="0"/>
+                          </a:rPr>
+                          <m:t>P</m:t>
+                        </m:r>
+                        <m:r>
+                          <a:rPr lang="en-US" altLang="zh-CN" sz="2000">
+                            <a:latin typeface="Cambria Math" charset="0"/>
+                          </a:rPr>
+                          <m:t>(</m:t>
+                        </m:r>
+                        <m:r>
+                          <m:rPr>
+                            <m:sty m:val="p"/>
+                          </m:rPr>
+                          <a:rPr lang="en-US" altLang="zh-CN" sz="2000">
+                            <a:latin typeface="Cambria Math" charset="0"/>
+                          </a:rPr>
+                          <m:t>A</m:t>
+                        </m:r>
+                        <m:r>
+                          <a:rPr lang="en-US" altLang="zh-CN" sz="2000">
+                            <a:latin typeface="Cambria Math" charset="0"/>
+                          </a:rPr>
+                          <m:t>|</m:t>
+                        </m:r>
+                        <m:r>
+                          <m:rPr>
+                            <m:sty m:val="p"/>
+                          </m:rPr>
+                          <a:rPr lang="en-US" altLang="zh-CN" sz="2000">
+                            <a:latin typeface="Cambria Math" charset="0"/>
+                          </a:rPr>
+                          <m:t>B</m:t>
+                        </m:r>
+                        <m:r>
+                          <a:rPr lang="en-US" altLang="zh-CN" sz="2000">
+                            <a:latin typeface="Cambria Math" charset="0"/>
+                          </a:rPr>
+                          <m:t>)</m:t>
+                        </m:r>
+                        <m:r>
+                          <m:rPr>
+                            <m:sty m:val="p"/>
+                          </m:rPr>
+                          <a:rPr lang="en-US" altLang="zh-CN" sz="2000">
+                            <a:latin typeface="Cambria Math" charset="0"/>
+                          </a:rPr>
+                          <m:t>P</m:t>
+                        </m:r>
+                        <m:r>
+                          <a:rPr lang="en-US" altLang="zh-CN" sz="2000">
+                            <a:latin typeface="Cambria Math" charset="0"/>
+                          </a:rPr>
+                          <m:t>(</m:t>
+                        </m:r>
+                        <m:r>
+                          <m:rPr>
+                            <m:sty m:val="p"/>
+                          </m:rPr>
+                          <a:rPr lang="en-US" altLang="zh-CN" sz="2000">
+                            <a:latin typeface="Cambria Math" charset="0"/>
+                          </a:rPr>
+                          <m:t>B</m:t>
+                        </m:r>
+                        <m:r>
+                          <a:rPr lang="en-US" altLang="zh-CN" sz="2000">
+                            <a:latin typeface="Cambria Math" charset="0"/>
+                          </a:rPr>
+                          <m:t>)</m:t>
+                        </m:r>
+                      </m:num>
+                      <m:den>
+                        <m:r>
+                          <m:rPr>
+                            <m:sty m:val="p"/>
+                          </m:rPr>
+                          <a:rPr lang="en-US" altLang="zh-CN" sz="2000">
+                            <a:latin typeface="Cambria Math" charset="0"/>
+                          </a:rPr>
+                          <m:t>P</m:t>
+                        </m:r>
+                        <m:r>
+                          <a:rPr lang="en-US" altLang="zh-CN" sz="2000">
+                            <a:latin typeface="Cambria Math" charset="0"/>
+                          </a:rPr>
+                          <m:t>(</m:t>
+                        </m:r>
+                        <m:r>
+                          <m:rPr>
+                            <m:sty m:val="p"/>
+                          </m:rPr>
+                          <a:rPr lang="en-US" altLang="zh-CN" sz="2000">
+                            <a:latin typeface="Cambria Math" charset="0"/>
+                          </a:rPr>
+                          <m:t>A</m:t>
+                        </m:r>
+                        <m:r>
+                          <a:rPr lang="en-US" altLang="zh-CN" sz="2000">
+                            <a:latin typeface="Cambria Math" charset="0"/>
+                          </a:rPr>
+                          <m:t>)</m:t>
+                        </m:r>
+                      </m:den>
+                    </m:f>
+                  </m:oMath>
+                </a14:m>
+                <a:r>
+                  <a:rPr lang="zh-CN" altLang="zh-CN" dirty="0"/>
+                  <a:t> </a:t>
+                </a:r>
+                <a:endParaRPr lang="zh-CN" altLang="en-US" dirty="0" smtClean="0"/>
+              </a:p>
+              <a:p>
+                <a:pPr marL="800100" lvl="1" indent="-342900">
+                  <a:spcBef>
+                    <a:spcPts val="400"/>
+                  </a:spcBef>
+                  <a:buClr>
+                    <a:schemeClr val="accent1"/>
+                  </a:buClr>
+                  <a:buSzPct val="70000"/>
+                  <a:buFont typeface="Wingdings" charset="2"/>
+                  <a:buChar char="n"/>
+                  <a:defRPr sz="2000"/>
+                </a:pPr>
+                <a:r>
+                  <a:rPr lang="zh-CN" altLang="en-US" dirty="0" smtClean="0"/>
+                  <a:t>基本分类步骤</a:t>
+                </a:r>
+              </a:p>
+              <a:p>
+                <a:pPr marL="800100" lvl="1" indent="-342900">
+                  <a:spcBef>
+                    <a:spcPts val="400"/>
+                  </a:spcBef>
+                  <a:buClr>
+                    <a:schemeClr val="accent1"/>
+                  </a:buClr>
+                  <a:buSzPct val="70000"/>
+                  <a:buFont typeface="Wingdings" charset="2"/>
+                  <a:buChar char="n"/>
+                  <a:defRPr sz="2000"/>
+                </a:pPr>
+                <a:endParaRPr lang="zh-CN" altLang="en-US" dirty="0"/>
+              </a:p>
+              <a:p>
+                <a:pPr marL="800100" lvl="1" indent="-342900">
+                  <a:spcBef>
+                    <a:spcPts val="400"/>
+                  </a:spcBef>
+                  <a:buClr>
+                    <a:schemeClr val="accent1"/>
+                  </a:buClr>
+                  <a:buSzPct val="70000"/>
+                  <a:buFont typeface="Wingdings" charset="2"/>
+                  <a:buChar char="n"/>
+                  <a:defRPr sz="2000"/>
+                </a:pPr>
+                <a:endParaRPr lang="zh-CN" altLang="en-US" dirty="0" smtClean="0"/>
+              </a:p>
+              <a:p>
+                <a:pPr marL="800100" lvl="1" indent="-342900">
+                  <a:spcBef>
+                    <a:spcPts val="400"/>
+                  </a:spcBef>
+                  <a:buClr>
+                    <a:schemeClr val="accent1"/>
+                  </a:buClr>
+                  <a:buSzPct val="70000"/>
+                  <a:buFont typeface="Wingdings" charset="2"/>
+                  <a:buChar char="n"/>
+                  <a:defRPr sz="2000"/>
+                </a:pPr>
+                <a:endParaRPr lang="zh-CN" altLang="en-US" dirty="0"/>
+              </a:p>
+              <a:p>
+                <a:pPr marL="800100" lvl="1" indent="-342900">
+                  <a:spcBef>
+                    <a:spcPts val="400"/>
+                  </a:spcBef>
+                  <a:buClr>
+                    <a:schemeClr val="accent1"/>
+                  </a:buClr>
+                  <a:buSzPct val="70000"/>
+                  <a:buFont typeface="Wingdings" charset="2"/>
+                  <a:buChar char="n"/>
+                  <a:defRPr sz="2000"/>
+                </a:pPr>
+                <a:endParaRPr lang="zh-CN" altLang="en-US" dirty="0" smtClean="0"/>
+              </a:p>
+              <a:p>
+                <a:pPr marL="457200" lvl="1" indent="0">
+                  <a:spcBef>
+                    <a:spcPts val="400"/>
+                  </a:spcBef>
+                  <a:buClr>
+                    <a:schemeClr val="accent1"/>
+                  </a:buClr>
+                  <a:buSzPct val="70000"/>
+                  <a:defRPr sz="2000"/>
+                </a:pPr>
+                <a:r>
+                  <a:rPr lang="zh-CN" altLang="en-US" dirty="0" smtClean="0"/>
+                  <a:t>	</a:t>
+                </a:r>
+              </a:p>
+            </p:txBody>
+          </p:sp>
+        </mc:Choice>
+        <mc:Fallback xmlns="">
+          <p:sp>
+            <p:nvSpPr>
+              <p:cNvPr id="109" name="Shape 109"/>
+              <p:cNvSpPr>
+                <a:spLocks noRot="1" noChangeAspect="1" noMove="1" noResize="1" noEditPoints="1" noAdjustHandles="1" noChangeArrowheads="1" noChangeShapeType="1" noTextEdit="1"/>
+              </p:cNvSpPr>
+              <p:nvPr/>
+            </p:nvSpPr>
+            <p:spPr>
+              <a:xfrm>
+                <a:off x="536574" y="1553900"/>
+                <a:ext cx="7921626" cy="3096169"/>
+              </a:xfrm>
+              <a:prstGeom prst="rect">
+                <a:avLst/>
+              </a:prstGeom>
+              <a:blipFill rotWithShape="0">
+                <a:blip r:embed="rId2"/>
+                <a:stretch>
+                  <a:fillRect l="-692" t="-1575" b="-2756"/>
+                </a:stretch>
+              </a:blipFill>
+              <a:ln w="12700">
+                <a:miter lim="400000"/>
+              </a:ln>
+              <a:extLst>
+                <a:ext uri="{C572A759-6A51-4108-AA02-DFA0A04FC94B}">
+                  <ma14:wrappingTextBoxFlag xmlns:ma14="http://schemas.microsoft.com/office/mac/drawingml/2011/main" val="1"/>
+                </a:ext>
+              </a:extLst>
+            </p:spPr>
+            <p:txBody>
+              <a:bodyPr/>
+              <a:lstStyle/>
+              <a:p>
+                <a:r>
+                  <a:rPr lang="zh-CN" altLang="en-US">
+                    <a:noFill/>
+                  </a:rPr>
+                  <a:t> </a:t>
+                </a:r>
+              </a:p>
+            </p:txBody>
+          </p:sp>
+        </mc:Fallback>
+      </mc:AlternateContent>
+      <mc:AlternateContent xmlns:mc="http://schemas.openxmlformats.org/markup-compatibility/2006" xmlns:a14="http://schemas.microsoft.com/office/drawing/2010/main">
+        <mc:Choice Requires="a14">
+          <p:sp>
+            <p:nvSpPr>
+              <p:cNvPr id="110" name="Shape 110"/>
+              <p:cNvSpPr/>
+              <p:nvPr/>
+            </p:nvSpPr>
+            <p:spPr>
+              <a:xfrm>
+                <a:off x="1042987" y="2933761"/>
+                <a:ext cx="6955060" cy="2911759"/>
+              </a:xfrm>
+              <a:prstGeom prst="rect">
+                <a:avLst/>
+              </a:prstGeom>
+              <a:ln w="3175">
+                <a:solidFill>
+                  <a:srgbClr val="000000"/>
+                </a:solidFill>
+                <a:miter lim="400000"/>
+              </a:ln>
+              <a:extLst>
+                <a:ext uri="{C572A759-6A51-4108-AA02-DFA0A04FC94B}">
+                  <ma14:wrappingTextBoxFlag xmlns:ma14="http://schemas.microsoft.com/office/mac/drawingml/2011/main" val="1"/>
+                </a:ext>
+              </a:extLst>
+            </p:spPr>
+            <p:txBody>
+              <a:bodyPr lIns="45719" rIns="45719" anchor="ctr">
+                <a:spAutoFit/>
+              </a:bodyPr>
+              <a:lstStyle/>
+              <a:p>
+                <a:pPr marL="342900" indent="-342900">
+                  <a:buSzPct val="100000"/>
+                  <a:buFont typeface="+mj-lt"/>
+                  <a:buAutoNum type="arabicPeriod"/>
+                  <a:defRPr sz="1500"/>
+                </a:pPr>
+                <a:r>
+                  <a:rPr dirty="0"/>
+                  <a:t> </a:t>
+                </a:r>
+                <a:r>
+                  <a:rPr sz="1600" dirty="0"/>
+                  <a:t>得到某个待分类测试文本的特征向量</a:t>
+                </a:r>
+                <a14:m>
+                  <m:oMath xmlns:m="http://schemas.openxmlformats.org/officeDocument/2006/math">
+                    <m:r>
+                      <m:rPr>
+                        <m:sty m:val="p"/>
+                      </m:rPr>
+                      <a:rPr lang="zh-TW" altLang="zh-CN" sz="1600">
+                        <a:latin typeface="Cambria Math" charset="0"/>
+                      </a:rPr>
+                      <m:t>x</m:t>
+                    </m:r>
+                    <m:r>
+                      <a:rPr lang="zh-TW" altLang="zh-CN" sz="1600">
+                        <a:latin typeface="Cambria Math" charset="0"/>
+                      </a:rPr>
+                      <m:t>=(</m:t>
+                    </m:r>
+                    <m:sSub>
+                      <m:sSubPr>
+                        <m:ctrlPr>
+                          <a:rPr lang="zh-CN" altLang="zh-CN" sz="1600" i="1">
+                            <a:latin typeface="Cambria Math" charset="0"/>
+                          </a:rPr>
+                        </m:ctrlPr>
+                      </m:sSubPr>
+                      <m:e>
+                        <m:r>
+                          <m:rPr>
+                            <m:sty m:val="p"/>
+                          </m:rPr>
+                          <a:rPr lang="zh-TW" altLang="zh-CN" sz="1600">
+                            <a:latin typeface="Cambria Math" charset="0"/>
+                          </a:rPr>
+                          <m:t>w</m:t>
+                        </m:r>
+                      </m:e>
+                      <m:sub>
+                        <m:r>
+                          <a:rPr lang="zh-TW" altLang="zh-CN" sz="1600">
+                            <a:latin typeface="Cambria Math" charset="0"/>
+                          </a:rPr>
+                          <m:t>1</m:t>
+                        </m:r>
+                      </m:sub>
+                    </m:sSub>
+                    <m:r>
+                      <a:rPr lang="zh-CN" altLang="zh-CN" sz="1600">
+                        <a:latin typeface="Cambria Math" charset="0"/>
+                      </a:rPr>
+                      <m:t>，</m:t>
+                    </m:r>
+                    <m:sSub>
+                      <m:sSubPr>
+                        <m:ctrlPr>
+                          <a:rPr lang="zh-CN" altLang="zh-CN" sz="1600" i="1">
+                            <a:latin typeface="Cambria Math" charset="0"/>
+                          </a:rPr>
+                        </m:ctrlPr>
+                      </m:sSubPr>
+                      <m:e>
+                        <m:r>
+                          <m:rPr>
+                            <m:sty m:val="p"/>
+                          </m:rPr>
+                          <a:rPr lang="zh-TW" altLang="zh-CN" sz="1600">
+                            <a:latin typeface="Cambria Math" charset="0"/>
+                          </a:rPr>
+                          <m:t>w</m:t>
+                        </m:r>
+                      </m:e>
+                      <m:sub>
+                        <m:r>
+                          <a:rPr lang="zh-TW" altLang="zh-CN" sz="1600">
+                            <a:latin typeface="Cambria Math" charset="0"/>
+                          </a:rPr>
+                          <m:t>2</m:t>
+                        </m:r>
+                      </m:sub>
+                    </m:sSub>
+                    <m:r>
+                      <a:rPr lang="zh-CN" altLang="zh-CN" sz="1600">
+                        <a:latin typeface="Cambria Math" charset="0"/>
+                      </a:rPr>
+                      <m:t>，</m:t>
+                    </m:r>
+                    <m:r>
+                      <a:rPr lang="en-US" altLang="zh-CN" sz="1600">
+                        <a:latin typeface="Cambria Math" charset="0"/>
+                      </a:rPr>
+                      <m:t>…</m:t>
+                    </m:r>
+                    <m:sSub>
+                      <m:sSubPr>
+                        <m:ctrlPr>
+                          <a:rPr lang="zh-CN" altLang="zh-CN" sz="1600" i="1">
+                            <a:latin typeface="Cambria Math" charset="0"/>
+                          </a:rPr>
+                        </m:ctrlPr>
+                      </m:sSubPr>
+                      <m:e>
+                        <m:r>
+                          <m:rPr>
+                            <m:sty m:val="p"/>
+                          </m:rPr>
+                          <a:rPr lang="en-US" altLang="zh-CN" sz="1600">
+                            <a:latin typeface="Cambria Math" charset="0"/>
+                          </a:rPr>
+                          <m:t>w</m:t>
+                        </m:r>
+                      </m:e>
+                      <m:sub>
+                        <m:r>
+                          <m:rPr>
+                            <m:sty m:val="p"/>
+                          </m:rPr>
+                          <a:rPr lang="en-US" altLang="zh-CN" sz="1600">
+                            <a:latin typeface="Cambria Math" charset="0"/>
+                          </a:rPr>
+                          <m:t>n</m:t>
+                        </m:r>
+                      </m:sub>
+                    </m:sSub>
+                    <m:r>
+                      <a:rPr lang="en-US" altLang="zh-CN" sz="1600">
+                        <a:latin typeface="Cambria Math" charset="0"/>
+                      </a:rPr>
+                      <m:t>)</m:t>
+                    </m:r>
+                  </m:oMath>
+                </a14:m>
+                <a:r>
+                  <a:rPr lang="zh-CN" altLang="zh-CN" sz="1600" dirty="0"/>
+                  <a:t> </a:t>
+                </a:r>
+                <a:r>
+                  <a:rPr lang="zh-CN" altLang="en-US" dirty="0"/>
+                  <a:t>。</a:t>
+                </a:r>
+                <a:endParaRPr dirty="0"/>
+              </a:p>
+              <a:p>
+                <a:pPr marL="342900" indent="-342900">
+                  <a:buSzPct val="100000"/>
+                  <a:buFont typeface="+mj-lt"/>
+                  <a:buAutoNum type="arabicPeriod"/>
+                  <a:defRPr sz="1500"/>
+                </a:pPr>
+                <a:r>
+                  <a:rPr sz="1600" dirty="0"/>
+                  <a:t> 类别集合</a:t>
+                </a:r>
+                <a14:m>
+                  <m:oMath xmlns:m="http://schemas.openxmlformats.org/officeDocument/2006/math">
+                    <m:r>
+                      <m:rPr>
+                        <m:sty m:val="p"/>
+                      </m:rPr>
+                      <a:rPr lang="zh-TW" altLang="zh-CN" sz="1600">
+                        <a:latin typeface="Cambria Math" charset="0"/>
+                      </a:rPr>
+                      <m:t>C</m:t>
+                    </m:r>
+                    <m:r>
+                      <a:rPr lang="zh-TW" altLang="zh-CN" sz="1600">
+                        <a:latin typeface="Cambria Math" charset="0"/>
+                      </a:rPr>
+                      <m:t>=(</m:t>
+                    </m:r>
+                    <m:sSub>
+                      <m:sSubPr>
+                        <m:ctrlPr>
+                          <a:rPr lang="zh-CN" altLang="zh-CN" sz="1600" i="1">
+                            <a:latin typeface="Cambria Math" charset="0"/>
+                          </a:rPr>
+                        </m:ctrlPr>
+                      </m:sSubPr>
+                      <m:e>
+                        <m:r>
+                          <m:rPr>
+                            <m:sty m:val="p"/>
+                          </m:rPr>
+                          <a:rPr lang="zh-TW" altLang="zh-CN" sz="1600">
+                            <a:latin typeface="Cambria Math" charset="0"/>
+                          </a:rPr>
+                          <m:t>y</m:t>
+                        </m:r>
+                      </m:e>
+                      <m:sub>
+                        <m:r>
+                          <a:rPr lang="zh-TW" altLang="zh-CN" sz="1600">
+                            <a:latin typeface="Cambria Math" charset="0"/>
+                          </a:rPr>
+                          <m:t>1</m:t>
+                        </m:r>
+                      </m:sub>
+                    </m:sSub>
+                    <m:r>
+                      <a:rPr lang="zh-CN" altLang="zh-CN" sz="1600">
+                        <a:latin typeface="Cambria Math" charset="0"/>
+                      </a:rPr>
+                      <m:t>，</m:t>
+                    </m:r>
+                    <m:sSub>
+                      <m:sSubPr>
+                        <m:ctrlPr>
+                          <a:rPr lang="zh-CN" altLang="zh-CN" sz="1600" i="1">
+                            <a:latin typeface="Cambria Math" charset="0"/>
+                          </a:rPr>
+                        </m:ctrlPr>
+                      </m:sSubPr>
+                      <m:e>
+                        <m:r>
+                          <m:rPr>
+                            <m:sty m:val="p"/>
+                          </m:rPr>
+                          <a:rPr lang="zh-TW" altLang="zh-CN" sz="1600">
+                            <a:latin typeface="Cambria Math" charset="0"/>
+                          </a:rPr>
+                          <m:t>y</m:t>
+                        </m:r>
+                      </m:e>
+                      <m:sub>
+                        <m:r>
+                          <a:rPr lang="zh-TW" altLang="zh-CN" sz="1600">
+                            <a:latin typeface="Cambria Math" charset="0"/>
+                          </a:rPr>
+                          <m:t>2</m:t>
+                        </m:r>
+                      </m:sub>
+                    </m:sSub>
+                    <m:r>
+                      <a:rPr lang="zh-CN" altLang="zh-CN" sz="1600">
+                        <a:latin typeface="Cambria Math" charset="0"/>
+                      </a:rPr>
+                      <m:t>，</m:t>
+                    </m:r>
+                    <m:r>
+                      <a:rPr lang="en-US" altLang="zh-CN" sz="1600">
+                        <a:latin typeface="Cambria Math" charset="0"/>
+                      </a:rPr>
+                      <m:t>…</m:t>
+                    </m:r>
+                    <m:sSub>
+                      <m:sSubPr>
+                        <m:ctrlPr>
+                          <a:rPr lang="zh-CN" altLang="zh-CN" sz="1600" i="1">
+                            <a:latin typeface="Cambria Math" charset="0"/>
+                          </a:rPr>
+                        </m:ctrlPr>
+                      </m:sSubPr>
+                      <m:e>
+                        <m:r>
+                          <m:rPr>
+                            <m:sty m:val="p"/>
+                          </m:rPr>
+                          <a:rPr lang="en-US" altLang="zh-CN" sz="1600">
+                            <a:latin typeface="Cambria Math" charset="0"/>
+                          </a:rPr>
+                          <m:t>y</m:t>
+                        </m:r>
+                      </m:e>
+                      <m:sub>
+                        <m:r>
+                          <m:rPr>
+                            <m:sty m:val="p"/>
+                          </m:rPr>
+                          <a:rPr lang="en-US" altLang="zh-CN" sz="1600">
+                            <a:latin typeface="Cambria Math" charset="0"/>
+                          </a:rPr>
+                          <m:t>n</m:t>
+                        </m:r>
+                      </m:sub>
+                    </m:sSub>
+                    <m:r>
+                      <a:rPr lang="en-US" altLang="zh-CN" sz="1600">
+                        <a:latin typeface="Cambria Math" charset="0"/>
+                      </a:rPr>
+                      <m:t>)</m:t>
+                    </m:r>
+                  </m:oMath>
+                </a14:m>
+                <a:r>
+                  <a:rPr lang="zh-CN" altLang="zh-CN" sz="1600" dirty="0"/>
+                  <a:t> </a:t>
+                </a:r>
+                <a:r>
+                  <a:rPr lang="zh-CN" altLang="en-US" sz="1200" dirty="0"/>
+                  <a:t>。</a:t>
+                </a:r>
+                <a:endParaRPr sz="1200" dirty="0"/>
+              </a:p>
+              <a:p>
+                <a:pPr marL="342900" indent="-342900">
+                  <a:buSzPct val="100000"/>
+                  <a:buFont typeface="+mj-lt"/>
+                  <a:buAutoNum type="arabicPeriod"/>
+                  <a:defRPr sz="1500"/>
+                </a:pPr>
+                <a:r>
+                  <a:rPr sz="1600" dirty="0"/>
+                  <a:t> 计算</a:t>
+                </a:r>
+                <a14:m>
+                  <m:oMath xmlns:m="http://schemas.openxmlformats.org/officeDocument/2006/math">
+                    <m:r>
+                      <m:rPr>
+                        <m:sty m:val="p"/>
+                      </m:rPr>
+                      <a:rPr lang="en-US" altLang="zh-CN" sz="1600">
+                        <a:latin typeface="Cambria Math" charset="0"/>
+                      </a:rPr>
+                      <m:t>P</m:t>
+                    </m:r>
+                    <m:d>
+                      <m:dPr>
+                        <m:ctrlPr>
+                          <a:rPr lang="zh-CN" altLang="zh-CN" sz="1600" i="1">
+                            <a:latin typeface="Cambria Math" charset="0"/>
+                          </a:rPr>
+                        </m:ctrlPr>
+                      </m:dPr>
+                      <m:e>
+                        <m:sSub>
+                          <m:sSubPr>
+                            <m:ctrlPr>
+                              <a:rPr lang="zh-CN" altLang="zh-CN" sz="1600" i="1">
+                                <a:latin typeface="Cambria Math" charset="0"/>
+                              </a:rPr>
+                            </m:ctrlPr>
+                          </m:sSubPr>
+                          <m:e>
+                            <m:r>
+                              <m:rPr>
+                                <m:sty m:val="p"/>
+                              </m:rPr>
+                              <a:rPr lang="en-US" altLang="zh-CN" sz="1600">
+                                <a:latin typeface="Cambria Math" charset="0"/>
+                              </a:rPr>
+                              <m:t>y</m:t>
+                            </m:r>
+                          </m:e>
+                          <m:sub>
+                            <m:r>
+                              <a:rPr lang="en-US" altLang="zh-CN" sz="1600">
+                                <a:latin typeface="Cambria Math" charset="0"/>
+                              </a:rPr>
+                              <m:t>1</m:t>
+                            </m:r>
+                          </m:sub>
+                        </m:sSub>
+                        <m:r>
+                          <a:rPr lang="en-US" altLang="zh-CN" sz="1600">
+                            <a:latin typeface="Cambria Math" charset="0"/>
+                          </a:rPr>
+                          <m:t>|</m:t>
+                        </m:r>
+                        <m:r>
+                          <m:rPr>
+                            <m:sty m:val="p"/>
+                          </m:rPr>
+                          <a:rPr lang="en-US" altLang="zh-CN" sz="1600">
+                            <a:latin typeface="Cambria Math" charset="0"/>
+                          </a:rPr>
+                          <m:t>x</m:t>
+                        </m:r>
+                      </m:e>
+                    </m:d>
+                  </m:oMath>
+                </a14:m>
+                <a:r>
+                  <a:rPr lang="zh-CN" altLang="zh-CN" sz="1600" dirty="0"/>
+                  <a:t>, </a:t>
+                </a:r>
+                <a14:m>
+                  <m:oMath xmlns:m="http://schemas.openxmlformats.org/officeDocument/2006/math">
+                    <m:r>
+                      <m:rPr>
+                        <m:sty m:val="p"/>
+                      </m:rPr>
+                      <a:rPr lang="en-US" altLang="zh-CN" sz="1600">
+                        <a:latin typeface="Cambria Math" charset="0"/>
+                      </a:rPr>
+                      <m:t>P</m:t>
+                    </m:r>
+                    <m:d>
+                      <m:dPr>
+                        <m:ctrlPr>
+                          <a:rPr lang="zh-CN" altLang="zh-CN" sz="1600" i="1">
+                            <a:latin typeface="Cambria Math" charset="0"/>
+                          </a:rPr>
+                        </m:ctrlPr>
+                      </m:dPr>
+                      <m:e>
+                        <m:sSub>
+                          <m:sSubPr>
+                            <m:ctrlPr>
+                              <a:rPr lang="zh-CN" altLang="zh-CN" sz="1600" i="1">
+                                <a:latin typeface="Cambria Math" charset="0"/>
+                              </a:rPr>
+                            </m:ctrlPr>
+                          </m:sSubPr>
+                          <m:e>
+                            <m:r>
+                              <m:rPr>
+                                <m:sty m:val="p"/>
+                              </m:rPr>
+                              <a:rPr lang="en-US" altLang="zh-CN" sz="1600">
+                                <a:latin typeface="Cambria Math" charset="0"/>
+                              </a:rPr>
+                              <m:t>y</m:t>
+                            </m:r>
+                          </m:e>
+                          <m:sub>
+                            <m:r>
+                              <a:rPr lang="en-US" altLang="zh-CN" sz="1600">
+                                <a:latin typeface="Cambria Math" charset="0"/>
+                              </a:rPr>
+                              <m:t>2</m:t>
+                            </m:r>
+                          </m:sub>
+                        </m:sSub>
+                        <m:r>
+                          <a:rPr lang="en-US" altLang="zh-CN" sz="1600">
+                            <a:latin typeface="Cambria Math" charset="0"/>
+                          </a:rPr>
+                          <m:t>|</m:t>
+                        </m:r>
+                        <m:r>
+                          <m:rPr>
+                            <m:sty m:val="p"/>
+                          </m:rPr>
+                          <a:rPr lang="en-US" altLang="zh-CN" sz="1600">
+                            <a:latin typeface="Cambria Math" charset="0"/>
+                          </a:rPr>
+                          <m:t>x</m:t>
+                        </m:r>
+                      </m:e>
+                    </m:d>
+                  </m:oMath>
+                </a14:m>
+                <a:r>
+                  <a:rPr lang="zh-CN" altLang="zh-CN" sz="1600" dirty="0"/>
+                  <a:t>, …, </a:t>
+                </a:r>
+                <a14:m>
+                  <m:oMath xmlns:m="http://schemas.openxmlformats.org/officeDocument/2006/math">
+                    <m:r>
+                      <m:rPr>
+                        <m:sty m:val="p"/>
+                      </m:rPr>
+                      <a:rPr lang="en-US" altLang="zh-CN" sz="1600">
+                        <a:latin typeface="Cambria Math" charset="0"/>
+                      </a:rPr>
+                      <m:t>P</m:t>
+                    </m:r>
+                    <m:d>
+                      <m:dPr>
+                        <m:ctrlPr>
+                          <a:rPr lang="zh-CN" altLang="zh-CN" sz="1600" i="1">
+                            <a:latin typeface="Cambria Math" charset="0"/>
+                          </a:rPr>
+                        </m:ctrlPr>
+                      </m:dPr>
+                      <m:e>
+                        <m:sSub>
+                          <m:sSubPr>
+                            <m:ctrlPr>
+                              <a:rPr lang="zh-CN" altLang="zh-CN" sz="1600" i="1">
+                                <a:latin typeface="Cambria Math" charset="0"/>
+                              </a:rPr>
+                            </m:ctrlPr>
+                          </m:sSubPr>
+                          <m:e>
+                            <m:r>
+                              <m:rPr>
+                                <m:sty m:val="p"/>
+                              </m:rPr>
+                              <a:rPr lang="en-US" altLang="zh-CN" sz="1600">
+                                <a:latin typeface="Cambria Math" charset="0"/>
+                              </a:rPr>
+                              <m:t>y</m:t>
+                            </m:r>
+                          </m:e>
+                          <m:sub>
+                            <m:r>
+                              <m:rPr>
+                                <m:sty m:val="p"/>
+                              </m:rPr>
+                              <a:rPr lang="en-US" altLang="zh-CN" sz="1600">
+                                <a:latin typeface="Cambria Math" charset="0"/>
+                              </a:rPr>
+                              <m:t>n</m:t>
+                            </m:r>
+                          </m:sub>
+                        </m:sSub>
+                        <m:r>
+                          <a:rPr lang="en-US" altLang="zh-CN" sz="1600">
+                            <a:latin typeface="Cambria Math" charset="0"/>
+                          </a:rPr>
+                          <m:t>|</m:t>
+                        </m:r>
+                        <m:r>
+                          <m:rPr>
+                            <m:sty m:val="p"/>
+                          </m:rPr>
+                          <a:rPr lang="en-US" altLang="zh-CN" sz="1600">
+                            <a:latin typeface="Cambria Math" charset="0"/>
+                          </a:rPr>
+                          <m:t>x</m:t>
+                        </m:r>
+                      </m:e>
+                    </m:d>
+                  </m:oMath>
+                </a14:m>
+                <a:r>
+                  <a:rPr lang="zh-CN" altLang="zh-CN" sz="1600" dirty="0"/>
+                  <a:t> </a:t>
+                </a:r>
+                <a:r>
+                  <a:rPr lang="zh-CN" altLang="en-US" sz="1600" dirty="0" smtClean="0"/>
+                  <a:t>。</a:t>
+                </a:r>
+                <a:endParaRPr sz="1600" dirty="0"/>
+              </a:p>
+              <a:p>
+                <a:pPr marL="342900" indent="-342900">
+                  <a:buSzPct val="100000"/>
+                  <a:buFont typeface="+mj-lt"/>
+                  <a:buAutoNum type="arabicPeriod"/>
+                  <a:defRPr sz="1500"/>
+                </a:pPr>
+                <a:r>
+                  <a:rPr sz="1600" dirty="0"/>
+                  <a:t> 选出上一步骤中数值最大者</a:t>
+                </a:r>
+                <a14:m>
+                  <m:oMath xmlns:m="http://schemas.openxmlformats.org/officeDocument/2006/math">
+                    <m:r>
+                      <m:rPr>
+                        <m:sty m:val="p"/>
+                      </m:rPr>
+                      <a:rPr lang="en-US" altLang="zh-CN">
+                        <a:latin typeface="Cambria Math" charset="0"/>
+                      </a:rPr>
+                      <m:t>P</m:t>
+                    </m:r>
+                    <m:d>
+                      <m:dPr>
+                        <m:ctrlPr>
+                          <a:rPr lang="zh-CN" altLang="zh-CN" i="1">
+                            <a:latin typeface="Cambria Math" charset="0"/>
+                          </a:rPr>
+                        </m:ctrlPr>
+                      </m:dPr>
+                      <m:e>
+                        <m:sSub>
+                          <m:sSubPr>
+                            <m:ctrlPr>
+                              <a:rPr lang="zh-CN" altLang="zh-CN" i="1">
+                                <a:latin typeface="Cambria Math" charset="0"/>
+                              </a:rPr>
+                            </m:ctrlPr>
+                          </m:sSubPr>
+                          <m:e>
+                            <m:r>
+                              <m:rPr>
+                                <m:sty m:val="p"/>
+                              </m:rPr>
+                              <a:rPr lang="en-US" altLang="zh-CN">
+                                <a:latin typeface="Cambria Math" charset="0"/>
+                              </a:rPr>
+                              <m:t>y</m:t>
+                            </m:r>
+                          </m:e>
+                          <m:sub>
+                            <m:r>
+                              <m:rPr>
+                                <m:sty m:val="p"/>
+                              </m:rPr>
+                              <a:rPr lang="en-US" altLang="zh-CN" i="1" smtClean="0">
+                                <a:latin typeface="Cambria Math" charset="0"/>
+                              </a:rPr>
+                              <m:t>k</m:t>
+                            </m:r>
+                          </m:sub>
+                        </m:sSub>
+                        <m:r>
+                          <a:rPr lang="en-US" altLang="zh-CN">
+                            <a:latin typeface="Cambria Math" charset="0"/>
+                          </a:rPr>
+                          <m:t>|</m:t>
+                        </m:r>
+                        <m:r>
+                          <m:rPr>
+                            <m:sty m:val="p"/>
+                          </m:rPr>
+                          <a:rPr lang="en-US" altLang="zh-CN">
+                            <a:latin typeface="Cambria Math" charset="0"/>
+                          </a:rPr>
+                          <m:t>x</m:t>
+                        </m:r>
+                      </m:e>
+                    </m:d>
+                  </m:oMath>
+                </a14:m>
+                <a:r>
+                  <a:rPr lang="zh-CN" altLang="en-US" sz="1600" dirty="0" smtClean="0"/>
+                  <a:t>，</a:t>
+                </a:r>
+                <a:r>
+                  <a:rPr sz="1600" dirty="0" smtClean="0"/>
+                  <a:t>则选取</a:t>
+                </a:r>
+                <a:r>
+                  <a:rPr dirty="0"/>
+                  <a:t>k</a:t>
+                </a:r>
+                <a:r>
+                  <a:rPr sz="1600" dirty="0"/>
+                  <a:t>作为分类结果</a:t>
+                </a:r>
+                <a:r>
+                  <a:rPr sz="1600" dirty="0" smtClean="0"/>
+                  <a:t>。</a:t>
+                </a:r>
+                <a:endParaRPr lang="zh-CN" altLang="en-US" sz="1600" dirty="0" smtClean="0"/>
+              </a:p>
+              <a:p>
+                <a:pPr marL="342900" indent="-342900">
+                  <a:buSzPct val="100000"/>
+                  <a:buFont typeface="+mj-lt"/>
+                  <a:buAutoNum type="arabicPeriod"/>
+                  <a:defRPr sz="1500"/>
+                </a:pPr>
+                <a:endParaRPr sz="1600" dirty="0"/>
+              </a:p>
+              <a:p>
+                <a:pPr>
+                  <a:defRPr sz="1400"/>
+                </a:pPr>
+                <a:r>
+                  <a:rPr lang="zh-CN" altLang="en-US" sz="1600" dirty="0" smtClean="0"/>
+                  <a:t>其中，</a:t>
+                </a:r>
+                <a:r>
+                  <a:rPr sz="1600" dirty="0" smtClean="0"/>
+                  <a:t>第</a:t>
+                </a:r>
+                <a:r>
+                  <a:rPr sz="1600" dirty="0"/>
+                  <a:t>3步中的P(y</a:t>
+                </a:r>
+                <a:r>
+                  <a:rPr sz="1000" dirty="0"/>
+                  <a:t>i</a:t>
+                </a:r>
+                <a:r>
+                  <a:rPr sz="1600" dirty="0"/>
+                  <a:t>|x) = P(x|y</a:t>
+                </a:r>
+                <a:r>
+                  <a:rPr sz="1200" dirty="0"/>
+                  <a:t>i</a:t>
+                </a:r>
+                <a:r>
+                  <a:rPr sz="1600" dirty="0"/>
+                  <a:t>) * P(y</a:t>
+                </a:r>
+                <a:r>
+                  <a:rPr sz="1050" dirty="0"/>
+                  <a:t>i</a:t>
+                </a:r>
+                <a:r>
+                  <a:rPr sz="1600" dirty="0"/>
+                  <a:t>) / P(x) </a:t>
+                </a:r>
+                <a:r>
+                  <a:rPr lang="zh-CN" altLang="en-US" sz="1600" dirty="0" smtClean="0"/>
+                  <a:t>，由于</a:t>
+                </a:r>
+                <a:r>
+                  <a:rPr sz="1600" dirty="0" smtClean="0"/>
+                  <a:t>P(x</a:t>
+                </a:r>
+                <a:r>
+                  <a:rPr sz="1600" dirty="0"/>
+                  <a:t>)对于所有类别为常数</a:t>
+                </a:r>
+                <a:r>
+                  <a:rPr sz="1600" dirty="0" smtClean="0"/>
+                  <a:t>，只需</a:t>
+                </a:r>
+                <a:r>
+                  <a:rPr lang="zh-CN" altLang="en-US" sz="1600" dirty="0" smtClean="0"/>
+                  <a:t>比较</a:t>
+                </a:r>
+                <a:r>
+                  <a:rPr sz="1600" dirty="0" smtClean="0"/>
+                  <a:t>分子</a:t>
+                </a:r>
+                <a:r>
+                  <a:rPr sz="1600" dirty="0"/>
+                  <a:t>：</a:t>
+                </a:r>
+              </a:p>
+              <a:p>
+                <a:pPr algn="ctr">
+                  <a:defRPr sz="1400"/>
+                </a:pPr>
+                <a14:m>
+                  <m:oMath xmlns:m="http://schemas.openxmlformats.org/officeDocument/2006/math">
+                    <m:r>
+                      <m:rPr>
+                        <m:sty m:val="p"/>
+                      </m:rPr>
+                      <a:rPr lang="en-US" altLang="zh-CN" sz="1600">
+                        <a:latin typeface="Cambria Math" charset="0"/>
+                      </a:rPr>
+                      <m:t>P</m:t>
+                    </m:r>
+                    <m:d>
+                      <m:dPr>
+                        <m:ctrlPr>
+                          <a:rPr lang="zh-CN" altLang="zh-CN" sz="1600" i="1">
+                            <a:latin typeface="Cambria Math" charset="0"/>
+                          </a:rPr>
+                        </m:ctrlPr>
+                      </m:dPr>
+                      <m:e>
+                        <m:r>
+                          <m:rPr>
+                            <m:sty m:val="p"/>
+                          </m:rPr>
+                          <a:rPr lang="en-US" altLang="zh-CN" sz="1600">
+                            <a:latin typeface="Cambria Math" charset="0"/>
+                          </a:rPr>
+                          <m:t>x</m:t>
+                        </m:r>
+                        <m:r>
+                          <a:rPr lang="en-US" altLang="zh-CN" sz="1600">
+                            <a:latin typeface="Cambria Math" charset="0"/>
+                          </a:rPr>
+                          <m:t>|</m:t>
+                        </m:r>
+                        <m:sSub>
+                          <m:sSubPr>
+                            <m:ctrlPr>
+                              <a:rPr lang="zh-CN" altLang="zh-CN" sz="1600" i="1">
+                                <a:latin typeface="Cambria Math" charset="0"/>
+                              </a:rPr>
+                            </m:ctrlPr>
+                          </m:sSubPr>
+                          <m:e>
+                            <m:r>
+                              <m:rPr>
+                                <m:sty m:val="p"/>
+                              </m:rPr>
+                              <a:rPr lang="en-US" altLang="zh-CN" sz="1600">
+                                <a:latin typeface="Cambria Math" charset="0"/>
+                              </a:rPr>
+                              <m:t>y</m:t>
+                            </m:r>
+                          </m:e>
+                          <m:sub>
+                            <m:r>
+                              <m:rPr>
+                                <m:sty m:val="p"/>
+                              </m:rPr>
+                              <a:rPr lang="en-US" altLang="zh-CN" sz="1600">
+                                <a:latin typeface="Cambria Math" charset="0"/>
+                              </a:rPr>
+                              <m:t>i</m:t>
+                            </m:r>
+                          </m:sub>
+                        </m:sSub>
+                      </m:e>
+                    </m:d>
+                    <m:r>
+                      <a:rPr lang="en-US" altLang="zh-CN" sz="1600" i="1">
+                        <a:latin typeface="Cambria Math" charset="0"/>
+                      </a:rPr>
+                      <m:t>∗</m:t>
+                    </m:r>
+                    <m:r>
+                      <m:rPr>
+                        <m:sty m:val="p"/>
+                      </m:rPr>
+                      <a:rPr lang="en-US" altLang="zh-CN" sz="1600">
+                        <a:latin typeface="Cambria Math" charset="0"/>
+                      </a:rPr>
+                      <m:t>P</m:t>
+                    </m:r>
+                    <m:d>
+                      <m:dPr>
+                        <m:ctrlPr>
+                          <a:rPr lang="zh-CN" altLang="zh-CN" sz="1600" i="1">
+                            <a:latin typeface="Cambria Math" charset="0"/>
+                          </a:rPr>
+                        </m:ctrlPr>
+                      </m:dPr>
+                      <m:e>
+                        <m:sSub>
+                          <m:sSubPr>
+                            <m:ctrlPr>
+                              <a:rPr lang="zh-CN" altLang="zh-CN" sz="1600" i="1">
+                                <a:latin typeface="Cambria Math" charset="0"/>
+                              </a:rPr>
+                            </m:ctrlPr>
+                          </m:sSubPr>
+                          <m:e>
+                            <m:r>
+                              <m:rPr>
+                                <m:sty m:val="p"/>
+                              </m:rPr>
+                              <a:rPr lang="en-US" altLang="zh-CN" sz="1600">
+                                <a:latin typeface="Cambria Math" charset="0"/>
+                              </a:rPr>
+                              <m:t>y</m:t>
+                            </m:r>
+                          </m:e>
+                          <m:sub>
+                            <m:r>
+                              <m:rPr>
+                                <m:sty m:val="p"/>
+                              </m:rPr>
+                              <a:rPr lang="en-US" altLang="zh-CN" sz="1600">
+                                <a:latin typeface="Cambria Math" charset="0"/>
+                              </a:rPr>
+                              <m:t>i</m:t>
+                            </m:r>
+                          </m:sub>
+                        </m:sSub>
+                      </m:e>
+                    </m:d>
+                    <m:r>
+                      <a:rPr lang="en-US" altLang="zh-CN" sz="1600">
+                        <a:latin typeface="Cambria Math" charset="0"/>
+                      </a:rPr>
+                      <m:t>=</m:t>
+                    </m:r>
+                    <m:r>
+                      <m:rPr>
+                        <m:sty m:val="p"/>
+                      </m:rPr>
+                      <a:rPr lang="en-US" altLang="zh-CN" sz="1600">
+                        <a:latin typeface="Cambria Math" charset="0"/>
+                      </a:rPr>
+                      <m:t>P</m:t>
+                    </m:r>
+                    <m:d>
+                      <m:dPr>
+                        <m:ctrlPr>
+                          <a:rPr lang="zh-CN" altLang="zh-CN" sz="1600" i="1">
+                            <a:latin typeface="Cambria Math" charset="0"/>
+                          </a:rPr>
+                        </m:ctrlPr>
+                      </m:dPr>
+                      <m:e>
+                        <m:sSub>
+                          <m:sSubPr>
+                            <m:ctrlPr>
+                              <a:rPr lang="zh-CN" altLang="zh-CN" sz="1600" i="1">
+                                <a:latin typeface="Cambria Math" charset="0"/>
+                              </a:rPr>
+                            </m:ctrlPr>
+                          </m:sSubPr>
+                          <m:e>
+                            <m:r>
+                              <m:rPr>
+                                <m:sty m:val="p"/>
+                              </m:rPr>
+                              <a:rPr lang="en-US" altLang="zh-CN" sz="1600">
+                                <a:latin typeface="Cambria Math" charset="0"/>
+                              </a:rPr>
+                              <m:t>w</m:t>
+                            </m:r>
+                          </m:e>
+                          <m:sub>
+                            <m:r>
+                              <a:rPr lang="en-US" altLang="zh-CN" sz="1600">
+                                <a:latin typeface="Cambria Math" charset="0"/>
+                              </a:rPr>
+                              <m:t>1</m:t>
+                            </m:r>
+                          </m:sub>
+                        </m:sSub>
+                        <m:r>
+                          <a:rPr lang="en-US" altLang="zh-CN" sz="1600">
+                            <a:latin typeface="Cambria Math" charset="0"/>
+                          </a:rPr>
+                          <m:t>|</m:t>
+                        </m:r>
+                        <m:sSub>
+                          <m:sSubPr>
+                            <m:ctrlPr>
+                              <a:rPr lang="zh-CN" altLang="zh-CN" sz="1600" i="1">
+                                <a:latin typeface="Cambria Math" charset="0"/>
+                              </a:rPr>
+                            </m:ctrlPr>
+                          </m:sSubPr>
+                          <m:e>
+                            <m:r>
+                              <m:rPr>
+                                <m:sty m:val="p"/>
+                              </m:rPr>
+                              <a:rPr lang="en-US" altLang="zh-CN" sz="1600">
+                                <a:latin typeface="Cambria Math" charset="0"/>
+                              </a:rPr>
+                              <m:t>y</m:t>
+                            </m:r>
+                          </m:e>
+                          <m:sub>
+                            <m:r>
+                              <m:rPr>
+                                <m:sty m:val="p"/>
+                              </m:rPr>
+                              <a:rPr lang="en-US" altLang="zh-CN" sz="1600">
+                                <a:latin typeface="Cambria Math" charset="0"/>
+                              </a:rPr>
+                              <m:t>i</m:t>
+                            </m:r>
+                          </m:sub>
+                        </m:sSub>
+                      </m:e>
+                    </m:d>
+                    <m:r>
+                      <a:rPr lang="en-US" altLang="zh-CN" sz="1600">
+                        <a:latin typeface="Cambria Math" charset="0"/>
+                      </a:rPr>
+                      <m:t>×</m:t>
+                    </m:r>
+                    <m:r>
+                      <m:rPr>
+                        <m:sty m:val="p"/>
+                      </m:rPr>
+                      <a:rPr lang="en-US" altLang="zh-CN" sz="1600">
+                        <a:latin typeface="Cambria Math" charset="0"/>
+                      </a:rPr>
+                      <m:t>P</m:t>
+                    </m:r>
+                    <m:d>
+                      <m:dPr>
+                        <m:ctrlPr>
+                          <a:rPr lang="zh-CN" altLang="zh-CN" sz="1600" i="1">
+                            <a:latin typeface="Cambria Math" charset="0"/>
+                          </a:rPr>
+                        </m:ctrlPr>
+                      </m:dPr>
+                      <m:e>
+                        <m:sSub>
+                          <m:sSubPr>
+                            <m:ctrlPr>
+                              <a:rPr lang="zh-CN" altLang="zh-CN" sz="1600" i="1">
+                                <a:latin typeface="Cambria Math" charset="0"/>
+                              </a:rPr>
+                            </m:ctrlPr>
+                          </m:sSubPr>
+                          <m:e>
+                            <m:r>
+                              <m:rPr>
+                                <m:sty m:val="p"/>
+                              </m:rPr>
+                              <a:rPr lang="en-US" altLang="zh-CN" sz="1600">
+                                <a:latin typeface="Cambria Math" charset="0"/>
+                              </a:rPr>
+                              <m:t>w</m:t>
+                            </m:r>
+                          </m:e>
+                          <m:sub>
+                            <m:r>
+                              <a:rPr lang="en-US" altLang="zh-CN" sz="1600">
+                                <a:latin typeface="Cambria Math" charset="0"/>
+                              </a:rPr>
+                              <m:t>2</m:t>
+                            </m:r>
+                          </m:sub>
+                        </m:sSub>
+                        <m:r>
+                          <a:rPr lang="en-US" altLang="zh-CN" sz="1600">
+                            <a:latin typeface="Cambria Math" charset="0"/>
+                          </a:rPr>
+                          <m:t>|</m:t>
+                        </m:r>
+                        <m:sSub>
+                          <m:sSubPr>
+                            <m:ctrlPr>
+                              <a:rPr lang="zh-CN" altLang="zh-CN" sz="1600" i="1">
+                                <a:latin typeface="Cambria Math" charset="0"/>
+                              </a:rPr>
+                            </m:ctrlPr>
+                          </m:sSubPr>
+                          <m:e>
+                            <m:r>
+                              <m:rPr>
+                                <m:sty m:val="p"/>
+                              </m:rPr>
+                              <a:rPr lang="en-US" altLang="zh-CN" sz="1600">
+                                <a:latin typeface="Cambria Math" charset="0"/>
+                              </a:rPr>
+                              <m:t>y</m:t>
+                            </m:r>
+                          </m:e>
+                          <m:sub>
+                            <m:r>
+                              <m:rPr>
+                                <m:sty m:val="p"/>
+                              </m:rPr>
+                              <a:rPr lang="en-US" altLang="zh-CN" sz="1600">
+                                <a:latin typeface="Cambria Math" charset="0"/>
+                              </a:rPr>
+                              <m:t>i</m:t>
+                            </m:r>
+                          </m:sub>
+                        </m:sSub>
+                      </m:e>
+                    </m:d>
+                    <m:r>
+                      <a:rPr lang="en-US" altLang="zh-CN" sz="1600">
+                        <a:latin typeface="Cambria Math" charset="0"/>
+                      </a:rPr>
+                      <m:t>×…×</m:t>
+                    </m:r>
+                    <m:r>
+                      <m:rPr>
+                        <m:sty m:val="p"/>
+                      </m:rPr>
+                      <a:rPr lang="en-US" altLang="zh-CN" sz="1600">
+                        <a:latin typeface="Cambria Math" charset="0"/>
+                      </a:rPr>
+                      <m:t>P</m:t>
+                    </m:r>
+                    <m:d>
+                      <m:dPr>
+                        <m:ctrlPr>
+                          <a:rPr lang="zh-CN" altLang="zh-CN" sz="1600" i="1">
+                            <a:latin typeface="Cambria Math" charset="0"/>
+                          </a:rPr>
+                        </m:ctrlPr>
+                      </m:dPr>
+                      <m:e>
+                        <m:sSub>
+                          <m:sSubPr>
+                            <m:ctrlPr>
+                              <a:rPr lang="zh-CN" altLang="zh-CN" sz="1600" i="1">
+                                <a:latin typeface="Cambria Math" charset="0"/>
+                              </a:rPr>
+                            </m:ctrlPr>
+                          </m:sSubPr>
+                          <m:e>
+                            <m:r>
+                              <m:rPr>
+                                <m:sty m:val="p"/>
+                              </m:rPr>
+                              <a:rPr lang="en-US" altLang="zh-CN" sz="1600">
+                                <a:latin typeface="Cambria Math" charset="0"/>
+                              </a:rPr>
+                              <m:t>w</m:t>
+                            </m:r>
+                          </m:e>
+                          <m:sub>
+                            <m:r>
+                              <m:rPr>
+                                <m:sty m:val="p"/>
+                              </m:rPr>
+                              <a:rPr lang="en-US" altLang="zh-CN" sz="1600">
+                                <a:latin typeface="Cambria Math" charset="0"/>
+                              </a:rPr>
+                              <m:t>n</m:t>
+                            </m:r>
+                          </m:sub>
+                        </m:sSub>
+                        <m:r>
+                          <a:rPr lang="en-US" altLang="zh-CN" sz="1600">
+                            <a:latin typeface="Cambria Math" charset="0"/>
+                          </a:rPr>
+                          <m:t>|</m:t>
+                        </m:r>
+                        <m:sSub>
+                          <m:sSubPr>
+                            <m:ctrlPr>
+                              <a:rPr lang="zh-CN" altLang="zh-CN" sz="1600" i="1">
+                                <a:latin typeface="Cambria Math" charset="0"/>
+                              </a:rPr>
+                            </m:ctrlPr>
+                          </m:sSubPr>
+                          <m:e>
+                            <m:r>
+                              <m:rPr>
+                                <m:sty m:val="p"/>
+                              </m:rPr>
+                              <a:rPr lang="en-US" altLang="zh-CN" sz="1600">
+                                <a:latin typeface="Cambria Math" charset="0"/>
+                              </a:rPr>
+                              <m:t>y</m:t>
+                            </m:r>
+                          </m:e>
+                          <m:sub>
+                            <m:r>
+                              <m:rPr>
+                                <m:sty m:val="p"/>
+                              </m:rPr>
+                              <a:rPr lang="en-US" altLang="zh-CN" sz="1600">
+                                <a:latin typeface="Cambria Math" charset="0"/>
+                              </a:rPr>
+                              <m:t>i</m:t>
+                            </m:r>
+                          </m:sub>
+                        </m:sSub>
+                      </m:e>
+                    </m:d>
+                    <m:r>
+                      <a:rPr lang="en-US" altLang="zh-CN" sz="1600">
+                        <a:latin typeface="Cambria Math" charset="0"/>
+                      </a:rPr>
+                      <m:t>×</m:t>
+                    </m:r>
+                    <m:r>
+                      <m:rPr>
+                        <m:sty m:val="p"/>
+                      </m:rPr>
+                      <a:rPr lang="en-US" altLang="zh-CN" sz="1600">
+                        <a:latin typeface="Cambria Math" charset="0"/>
+                      </a:rPr>
+                      <m:t>P</m:t>
+                    </m:r>
+                    <m:r>
+                      <a:rPr lang="en-US" altLang="zh-CN" sz="1600">
+                        <a:latin typeface="Cambria Math" charset="0"/>
+                      </a:rPr>
+                      <m:t>(</m:t>
+                    </m:r>
+                    <m:sSub>
+                      <m:sSubPr>
+                        <m:ctrlPr>
+                          <a:rPr lang="zh-CN" altLang="zh-CN" sz="1600" i="1">
+                            <a:latin typeface="Cambria Math" charset="0"/>
+                          </a:rPr>
+                        </m:ctrlPr>
+                      </m:sSubPr>
+                      <m:e>
+                        <m:r>
+                          <m:rPr>
+                            <m:sty m:val="p"/>
+                          </m:rPr>
+                          <a:rPr lang="en-US" altLang="zh-CN" sz="1600">
+                            <a:latin typeface="Cambria Math" charset="0"/>
+                          </a:rPr>
+                          <m:t>y</m:t>
+                        </m:r>
+                      </m:e>
+                      <m:sub>
+                        <m:r>
+                          <m:rPr>
+                            <m:sty m:val="p"/>
+                          </m:rPr>
+                          <a:rPr lang="en-US" altLang="zh-CN" sz="1600">
+                            <a:latin typeface="Cambria Math" charset="0"/>
+                          </a:rPr>
+                          <m:t>i</m:t>
+                        </m:r>
+                      </m:sub>
+                    </m:sSub>
+                    <m:r>
+                      <a:rPr lang="en-US" altLang="zh-CN" sz="1600">
+                        <a:latin typeface="Cambria Math" charset="0"/>
+                      </a:rPr>
+                      <m:t>)</m:t>
+                    </m:r>
+                  </m:oMath>
+                </a14:m>
+                <a:r>
+                  <a:rPr dirty="0" smtClean="0"/>
+                  <a:t> </a:t>
+                </a:r>
+                <a:endParaRPr lang="zh-CN" altLang="en-US" dirty="0" smtClean="0"/>
+              </a:p>
+              <a:p>
+                <a:pPr algn="ctr">
+                  <a:defRPr sz="1400"/>
+                </a:pPr>
+                <a:endParaRPr lang="zh-CN" altLang="en-US" dirty="0" smtClean="0"/>
+              </a:p>
+              <a:p>
+                <a:pPr>
+                  <a:defRPr sz="1400"/>
+                </a:pPr>
+                <a:r>
+                  <a:rPr lang="zh-CN" altLang="en-US" sz="1600" dirty="0" smtClean="0"/>
+                  <a:t>因此，分类任务最终转化为求</a:t>
+                </a:r>
+                <a:r>
+                  <a:rPr lang="zh-CN" altLang="en-US" dirty="0" smtClean="0"/>
+                  <a:t>：</a:t>
+                </a:r>
+              </a:p>
+              <a:p>
+                <a:pPr algn="ctr">
+                  <a:defRPr sz="1400"/>
+                </a:pPr>
+                <a:r>
+                  <a:rPr lang="zh-CN" altLang="zh-CN" sz="1400" dirty="0"/>
+                  <a:t> </a:t>
+                </a:r>
+                <a14:m>
+                  <m:oMath xmlns:m="http://schemas.openxmlformats.org/officeDocument/2006/math">
+                    <m:f>
+                      <m:fPr>
+                        <m:type m:val="noBar"/>
+                        <m:ctrlPr>
+                          <a:rPr lang="zh-CN" altLang="zh-CN" sz="1600" i="1">
+                            <a:latin typeface="Cambria Math" charset="0"/>
+                          </a:rPr>
+                        </m:ctrlPr>
+                      </m:fPr>
+                      <m:num>
+                        <m:r>
+                          <m:rPr>
+                            <m:sty m:val="p"/>
+                          </m:rPr>
+                          <a:rPr lang="zh-CN" altLang="zh-CN" sz="1600">
+                            <a:latin typeface="Cambria Math" charset="0"/>
+                          </a:rPr>
+                          <m:t>argmax</m:t>
+                        </m:r>
+                      </m:num>
+                      <m:den>
+                        <m:r>
+                          <m:rPr>
+                            <m:sty m:val="p"/>
+                          </m:rPr>
+                          <a:rPr lang="zh-CN" altLang="zh-CN" sz="1600">
+                            <a:latin typeface="Cambria Math" charset="0"/>
+                          </a:rPr>
+                          <m:t>k</m:t>
+                        </m:r>
+                      </m:den>
+                    </m:f>
+                    <m:r>
+                      <m:rPr>
+                        <m:sty m:val="p"/>
+                      </m:rPr>
+                      <a:rPr lang="zh-CN" altLang="zh-CN" sz="1600">
+                        <a:latin typeface="Cambria Math" charset="0"/>
+                      </a:rPr>
+                      <m:t>P</m:t>
+                    </m:r>
+                    <m:r>
+                      <a:rPr lang="zh-CN" altLang="zh-CN" sz="1600">
+                        <a:latin typeface="Cambria Math" charset="0"/>
+                      </a:rPr>
+                      <m:t>(</m:t>
+                    </m:r>
+                    <m:sSub>
+                      <m:sSubPr>
+                        <m:ctrlPr>
+                          <a:rPr lang="zh-CN" altLang="zh-CN" sz="1600" i="1">
+                            <a:latin typeface="Cambria Math" charset="0"/>
+                          </a:rPr>
+                        </m:ctrlPr>
+                      </m:sSubPr>
+                      <m:e>
+                        <m:r>
+                          <m:rPr>
+                            <m:sty m:val="p"/>
+                          </m:rPr>
+                          <a:rPr lang="zh-CN" altLang="zh-CN" sz="1600">
+                            <a:latin typeface="Cambria Math" charset="0"/>
+                          </a:rPr>
+                          <m:t>y</m:t>
+                        </m:r>
+                      </m:e>
+                      <m:sub>
+                        <m:r>
+                          <m:rPr>
+                            <m:sty m:val="p"/>
+                          </m:rPr>
+                          <a:rPr lang="zh-CN" altLang="zh-CN" sz="1600">
+                            <a:latin typeface="Cambria Math" charset="0"/>
+                          </a:rPr>
+                          <m:t>k</m:t>
+                        </m:r>
+                      </m:sub>
+                    </m:sSub>
+                    <m:r>
+                      <a:rPr lang="zh-CN" altLang="zh-CN" sz="1600">
+                        <a:latin typeface="Cambria Math" charset="0"/>
+                      </a:rPr>
+                      <m:t>)</m:t>
+                    </m:r>
+                    <m:nary>
+                      <m:naryPr>
+                        <m:chr m:val="∏"/>
+                        <m:limLoc m:val="undOvr"/>
+                        <m:ctrlPr>
+                          <a:rPr lang="zh-CN" altLang="zh-CN" sz="1600" i="1">
+                            <a:latin typeface="Cambria Math" charset="0"/>
+                          </a:rPr>
+                        </m:ctrlPr>
+                      </m:naryPr>
+                      <m:sub>
+                        <m:r>
+                          <m:rPr>
+                            <m:sty m:val="p"/>
+                          </m:rPr>
+                          <a:rPr lang="zh-CN" altLang="zh-CN" sz="1600">
+                            <a:latin typeface="Cambria Math" charset="0"/>
+                          </a:rPr>
+                          <m:t>i</m:t>
+                        </m:r>
+                        <m:r>
+                          <a:rPr lang="zh-CN" altLang="zh-CN" sz="1600">
+                            <a:latin typeface="Cambria Math" charset="0"/>
+                          </a:rPr>
+                          <m:t>=1</m:t>
+                        </m:r>
+                      </m:sub>
+                      <m:sup>
+                        <m:r>
+                          <m:rPr>
+                            <m:sty m:val="p"/>
+                          </m:rPr>
+                          <a:rPr lang="zh-CN" altLang="zh-CN" sz="1600">
+                            <a:latin typeface="Cambria Math" charset="0"/>
+                          </a:rPr>
+                          <m:t>n</m:t>
+                        </m:r>
+                      </m:sup>
+                      <m:e>
+                        <m:r>
+                          <m:rPr>
+                            <m:sty m:val="p"/>
+                          </m:rPr>
+                          <a:rPr lang="zh-CN" altLang="zh-CN" sz="1600">
+                            <a:latin typeface="Cambria Math" charset="0"/>
+                          </a:rPr>
+                          <m:t>P</m:t>
+                        </m:r>
+                        <m:r>
+                          <a:rPr lang="zh-CN" altLang="zh-CN" sz="1600">
+                            <a:latin typeface="Cambria Math" charset="0"/>
+                          </a:rPr>
+                          <m:t>(</m:t>
+                        </m:r>
+                        <m:sSub>
+                          <m:sSubPr>
+                            <m:ctrlPr>
+                              <a:rPr lang="zh-CN" altLang="zh-CN" sz="1600" i="1">
+                                <a:latin typeface="Cambria Math" charset="0"/>
+                              </a:rPr>
+                            </m:ctrlPr>
+                          </m:sSubPr>
+                          <m:e>
+                            <m:r>
+                              <m:rPr>
+                                <m:sty m:val="p"/>
+                              </m:rPr>
+                              <a:rPr lang="zh-CN" altLang="zh-CN" sz="1600">
+                                <a:latin typeface="Cambria Math" charset="0"/>
+                              </a:rPr>
+                              <m:t>w</m:t>
+                            </m:r>
+                          </m:e>
+                          <m:sub>
+                            <m:r>
+                              <m:rPr>
+                                <m:sty m:val="p"/>
+                              </m:rPr>
+                              <a:rPr lang="zh-CN" altLang="zh-CN" sz="1600">
+                                <a:latin typeface="Cambria Math" charset="0"/>
+                              </a:rPr>
+                              <m:t>i</m:t>
+                            </m:r>
+                          </m:sub>
+                        </m:sSub>
+                        <m:r>
+                          <a:rPr lang="zh-CN" altLang="zh-CN" sz="1600">
+                            <a:latin typeface="Cambria Math" charset="0"/>
+                          </a:rPr>
+                          <m:t>|</m:t>
+                        </m:r>
+                        <m:sSub>
+                          <m:sSubPr>
+                            <m:ctrlPr>
+                              <a:rPr lang="zh-CN" altLang="zh-CN" sz="1600" i="1">
+                                <a:latin typeface="Cambria Math" charset="0"/>
+                              </a:rPr>
+                            </m:ctrlPr>
+                          </m:sSubPr>
+                          <m:e>
+                            <m:r>
+                              <m:rPr>
+                                <m:sty m:val="p"/>
+                              </m:rPr>
+                              <a:rPr lang="zh-CN" altLang="zh-CN" sz="1600">
+                                <a:latin typeface="Cambria Math" charset="0"/>
+                              </a:rPr>
+                              <m:t>y</m:t>
+                            </m:r>
+                          </m:e>
+                          <m:sub>
+                            <m:r>
+                              <m:rPr>
+                                <m:sty m:val="p"/>
+                              </m:rPr>
+                              <a:rPr lang="zh-CN" altLang="zh-CN" sz="1600">
+                                <a:latin typeface="Cambria Math" charset="0"/>
+                              </a:rPr>
+                              <m:t>k</m:t>
+                            </m:r>
+                          </m:sub>
+                        </m:sSub>
+                        <m:r>
+                          <a:rPr lang="zh-CN" altLang="zh-CN" sz="1600">
+                            <a:latin typeface="Cambria Math" charset="0"/>
+                          </a:rPr>
+                          <m:t>)</m:t>
+                        </m:r>
+                      </m:e>
+                    </m:nary>
+                  </m:oMath>
+                </a14:m>
+                <a:r>
+                  <a:rPr lang="zh-CN" altLang="zh-CN" sz="1600" dirty="0"/>
+                  <a:t> </a:t>
+                </a:r>
+                <a:endParaRPr sz="1600" dirty="0"/>
+              </a:p>
+            </p:txBody>
+          </p:sp>
+        </mc:Choice>
+        <mc:Fallback xmlns="">
+          <p:sp>
+            <p:nvSpPr>
+              <p:cNvPr id="110" name="Shape 110"/>
+              <p:cNvSpPr>
+                <a:spLocks noRot="1" noChangeAspect="1" noMove="1" noResize="1" noEditPoints="1" noAdjustHandles="1" noChangeArrowheads="1" noChangeShapeType="1" noTextEdit="1"/>
+              </p:cNvSpPr>
+              <p:nvPr/>
+            </p:nvSpPr>
+            <p:spPr>
+              <a:xfrm>
+                <a:off x="1042987" y="2933761"/>
+                <a:ext cx="6955060" cy="2911759"/>
+              </a:xfrm>
+              <a:prstGeom prst="rect">
+                <a:avLst/>
+              </a:prstGeom>
+              <a:blipFill rotWithShape="0">
+                <a:blip r:embed="rId3"/>
+                <a:stretch>
+                  <a:fillRect l="-1138" t="-209" b="-18372"/>
+                </a:stretch>
+              </a:blipFill>
+              <a:ln w="3175">
+                <a:solidFill>
+                  <a:srgbClr val="000000"/>
+                </a:solidFill>
+                <a:miter lim="400000"/>
+              </a:ln>
+              <a:extLst>
+                <a:ext uri="{C572A759-6A51-4108-AA02-DFA0A04FC94B}">
+                  <ma14:wrappingTextBoxFlag xmlns:ma14="http://schemas.microsoft.com/office/mac/drawingml/2011/main" val="1"/>
+                </a:ext>
+              </a:extLst>
             </p:spPr>
             <p:txBody>
               <a:bodyPr/>
